--- a/13.FUNCTIONAL PROGRAMMING/06. Java-Advanced-Functional-Programming.pptx
+++ b/13.FUNCTIONAL PROGRAMMING/06. Java-Advanced-Functional-Programming.pptx
@@ -5,10 +5,10 @@
     <p:sldMasterId id="2147483660" r:id="rId2"/>
   </p:sldMasterIdLst>
   <p:notesMasterIdLst>
-    <p:notesMasterId r:id="rId41"/>
+    <p:notesMasterId r:id="rId34"/>
   </p:notesMasterIdLst>
   <p:handoutMasterIdLst>
-    <p:handoutMasterId r:id="rId42"/>
+    <p:handoutMasterId r:id="rId35"/>
   </p:handoutMasterIdLst>
   <p:sldIdLst>
     <p:sldId id="394" r:id="rId3"/>
@@ -21,34 +21,27 @@
     <p:sldId id="556" r:id="rId10"/>
     <p:sldId id="528" r:id="rId11"/>
     <p:sldId id="529" r:id="rId12"/>
-    <p:sldId id="509" r:id="rId13"/>
-    <p:sldId id="510" r:id="rId14"/>
-    <p:sldId id="518" r:id="rId15"/>
-    <p:sldId id="538" r:id="rId16"/>
-    <p:sldId id="539" r:id="rId17"/>
-    <p:sldId id="537" r:id="rId18"/>
-    <p:sldId id="532" r:id="rId19"/>
-    <p:sldId id="514" r:id="rId20"/>
-    <p:sldId id="515" r:id="rId21"/>
-    <p:sldId id="517" r:id="rId22"/>
-    <p:sldId id="535" r:id="rId23"/>
-    <p:sldId id="536" r:id="rId24"/>
-    <p:sldId id="530" r:id="rId25"/>
-    <p:sldId id="531" r:id="rId26"/>
-    <p:sldId id="519" r:id="rId27"/>
-    <p:sldId id="540" r:id="rId28"/>
-    <p:sldId id="543" r:id="rId29"/>
-    <p:sldId id="553" r:id="rId30"/>
-    <p:sldId id="542" r:id="rId31"/>
-    <p:sldId id="520" r:id="rId32"/>
-    <p:sldId id="545" r:id="rId33"/>
-    <p:sldId id="546" r:id="rId34"/>
-    <p:sldId id="547" r:id="rId35"/>
-    <p:sldId id="548" r:id="rId36"/>
-    <p:sldId id="521" r:id="rId37"/>
-    <p:sldId id="522" r:id="rId38"/>
-    <p:sldId id="554" r:id="rId39"/>
-    <p:sldId id="557" r:id="rId40"/>
+    <p:sldId id="510" r:id="rId13"/>
+    <p:sldId id="518" r:id="rId14"/>
+    <p:sldId id="538" r:id="rId15"/>
+    <p:sldId id="539" r:id="rId16"/>
+    <p:sldId id="514" r:id="rId17"/>
+    <p:sldId id="515" r:id="rId18"/>
+    <p:sldId id="517" r:id="rId19"/>
+    <p:sldId id="535" r:id="rId20"/>
+    <p:sldId id="536" r:id="rId21"/>
+    <p:sldId id="530" r:id="rId22"/>
+    <p:sldId id="531" r:id="rId23"/>
+    <p:sldId id="540" r:id="rId24"/>
+    <p:sldId id="543" r:id="rId25"/>
+    <p:sldId id="553" r:id="rId26"/>
+    <p:sldId id="542" r:id="rId27"/>
+    <p:sldId id="520" r:id="rId28"/>
+    <p:sldId id="545" r:id="rId29"/>
+    <p:sldId id="546" r:id="rId30"/>
+    <p:sldId id="547" r:id="rId31"/>
+    <p:sldId id="548" r:id="rId32"/>
+    <p:sldId id="522" r:id="rId33"/>
   </p:sldIdLst>
   <p:sldSz cx="12188825" cy="6858000"/>
   <p:notesSz cx="6858000" cy="9144000"/>
@@ -170,17 +163,14 @@
         </p14:section>
         <p14:section name="Functions" id="{AD61A861-6132-44A0-959A-DCE59F8C929C}">
           <p14:sldIdLst>
-            <p14:sldId id="509"/>
             <p14:sldId id="510"/>
             <p14:sldId id="518"/>
             <p14:sldId id="538"/>
             <p14:sldId id="539"/>
-            <p14:sldId id="537"/>
           </p14:sldIdLst>
         </p14:section>
         <p14:section name="Other Functions" id="{414BE830-05EE-4E03-BD5E-4829A088DAC9}">
           <p14:sldIdLst>
-            <p14:sldId id="532"/>
             <p14:sldId id="514"/>
             <p14:sldId id="515"/>
             <p14:sldId id="517"/>
@@ -188,7 +178,6 @@
             <p14:sldId id="536"/>
             <p14:sldId id="530"/>
             <p14:sldId id="531"/>
-            <p14:sldId id="519"/>
           </p14:sldIdLst>
         </p14:section>
         <p14:section name="BiFunctions" id="{28F43F4A-E872-4F9F-91FD-9D6C0A6AA777}">
@@ -206,20 +195,17 @@
             <p14:sldId id="546"/>
             <p14:sldId id="547"/>
             <p14:sldId id="548"/>
-            <p14:sldId id="521"/>
           </p14:sldIdLst>
         </p14:section>
         <p14:section name="Summary" id="{A3E993C2-06F8-40DE-A7BA-CC244A9019ED}">
           <p14:sldIdLst>
             <p14:sldId id="522"/>
-            <p14:sldId id="554"/>
-            <p14:sldId id="557"/>
           </p14:sldIdLst>
         </p14:section>
       </p14:sectionLst>
     </p:ext>
     <p:ext uri="{EFAFB233-063F-42B5-8137-9DF3F51BA10A}">
-      <p15:sldGuideLst xmlns:p15="http://schemas.microsoft.com/office/powerpoint/2012/main">
+      <p15:sldGuideLst xmlns="" xmlns:p15="http://schemas.microsoft.com/office/powerpoint/2012/main">
         <p15:guide id="1" orient="horz" pos="2160" userDrawn="1">
           <p15:clr>
             <a:srgbClr val="A4A3A4"/>
@@ -233,7 +219,7 @@
       </p15:sldGuideLst>
     </p:ext>
     <p:ext uri="{2D200454-40CA-4A62-9FC3-DE9A4176ACB9}">
-      <p15:notesGuideLst xmlns:p15="http://schemas.microsoft.com/office/powerpoint/2012/main">
+      <p15:notesGuideLst xmlns="" xmlns:p15="http://schemas.microsoft.com/office/powerpoint/2012/main">
         <p15:guide id="1" orient="horz" pos="2880">
           <p15:clr>
             <a:srgbClr val="A4A3A4"/>
@@ -333,7 +319,7 @@
             <a:fld id="{FE5B4EDC-59C0-49C7-8ADA-5A781B329E02}" type="datetimeFigureOut">
               <a:rPr lang="en-US"/>
               <a:pPr/>
-              <a:t>9/29/2017</a:t>
+              <a:t>10/9/2017</a:t>
             </a:fld>
             <a:endParaRPr dirty="0"/>
           </a:p>
@@ -532,7 +518,7 @@
             <a:fld id="{F2D8D46A-B586-417D-BFBD-8C8FE0AAF762}" type="datetimeFigureOut">
               <a:rPr lang="en-US" smtClean="0"/>
               <a:pPr/>
-              <a:t>9/29/2017</a:t>
+              <a:t>10/9/2017</a:t>
             </a:fld>
             <a:endParaRPr lang="en-US" dirty="0"/>
           </a:p>
@@ -1276,7 +1262,7 @@
             <a:fld id="{3EBA5BD7-F043-4D1B-AA17-CD412FC534DE}" type="slidenum">
               <a:rPr lang="en-US" smtClean="0"/>
               <a:pPr/>
-              <a:t>11</a:t>
+              <a:t>22</a:t>
             </a:fld>
             <a:endParaRPr lang="en-US" dirty="0"/>
           </a:p>
@@ -1650,7 +1636,7 @@
     </p:spTree>
     <p:extLst>
       <p:ext uri="{BB962C8B-B14F-4D97-AF65-F5344CB8AC3E}">
-        <p14:creationId xmlns:p14="http://schemas.microsoft.com/office/powerpoint/2010/main" val="1337959311"/>
+        <p14:creationId xmlns:p14="http://schemas.microsoft.com/office/powerpoint/2010/main" val="4186459538"/>
       </p:ext>
     </p:extLst>
   </p:cSld>
@@ -1661,966 +1647,6 @@
 </file>
 
 <file path=ppt/notesSlides/notesSlide5.xml><?xml version="1.0" encoding="utf-8"?>
-<p:notes xmlns:a="http://schemas.openxmlformats.org/drawingml/2006/main" xmlns:r="http://schemas.openxmlformats.org/officeDocument/2006/relationships" xmlns:p="http://schemas.openxmlformats.org/presentationml/2006/main">
-  <p:cSld>
-    <p:spTree>
-      <p:nvGrpSpPr>
-        <p:cNvPr id="1" name=""/>
-        <p:cNvGrpSpPr/>
-        <p:nvPr/>
-      </p:nvGrpSpPr>
-      <p:grpSpPr>
-        <a:xfrm>
-          <a:off x="0" y="0"/>
-          <a:ext cx="0" cy="0"/>
-          <a:chOff x="0" y="0"/>
-          <a:chExt cx="0" cy="0"/>
-        </a:xfrm>
-      </p:grpSpPr>
-      <p:sp>
-        <p:nvSpPr>
-          <p:cNvPr id="2" name="Slide Image Placeholder 1"/>
-          <p:cNvSpPr>
-            <a:spLocks noGrp="1" noRot="1" noChangeAspect="1"/>
-          </p:cNvSpPr>
-          <p:nvPr>
-            <p:ph type="sldImg"/>
-          </p:nvPr>
-        </p:nvSpPr>
-        <p:spPr/>
-      </p:sp>
-      <p:sp>
-        <p:nvSpPr>
-          <p:cNvPr id="4" name="Footer Placeholder 3"/>
-          <p:cNvSpPr>
-            <a:spLocks noGrp="1"/>
-          </p:cNvSpPr>
-          <p:nvPr>
-            <p:ph type="ftr" sz="quarter" idx="10"/>
-          </p:nvPr>
-        </p:nvSpPr>
-        <p:spPr/>
-        <p:txBody>
-          <a:bodyPr/>
-          <a:lstStyle/>
-          <a:p>
-            <a:r>
-              <a:rPr lang="en-US" sz="1000" dirty="0"/>
-              <a:t>© Software University Foundation – </a:t>
-            </a:r>
-            <a:r>
-              <a:rPr lang="en-US" sz="1000" u="sng" dirty="0">
-                <a:hlinkClick r:id="rId3"/>
-              </a:rPr>
-              <a:t>http://softuni.org</a:t>
-            </a:r>
-            <a:endParaRPr lang="en-US" sz="1000" dirty="0"/>
-          </a:p>
-          <a:p>
-            <a:r>
-              <a:rPr lang="en-US" sz="1000" dirty="0"/>
-              <a:t>This work is licensed under the </a:t>
-            </a:r>
-            <a:r>
-              <a:rPr lang="en-US" sz="1000" u="sng" noProof="1">
-                <a:hlinkClick r:id="rId4"/>
-              </a:rPr>
-              <a:t>Creative Commons Attribution-NonCommercial-ShareAlike</a:t>
-            </a:r>
-            <a:r>
-              <a:rPr lang="en-US" sz="1000" noProof="1"/>
-              <a:t> </a:t>
-            </a:r>
-            <a:r>
-              <a:rPr lang="en-US" sz="1000" dirty="0"/>
-              <a:t>license.</a:t>
-            </a:r>
-          </a:p>
-        </p:txBody>
-      </p:sp>
-      <p:sp>
-        <p:nvSpPr>
-          <p:cNvPr id="5" name="Slide Number Placeholder 4"/>
-          <p:cNvSpPr>
-            <a:spLocks noGrp="1"/>
-          </p:cNvSpPr>
-          <p:nvPr>
-            <p:ph type="sldNum" sz="quarter" idx="11"/>
-          </p:nvPr>
-        </p:nvSpPr>
-        <p:spPr/>
-        <p:txBody>
-          <a:bodyPr/>
-          <a:lstStyle/>
-          <a:p>
-            <a:fld id="{3EBA5BD7-F043-4D1B-AA17-CD412FC534DE}" type="slidenum">
-              <a:rPr lang="en-US" smtClean="0"/>
-              <a:pPr/>
-              <a:t>17</a:t>
-            </a:fld>
-            <a:endParaRPr lang="en-US" dirty="0"/>
-          </a:p>
-        </p:txBody>
-      </p:sp>
-      <p:sp>
-        <p:nvSpPr>
-          <p:cNvPr id="6" name="Content Placeholder 2"/>
-          <p:cNvSpPr>
-            <a:spLocks noGrp="1"/>
-          </p:cNvSpPr>
-          <p:nvPr>
-            <p:ph type="body" idx="1"/>
-          </p:nvPr>
-        </p:nvSpPr>
-        <p:spPr/>
-        <p:txBody>
-          <a:bodyPr>
-            <a:normAutofit/>
-          </a:bodyPr>
-          <a:lstStyle/>
-          <a:p>
-            <a:pPr>
-              <a:lnSpc>
-                <a:spcPct val="110000"/>
-              </a:lnSpc>
-            </a:pPr>
-            <a:r>
-              <a:rPr lang="en-US" dirty="0">
-                <a:solidFill>
-                  <a:schemeClr val="tx2">
-                    <a:lumMod val="75000"/>
-                  </a:schemeClr>
-                </a:solidFill>
-              </a:rPr>
-              <a:t>Functional programming </a:t>
-            </a:r>
-            <a:r>
-              <a:rPr lang="en-US" dirty="0"/>
-              <a:t>is a programming paradigm</a:t>
-            </a:r>
-          </a:p>
-          <a:p>
-            <a:pPr lvl="1">
-              <a:lnSpc>
-                <a:spcPct val="110000"/>
-              </a:lnSpc>
-            </a:pPr>
-            <a:r>
-              <a:rPr lang="en-US" dirty="0"/>
-              <a:t>Uses computations of </a:t>
-            </a:r>
-            <a:r>
-              <a:rPr lang="en-US" dirty="0">
-                <a:solidFill>
-                  <a:schemeClr val="tx2">
-                    <a:lumMod val="75000"/>
-                  </a:schemeClr>
-                </a:solidFill>
-              </a:rPr>
-              <a:t>mathematical functions </a:t>
-            </a:r>
-            <a:r>
-              <a:rPr lang="en-US" dirty="0"/>
-              <a:t>to build programs</a:t>
-            </a:r>
-          </a:p>
-          <a:p>
-            <a:pPr lvl="1">
-              <a:lnSpc>
-                <a:spcPct val="110000"/>
-              </a:lnSpc>
-            </a:pPr>
-            <a:r>
-              <a:rPr lang="en-US" dirty="0">
-                <a:solidFill>
-                  <a:schemeClr val="tx2">
-                    <a:lumMod val="75000"/>
-                  </a:schemeClr>
-                </a:solidFill>
-              </a:rPr>
-              <a:t>Declarative programming </a:t>
-            </a:r>
-            <a:r>
-              <a:rPr lang="en-US" dirty="0"/>
-              <a:t>paradigm (not imperative)</a:t>
-            </a:r>
-          </a:p>
-          <a:p>
-            <a:pPr>
-              <a:lnSpc>
-                <a:spcPct val="110000"/>
-              </a:lnSpc>
-            </a:pPr>
-            <a:r>
-              <a:rPr lang="en-US" dirty="0"/>
-              <a:t>Pure-functional languages (no variables and loops): </a:t>
-            </a:r>
-            <a:r>
-              <a:rPr lang="en-US" dirty="0">
-                <a:solidFill>
-                  <a:schemeClr val="tx2">
-                    <a:lumMod val="75000"/>
-                  </a:schemeClr>
-                </a:solidFill>
-              </a:rPr>
-              <a:t>Haskell</a:t>
-            </a:r>
-          </a:p>
-          <a:p>
-            <a:pPr>
-              <a:lnSpc>
-                <a:spcPct val="110000"/>
-              </a:lnSpc>
-            </a:pPr>
-            <a:r>
-              <a:rPr lang="en-US" dirty="0"/>
-              <a:t>Almost-functional: </a:t>
-            </a:r>
-            <a:r>
-              <a:rPr lang="en-US" noProof="1">
-                <a:solidFill>
-                  <a:schemeClr val="tx2">
-                    <a:lumMod val="75000"/>
-                  </a:schemeClr>
-                </a:solidFill>
-              </a:rPr>
-              <a:t>Clojure</a:t>
-            </a:r>
-            <a:r>
-              <a:rPr lang="en-US" dirty="0"/>
-              <a:t>, </a:t>
-            </a:r>
-            <a:r>
-              <a:rPr lang="en-US" dirty="0">
-                <a:solidFill>
-                  <a:schemeClr val="tx2">
-                    <a:lumMod val="75000"/>
-                  </a:schemeClr>
-                </a:solidFill>
-              </a:rPr>
-              <a:t>Lisp</a:t>
-            </a:r>
-            <a:r>
-              <a:rPr lang="en-US" dirty="0"/>
-              <a:t>, </a:t>
-            </a:r>
-            <a:r>
-              <a:rPr lang="en-US" dirty="0">
-                <a:solidFill>
-                  <a:schemeClr val="tx2">
-                    <a:lumMod val="75000"/>
-                  </a:schemeClr>
-                </a:solidFill>
-              </a:rPr>
-              <a:t>Scheme</a:t>
-            </a:r>
-            <a:r>
-              <a:rPr lang="en-US" dirty="0"/>
-              <a:t>, </a:t>
-            </a:r>
-            <a:r>
-              <a:rPr lang="en-US" dirty="0">
-                <a:solidFill>
-                  <a:schemeClr val="tx2">
-                    <a:lumMod val="75000"/>
-                  </a:schemeClr>
-                </a:solidFill>
-              </a:rPr>
-              <a:t>Scala</a:t>
-            </a:r>
-            <a:r>
-              <a:rPr lang="en-US" dirty="0"/>
-              <a:t>, </a:t>
-            </a:r>
-            <a:r>
-              <a:rPr lang="en-US" dirty="0">
-                <a:solidFill>
-                  <a:schemeClr val="tx2">
-                    <a:lumMod val="75000"/>
-                  </a:schemeClr>
-                </a:solidFill>
-              </a:rPr>
-              <a:t>F#</a:t>
-            </a:r>
-            <a:r>
-              <a:rPr lang="en-US" dirty="0"/>
-              <a:t>, </a:t>
-            </a:r>
-            <a:r>
-              <a:rPr lang="en-US" dirty="0">
-                <a:solidFill>
-                  <a:schemeClr val="tx2">
-                    <a:lumMod val="75000"/>
-                  </a:schemeClr>
-                </a:solidFill>
-              </a:rPr>
-              <a:t>JavaScript</a:t>
-            </a:r>
-          </a:p>
-          <a:p>
-            <a:pPr>
-              <a:lnSpc>
-                <a:spcPct val="110000"/>
-              </a:lnSpc>
-            </a:pPr>
-            <a:r>
-              <a:rPr lang="en-US" dirty="0"/>
-              <a:t>Imperative with functional support: </a:t>
-            </a:r>
-            <a:r>
-              <a:rPr lang="en-US" dirty="0">
-                <a:solidFill>
-                  <a:schemeClr val="tx2">
-                    <a:lumMod val="75000"/>
-                  </a:schemeClr>
-                </a:solidFill>
-              </a:rPr>
-              <a:t>C#</a:t>
-            </a:r>
-            <a:r>
-              <a:rPr lang="en-US" dirty="0"/>
-              <a:t>, </a:t>
-            </a:r>
-            <a:r>
-              <a:rPr lang="en-US" dirty="0">
-                <a:solidFill>
-                  <a:schemeClr val="tx2">
-                    <a:lumMod val="75000"/>
-                  </a:schemeClr>
-                </a:solidFill>
-              </a:rPr>
-              <a:t>Python</a:t>
-            </a:r>
-            <a:r>
-              <a:rPr lang="en-US" dirty="0"/>
-              <a:t>, </a:t>
-            </a:r>
-            <a:r>
-              <a:rPr lang="en-US" dirty="0">
-                <a:solidFill>
-                  <a:schemeClr val="tx2">
-                    <a:lumMod val="75000"/>
-                  </a:schemeClr>
-                </a:solidFill>
-              </a:rPr>
-              <a:t>Ruby</a:t>
-            </a:r>
-            <a:r>
-              <a:rPr lang="en-US" dirty="0"/>
-              <a:t>, </a:t>
-            </a:r>
-            <a:r>
-              <a:rPr lang="en-US" dirty="0">
-                <a:solidFill>
-                  <a:schemeClr val="tx2">
-                    <a:lumMod val="75000"/>
-                  </a:schemeClr>
-                </a:solidFill>
-              </a:rPr>
-              <a:t>PHP</a:t>
-            </a:r>
-            <a:r>
-              <a:rPr lang="en-US" dirty="0"/>
-              <a:t>, </a:t>
-            </a:r>
-            <a:r>
-              <a:rPr lang="en-US" dirty="0">
-                <a:solidFill>
-                  <a:schemeClr val="tx2">
-                    <a:lumMod val="75000"/>
-                  </a:schemeClr>
-                </a:solidFill>
-              </a:rPr>
-              <a:t>Java</a:t>
-            </a:r>
-          </a:p>
-          <a:p>
-            <a:pPr>
-              <a:lnSpc>
-                <a:spcPct val="110000"/>
-              </a:lnSpc>
-            </a:pPr>
-            <a:r>
-              <a:rPr lang="en-US" dirty="0"/>
-              <a:t>Non-functional: </a:t>
-            </a:r>
-            <a:r>
-              <a:rPr lang="en-US" dirty="0">
-                <a:solidFill>
-                  <a:schemeClr val="tx2">
-                    <a:lumMod val="75000"/>
-                  </a:schemeClr>
-                </a:solidFill>
-              </a:rPr>
-              <a:t>C</a:t>
-            </a:r>
-            <a:r>
-              <a:rPr lang="en-US" dirty="0"/>
-              <a:t>, </a:t>
-            </a:r>
-            <a:r>
-              <a:rPr lang="en-US" dirty="0">
-                <a:solidFill>
-                  <a:schemeClr val="tx2">
-                    <a:lumMod val="75000"/>
-                  </a:schemeClr>
-                </a:solidFill>
-              </a:rPr>
-              <a:t>Pascal</a:t>
-            </a:r>
-            <a:r>
-              <a:rPr lang="en-US" dirty="0"/>
-              <a:t>, the old versions of </a:t>
-            </a:r>
-            <a:r>
-              <a:rPr lang="en-US" dirty="0">
-                <a:solidFill>
-                  <a:schemeClr val="tx2">
-                    <a:lumMod val="75000"/>
-                  </a:schemeClr>
-                </a:solidFill>
-              </a:rPr>
-              <a:t>C#</a:t>
-            </a:r>
-            <a:r>
-              <a:rPr lang="en-US" dirty="0"/>
-              <a:t>, </a:t>
-            </a:r>
-            <a:r>
-              <a:rPr lang="en-US" dirty="0">
-                <a:solidFill>
-                  <a:schemeClr val="tx2">
-                    <a:lumMod val="75000"/>
-                  </a:schemeClr>
-                </a:solidFill>
-              </a:rPr>
-              <a:t>Java</a:t>
-            </a:r>
-            <a:r>
-              <a:rPr lang="en-US" dirty="0"/>
-              <a:t>, </a:t>
-            </a:r>
-            <a:r>
-              <a:rPr lang="en-US" dirty="0">
-                <a:solidFill>
-                  <a:schemeClr val="tx2">
-                    <a:lumMod val="75000"/>
-                  </a:schemeClr>
-                </a:solidFill>
-              </a:rPr>
-              <a:t>C++</a:t>
-            </a:r>
-            <a:r>
-              <a:rPr lang="en-US" dirty="0"/>
-              <a:t>, </a:t>
-            </a:r>
-            <a:r>
-              <a:rPr lang="en-US" dirty="0">
-                <a:solidFill>
-                  <a:schemeClr val="tx2">
-                    <a:lumMod val="75000"/>
-                  </a:schemeClr>
-                </a:solidFill>
-              </a:rPr>
-              <a:t>PHP</a:t>
-            </a:r>
-          </a:p>
-        </p:txBody>
-      </p:sp>
-    </p:spTree>
-    <p:extLst>
-      <p:ext uri="{BB962C8B-B14F-4D97-AF65-F5344CB8AC3E}">
-        <p14:creationId xmlns:p14="http://schemas.microsoft.com/office/powerpoint/2010/main" val="1902659173"/>
-      </p:ext>
-    </p:extLst>
-  </p:cSld>
-  <p:clrMapOvr>
-    <a:masterClrMapping/>
-  </p:clrMapOvr>
-</p:notes>
-</file>
-
-<file path=ppt/notesSlides/notesSlide6.xml><?xml version="1.0" encoding="utf-8"?>
-<p:notes xmlns:a="http://schemas.openxmlformats.org/drawingml/2006/main" xmlns:r="http://schemas.openxmlformats.org/officeDocument/2006/relationships" xmlns:p="http://schemas.openxmlformats.org/presentationml/2006/main">
-  <p:cSld>
-    <p:spTree>
-      <p:nvGrpSpPr>
-        <p:cNvPr id="1" name=""/>
-        <p:cNvGrpSpPr/>
-        <p:nvPr/>
-      </p:nvGrpSpPr>
-      <p:grpSpPr>
-        <a:xfrm>
-          <a:off x="0" y="0"/>
-          <a:ext cx="0" cy="0"/>
-          <a:chOff x="0" y="0"/>
-          <a:chExt cx="0" cy="0"/>
-        </a:xfrm>
-      </p:grpSpPr>
-      <p:sp>
-        <p:nvSpPr>
-          <p:cNvPr id="2" name="Slide Image Placeholder 1"/>
-          <p:cNvSpPr>
-            <a:spLocks noGrp="1" noRot="1" noChangeAspect="1"/>
-          </p:cNvSpPr>
-          <p:nvPr>
-            <p:ph type="sldImg"/>
-          </p:nvPr>
-        </p:nvSpPr>
-        <p:spPr/>
-      </p:sp>
-      <p:sp>
-        <p:nvSpPr>
-          <p:cNvPr id="4" name="Footer Placeholder 3"/>
-          <p:cNvSpPr>
-            <a:spLocks noGrp="1"/>
-          </p:cNvSpPr>
-          <p:nvPr>
-            <p:ph type="ftr" sz="quarter" idx="10"/>
-          </p:nvPr>
-        </p:nvSpPr>
-        <p:spPr/>
-        <p:txBody>
-          <a:bodyPr/>
-          <a:lstStyle/>
-          <a:p>
-            <a:r>
-              <a:rPr lang="en-US" sz="1000" dirty="0"/>
-              <a:t>© Software University Foundation – </a:t>
-            </a:r>
-            <a:r>
-              <a:rPr lang="en-US" sz="1000" u="sng" dirty="0">
-                <a:hlinkClick r:id="rId3"/>
-              </a:rPr>
-              <a:t>http://softuni.org</a:t>
-            </a:r>
-            <a:endParaRPr lang="en-US" sz="1000" dirty="0"/>
-          </a:p>
-          <a:p>
-            <a:r>
-              <a:rPr lang="en-US" sz="1000" dirty="0"/>
-              <a:t>This work is licensed under the </a:t>
-            </a:r>
-            <a:r>
-              <a:rPr lang="en-US" sz="1000" u="sng" noProof="1">
-                <a:hlinkClick r:id="rId4"/>
-              </a:rPr>
-              <a:t>Creative Commons Attribution-NonCommercial-ShareAlike</a:t>
-            </a:r>
-            <a:r>
-              <a:rPr lang="en-US" sz="1000" noProof="1"/>
-              <a:t> </a:t>
-            </a:r>
-            <a:r>
-              <a:rPr lang="en-US" sz="1000" dirty="0"/>
-              <a:t>license.</a:t>
-            </a:r>
-          </a:p>
-        </p:txBody>
-      </p:sp>
-      <p:sp>
-        <p:nvSpPr>
-          <p:cNvPr id="5" name="Slide Number Placeholder 4"/>
-          <p:cNvSpPr>
-            <a:spLocks noGrp="1"/>
-          </p:cNvSpPr>
-          <p:nvPr>
-            <p:ph type="sldNum" sz="quarter" idx="11"/>
-          </p:nvPr>
-        </p:nvSpPr>
-        <p:spPr/>
-        <p:txBody>
-          <a:bodyPr/>
-          <a:lstStyle/>
-          <a:p>
-            <a:fld id="{3EBA5BD7-F043-4D1B-AA17-CD412FC534DE}" type="slidenum">
-              <a:rPr lang="en-US" smtClean="0"/>
-              <a:pPr/>
-              <a:t>26</a:t>
-            </a:fld>
-            <a:endParaRPr lang="en-US" dirty="0"/>
-          </a:p>
-        </p:txBody>
-      </p:sp>
-      <p:sp>
-        <p:nvSpPr>
-          <p:cNvPr id="6" name="Content Placeholder 2"/>
-          <p:cNvSpPr>
-            <a:spLocks noGrp="1"/>
-          </p:cNvSpPr>
-          <p:nvPr>
-            <p:ph type="body" idx="1"/>
-          </p:nvPr>
-        </p:nvSpPr>
-        <p:spPr/>
-        <p:txBody>
-          <a:bodyPr>
-            <a:normAutofit/>
-          </a:bodyPr>
-          <a:lstStyle/>
-          <a:p>
-            <a:pPr>
-              <a:lnSpc>
-                <a:spcPct val="110000"/>
-              </a:lnSpc>
-            </a:pPr>
-            <a:r>
-              <a:rPr lang="en-US" dirty="0">
-                <a:solidFill>
-                  <a:schemeClr val="tx2">
-                    <a:lumMod val="75000"/>
-                  </a:schemeClr>
-                </a:solidFill>
-              </a:rPr>
-              <a:t>Functional programming </a:t>
-            </a:r>
-            <a:r>
-              <a:rPr lang="en-US" dirty="0"/>
-              <a:t>is a programming paradigm</a:t>
-            </a:r>
-          </a:p>
-          <a:p>
-            <a:pPr lvl="1">
-              <a:lnSpc>
-                <a:spcPct val="110000"/>
-              </a:lnSpc>
-            </a:pPr>
-            <a:r>
-              <a:rPr lang="en-US" dirty="0"/>
-              <a:t>Uses computations of </a:t>
-            </a:r>
-            <a:r>
-              <a:rPr lang="en-US" dirty="0">
-                <a:solidFill>
-                  <a:schemeClr val="tx2">
-                    <a:lumMod val="75000"/>
-                  </a:schemeClr>
-                </a:solidFill>
-              </a:rPr>
-              <a:t>mathematical functions </a:t>
-            </a:r>
-            <a:r>
-              <a:rPr lang="en-US" dirty="0"/>
-              <a:t>to build programs</a:t>
-            </a:r>
-          </a:p>
-          <a:p>
-            <a:pPr lvl="1">
-              <a:lnSpc>
-                <a:spcPct val="110000"/>
-              </a:lnSpc>
-            </a:pPr>
-            <a:r>
-              <a:rPr lang="en-US" dirty="0">
-                <a:solidFill>
-                  <a:schemeClr val="tx2">
-                    <a:lumMod val="75000"/>
-                  </a:schemeClr>
-                </a:solidFill>
-              </a:rPr>
-              <a:t>Declarative programming </a:t>
-            </a:r>
-            <a:r>
-              <a:rPr lang="en-US" dirty="0"/>
-              <a:t>paradigm (not imperative)</a:t>
-            </a:r>
-          </a:p>
-          <a:p>
-            <a:pPr>
-              <a:lnSpc>
-                <a:spcPct val="110000"/>
-              </a:lnSpc>
-            </a:pPr>
-            <a:r>
-              <a:rPr lang="en-US" dirty="0"/>
-              <a:t>Pure-functional languages (no variables and loops): </a:t>
-            </a:r>
-            <a:r>
-              <a:rPr lang="en-US" dirty="0">
-                <a:solidFill>
-                  <a:schemeClr val="tx2">
-                    <a:lumMod val="75000"/>
-                  </a:schemeClr>
-                </a:solidFill>
-              </a:rPr>
-              <a:t>Haskell</a:t>
-            </a:r>
-          </a:p>
-          <a:p>
-            <a:pPr>
-              <a:lnSpc>
-                <a:spcPct val="110000"/>
-              </a:lnSpc>
-            </a:pPr>
-            <a:r>
-              <a:rPr lang="en-US" dirty="0"/>
-              <a:t>Almost-functional: </a:t>
-            </a:r>
-            <a:r>
-              <a:rPr lang="en-US" noProof="1">
-                <a:solidFill>
-                  <a:schemeClr val="tx2">
-                    <a:lumMod val="75000"/>
-                  </a:schemeClr>
-                </a:solidFill>
-              </a:rPr>
-              <a:t>Clojure</a:t>
-            </a:r>
-            <a:r>
-              <a:rPr lang="en-US" dirty="0"/>
-              <a:t>, </a:t>
-            </a:r>
-            <a:r>
-              <a:rPr lang="en-US" dirty="0">
-                <a:solidFill>
-                  <a:schemeClr val="tx2">
-                    <a:lumMod val="75000"/>
-                  </a:schemeClr>
-                </a:solidFill>
-              </a:rPr>
-              <a:t>Lisp</a:t>
-            </a:r>
-            <a:r>
-              <a:rPr lang="en-US" dirty="0"/>
-              <a:t>, </a:t>
-            </a:r>
-            <a:r>
-              <a:rPr lang="en-US" dirty="0">
-                <a:solidFill>
-                  <a:schemeClr val="tx2">
-                    <a:lumMod val="75000"/>
-                  </a:schemeClr>
-                </a:solidFill>
-              </a:rPr>
-              <a:t>Scheme</a:t>
-            </a:r>
-            <a:r>
-              <a:rPr lang="en-US" dirty="0"/>
-              <a:t>, </a:t>
-            </a:r>
-            <a:r>
-              <a:rPr lang="en-US" dirty="0">
-                <a:solidFill>
-                  <a:schemeClr val="tx2">
-                    <a:lumMod val="75000"/>
-                  </a:schemeClr>
-                </a:solidFill>
-              </a:rPr>
-              <a:t>Scala</a:t>
-            </a:r>
-            <a:r>
-              <a:rPr lang="en-US" dirty="0"/>
-              <a:t>, </a:t>
-            </a:r>
-            <a:r>
-              <a:rPr lang="en-US" dirty="0">
-                <a:solidFill>
-                  <a:schemeClr val="tx2">
-                    <a:lumMod val="75000"/>
-                  </a:schemeClr>
-                </a:solidFill>
-              </a:rPr>
-              <a:t>F#</a:t>
-            </a:r>
-            <a:r>
-              <a:rPr lang="en-US" dirty="0"/>
-              <a:t>, </a:t>
-            </a:r>
-            <a:r>
-              <a:rPr lang="en-US" dirty="0">
-                <a:solidFill>
-                  <a:schemeClr val="tx2">
-                    <a:lumMod val="75000"/>
-                  </a:schemeClr>
-                </a:solidFill>
-              </a:rPr>
-              <a:t>JavaScript</a:t>
-            </a:r>
-          </a:p>
-          <a:p>
-            <a:pPr>
-              <a:lnSpc>
-                <a:spcPct val="110000"/>
-              </a:lnSpc>
-            </a:pPr>
-            <a:r>
-              <a:rPr lang="en-US" dirty="0"/>
-              <a:t>Imperative with functional support: </a:t>
-            </a:r>
-            <a:r>
-              <a:rPr lang="en-US" dirty="0">
-                <a:solidFill>
-                  <a:schemeClr val="tx2">
-                    <a:lumMod val="75000"/>
-                  </a:schemeClr>
-                </a:solidFill>
-              </a:rPr>
-              <a:t>C#</a:t>
-            </a:r>
-            <a:r>
-              <a:rPr lang="en-US" dirty="0"/>
-              <a:t>, </a:t>
-            </a:r>
-            <a:r>
-              <a:rPr lang="en-US" dirty="0">
-                <a:solidFill>
-                  <a:schemeClr val="tx2">
-                    <a:lumMod val="75000"/>
-                  </a:schemeClr>
-                </a:solidFill>
-              </a:rPr>
-              <a:t>Python</a:t>
-            </a:r>
-            <a:r>
-              <a:rPr lang="en-US" dirty="0"/>
-              <a:t>, </a:t>
-            </a:r>
-            <a:r>
-              <a:rPr lang="en-US" dirty="0">
-                <a:solidFill>
-                  <a:schemeClr val="tx2">
-                    <a:lumMod val="75000"/>
-                  </a:schemeClr>
-                </a:solidFill>
-              </a:rPr>
-              <a:t>Ruby</a:t>
-            </a:r>
-            <a:r>
-              <a:rPr lang="en-US" dirty="0"/>
-              <a:t>, </a:t>
-            </a:r>
-            <a:r>
-              <a:rPr lang="en-US" dirty="0">
-                <a:solidFill>
-                  <a:schemeClr val="tx2">
-                    <a:lumMod val="75000"/>
-                  </a:schemeClr>
-                </a:solidFill>
-              </a:rPr>
-              <a:t>PHP</a:t>
-            </a:r>
-            <a:r>
-              <a:rPr lang="en-US" dirty="0"/>
-              <a:t>, </a:t>
-            </a:r>
-            <a:r>
-              <a:rPr lang="en-US" dirty="0">
-                <a:solidFill>
-                  <a:schemeClr val="tx2">
-                    <a:lumMod val="75000"/>
-                  </a:schemeClr>
-                </a:solidFill>
-              </a:rPr>
-              <a:t>Java</a:t>
-            </a:r>
-          </a:p>
-          <a:p>
-            <a:pPr>
-              <a:lnSpc>
-                <a:spcPct val="110000"/>
-              </a:lnSpc>
-            </a:pPr>
-            <a:r>
-              <a:rPr lang="en-US" dirty="0"/>
-              <a:t>Non-functional: </a:t>
-            </a:r>
-            <a:r>
-              <a:rPr lang="en-US" dirty="0">
-                <a:solidFill>
-                  <a:schemeClr val="tx2">
-                    <a:lumMod val="75000"/>
-                  </a:schemeClr>
-                </a:solidFill>
-              </a:rPr>
-              <a:t>C</a:t>
-            </a:r>
-            <a:r>
-              <a:rPr lang="en-US" dirty="0"/>
-              <a:t>, </a:t>
-            </a:r>
-            <a:r>
-              <a:rPr lang="en-US" dirty="0">
-                <a:solidFill>
-                  <a:schemeClr val="tx2">
-                    <a:lumMod val="75000"/>
-                  </a:schemeClr>
-                </a:solidFill>
-              </a:rPr>
-              <a:t>Pascal</a:t>
-            </a:r>
-            <a:r>
-              <a:rPr lang="en-US" dirty="0"/>
-              <a:t>, the old versions of </a:t>
-            </a:r>
-            <a:r>
-              <a:rPr lang="en-US" dirty="0">
-                <a:solidFill>
-                  <a:schemeClr val="tx2">
-                    <a:lumMod val="75000"/>
-                  </a:schemeClr>
-                </a:solidFill>
-              </a:rPr>
-              <a:t>C#</a:t>
-            </a:r>
-            <a:r>
-              <a:rPr lang="en-US" dirty="0"/>
-              <a:t>, </a:t>
-            </a:r>
-            <a:r>
-              <a:rPr lang="en-US" dirty="0">
-                <a:solidFill>
-                  <a:schemeClr val="tx2">
-                    <a:lumMod val="75000"/>
-                  </a:schemeClr>
-                </a:solidFill>
-              </a:rPr>
-              <a:t>Java</a:t>
-            </a:r>
-            <a:r>
-              <a:rPr lang="en-US" dirty="0"/>
-              <a:t>, </a:t>
-            </a:r>
-            <a:r>
-              <a:rPr lang="en-US" dirty="0">
-                <a:solidFill>
-                  <a:schemeClr val="tx2">
-                    <a:lumMod val="75000"/>
-                  </a:schemeClr>
-                </a:solidFill>
-              </a:rPr>
-              <a:t>C++</a:t>
-            </a:r>
-            <a:r>
-              <a:rPr lang="en-US" dirty="0"/>
-              <a:t>, </a:t>
-            </a:r>
-            <a:r>
-              <a:rPr lang="en-US" dirty="0">
-                <a:solidFill>
-                  <a:schemeClr val="tx2">
-                    <a:lumMod val="75000"/>
-                  </a:schemeClr>
-                </a:solidFill>
-              </a:rPr>
-              <a:t>PHP</a:t>
-            </a:r>
-          </a:p>
-        </p:txBody>
-      </p:sp>
-    </p:spTree>
-    <p:extLst>
-      <p:ext uri="{BB962C8B-B14F-4D97-AF65-F5344CB8AC3E}">
-        <p14:creationId xmlns:p14="http://schemas.microsoft.com/office/powerpoint/2010/main" val="4186459538"/>
-      </p:ext>
-    </p:extLst>
-  </p:cSld>
-  <p:clrMapOvr>
-    <a:masterClrMapping/>
-  </p:clrMapOvr>
-</p:notes>
-</file>
-
-<file path=ppt/notesSlides/notesSlide7.xml><?xml version="1.0" encoding="utf-8"?>
 <p:notes xmlns:a="http://schemas.openxmlformats.org/drawingml/2006/main" xmlns:r="http://schemas.openxmlformats.org/officeDocument/2006/relationships" xmlns:p="http://schemas.openxmlformats.org/presentationml/2006/main">
   <p:cSld>
     <p:spTree>
@@ -2672,347 +1698,6 @@
     <p:extLst>
       <p:ext uri="{BB962C8B-B14F-4D97-AF65-F5344CB8AC3E}">
         <p14:creationId xmlns:p14="http://schemas.microsoft.com/office/powerpoint/2010/main" val="156055648"/>
-      </p:ext>
-    </p:extLst>
-  </p:cSld>
-  <p:clrMapOvr>
-    <a:masterClrMapping/>
-  </p:clrMapOvr>
-</p:notes>
-</file>
-
-<file path=ppt/notesSlides/notesSlide8.xml><?xml version="1.0" encoding="utf-8"?>
-<p:notes xmlns:a="http://schemas.openxmlformats.org/drawingml/2006/main" xmlns:r="http://schemas.openxmlformats.org/officeDocument/2006/relationships" xmlns:p="http://schemas.openxmlformats.org/presentationml/2006/main">
-  <p:cSld>
-    <p:spTree>
-      <p:nvGrpSpPr>
-        <p:cNvPr id="1" name=""/>
-        <p:cNvGrpSpPr/>
-        <p:nvPr/>
-      </p:nvGrpSpPr>
-      <p:grpSpPr>
-        <a:xfrm>
-          <a:off x="0" y="0"/>
-          <a:ext cx="0" cy="0"/>
-          <a:chOff x="0" y="0"/>
-          <a:chExt cx="0" cy="0"/>
-        </a:xfrm>
-      </p:grpSpPr>
-      <p:sp>
-        <p:nvSpPr>
-          <p:cNvPr id="2" name="Slide Image Placeholder 1"/>
-          <p:cNvSpPr>
-            <a:spLocks noGrp="1" noRot="1" noChangeAspect="1"/>
-          </p:cNvSpPr>
-          <p:nvPr>
-            <p:ph type="sldImg"/>
-          </p:nvPr>
-        </p:nvSpPr>
-        <p:spPr/>
-      </p:sp>
-      <p:sp>
-        <p:nvSpPr>
-          <p:cNvPr id="3" name="Notes Placeholder 2"/>
-          <p:cNvSpPr>
-            <a:spLocks noGrp="1"/>
-          </p:cNvSpPr>
-          <p:nvPr>
-            <p:ph type="body" idx="1"/>
-          </p:nvPr>
-        </p:nvSpPr>
-        <p:spPr/>
-        <p:txBody>
-          <a:bodyPr/>
-          <a:lstStyle/>
-          <a:p>
-            <a:endParaRPr lang="en-US" dirty="0"/>
-          </a:p>
-        </p:txBody>
-      </p:sp>
-      <p:sp>
-        <p:nvSpPr>
-          <p:cNvPr id="4" name="Footer Placeholder 3"/>
-          <p:cNvSpPr>
-            <a:spLocks noGrp="1"/>
-          </p:cNvSpPr>
-          <p:nvPr>
-            <p:ph type="ftr" sz="quarter" idx="10"/>
-          </p:nvPr>
-        </p:nvSpPr>
-        <p:spPr/>
-        <p:txBody>
-          <a:bodyPr/>
-          <a:lstStyle/>
-          <a:p>
-            <a:r>
-              <a:rPr lang="en-US" sz="1000" dirty="0">
-                <a:solidFill>
-                  <a:prstClr val="black"/>
-                </a:solidFill>
-              </a:rPr>
-              <a:t>© Software University Foundation – </a:t>
-            </a:r>
-            <a:r>
-              <a:rPr lang="en-US" sz="1000" u="sng" dirty="0">
-                <a:solidFill>
-                  <a:prstClr val="black"/>
-                </a:solidFill>
-                <a:hlinkClick r:id="rId3"/>
-              </a:rPr>
-              <a:t>http://softuni.org</a:t>
-            </a:r>
-            <a:endParaRPr lang="en-US" sz="1000" dirty="0">
-              <a:solidFill>
-                <a:prstClr val="black"/>
-              </a:solidFill>
-            </a:endParaRPr>
-          </a:p>
-          <a:p>
-            <a:r>
-              <a:rPr lang="en-US" sz="1000" dirty="0">
-                <a:solidFill>
-                  <a:prstClr val="black"/>
-                </a:solidFill>
-              </a:rPr>
-              <a:t>This work is licensed under the </a:t>
-            </a:r>
-            <a:r>
-              <a:rPr lang="en-US" sz="1000" u="sng" noProof="1">
-                <a:solidFill>
-                  <a:prstClr val="black"/>
-                </a:solidFill>
-                <a:hlinkClick r:id="rId4"/>
-              </a:rPr>
-              <a:t>Creative Commons Attribution-NonCommercial-ShareAlike</a:t>
-            </a:r>
-            <a:r>
-              <a:rPr lang="en-US" sz="1000" noProof="1">
-                <a:solidFill>
-                  <a:prstClr val="black"/>
-                </a:solidFill>
-              </a:rPr>
-              <a:t> </a:t>
-            </a:r>
-            <a:r>
-              <a:rPr lang="en-US" sz="1000" dirty="0">
-                <a:solidFill>
-                  <a:prstClr val="black"/>
-                </a:solidFill>
-              </a:rPr>
-              <a:t>license.</a:t>
-            </a:r>
-          </a:p>
-        </p:txBody>
-      </p:sp>
-      <p:sp>
-        <p:nvSpPr>
-          <p:cNvPr id="5" name="Slide Number Placeholder 4"/>
-          <p:cNvSpPr>
-            <a:spLocks noGrp="1"/>
-          </p:cNvSpPr>
-          <p:nvPr>
-            <p:ph type="sldNum" sz="quarter" idx="11"/>
-          </p:nvPr>
-        </p:nvSpPr>
-        <p:spPr/>
-        <p:txBody>
-          <a:bodyPr/>
-          <a:lstStyle/>
-          <a:p>
-            <a:fld id="{3EBA5BD7-F043-4D1B-AA17-CD412FC534DE}" type="slidenum">
-              <a:rPr lang="en-US" smtClean="0">
-                <a:solidFill>
-                  <a:prstClr val="black"/>
-                </a:solidFill>
-              </a:rPr>
-              <a:pPr/>
-              <a:t>37</a:t>
-            </a:fld>
-            <a:endParaRPr lang="en-US" dirty="0">
-              <a:solidFill>
-                <a:prstClr val="black"/>
-              </a:solidFill>
-            </a:endParaRPr>
-          </a:p>
-        </p:txBody>
-      </p:sp>
-    </p:spTree>
-    <p:extLst>
-      <p:ext uri="{BB962C8B-B14F-4D97-AF65-F5344CB8AC3E}">
-        <p14:creationId xmlns:p14="http://schemas.microsoft.com/office/powerpoint/2010/main" val="396704468"/>
-      </p:ext>
-    </p:extLst>
-  </p:cSld>
-  <p:clrMapOvr>
-    <a:masterClrMapping/>
-  </p:clrMapOvr>
-</p:notes>
-</file>
-
-<file path=ppt/notesSlides/notesSlide9.xml><?xml version="1.0" encoding="utf-8"?>
-<p:notes xmlns:a="http://schemas.openxmlformats.org/drawingml/2006/main" xmlns:r="http://schemas.openxmlformats.org/officeDocument/2006/relationships" xmlns:p="http://schemas.openxmlformats.org/presentationml/2006/main">
-  <p:cSld>
-    <p:spTree>
-      <p:nvGrpSpPr>
-        <p:cNvPr id="1" name=""/>
-        <p:cNvGrpSpPr/>
-        <p:nvPr/>
-      </p:nvGrpSpPr>
-      <p:grpSpPr>
-        <a:xfrm>
-          <a:off x="0" y="0"/>
-          <a:ext cx="0" cy="0"/>
-          <a:chOff x="0" y="0"/>
-          <a:chExt cx="0" cy="0"/>
-        </a:xfrm>
-      </p:grpSpPr>
-      <p:sp>
-        <p:nvSpPr>
-          <p:cNvPr id="2" name="Slide Image Placeholder 1"/>
-          <p:cNvSpPr>
-            <a:spLocks noGrp="1" noRot="1" noChangeAspect="1"/>
-          </p:cNvSpPr>
-          <p:nvPr>
-            <p:ph type="sldImg"/>
-          </p:nvPr>
-        </p:nvSpPr>
-        <p:spPr/>
-      </p:sp>
-      <p:sp>
-        <p:nvSpPr>
-          <p:cNvPr id="3" name="Notes Placeholder 2"/>
-          <p:cNvSpPr>
-            <a:spLocks noGrp="1"/>
-          </p:cNvSpPr>
-          <p:nvPr>
-            <p:ph type="body" idx="1"/>
-          </p:nvPr>
-        </p:nvSpPr>
-        <p:spPr/>
-        <p:txBody>
-          <a:bodyPr/>
-          <a:lstStyle/>
-          <a:p>
-            <a:endParaRPr lang="en-US"/>
-          </a:p>
-        </p:txBody>
-      </p:sp>
-      <p:sp>
-        <p:nvSpPr>
-          <p:cNvPr id="4" name="Footer Placeholder 3"/>
-          <p:cNvSpPr>
-            <a:spLocks noGrp="1"/>
-          </p:cNvSpPr>
-          <p:nvPr>
-            <p:ph type="ftr" sz="quarter" idx="10"/>
-          </p:nvPr>
-        </p:nvSpPr>
-        <p:spPr/>
-        <p:txBody>
-          <a:bodyPr/>
-          <a:lstStyle/>
-          <a:p>
-            <a:r>
-              <a:rPr lang="en-US" sz="1000">
-                <a:solidFill>
-                  <a:prstClr val="black"/>
-                </a:solidFill>
-              </a:rPr>
-              <a:t>© Software University Foundation – </a:t>
-            </a:r>
-            <a:r>
-              <a:rPr lang="en-US" sz="1000" u="sng">
-                <a:solidFill>
-                  <a:prstClr val="black"/>
-                </a:solidFill>
-                <a:hlinkClick r:id="rId3"/>
-              </a:rPr>
-              <a:t>http://softuni.org</a:t>
-            </a:r>
-            <a:endParaRPr lang="en-US" sz="1000">
-              <a:solidFill>
-                <a:prstClr val="black"/>
-              </a:solidFill>
-            </a:endParaRPr>
-          </a:p>
-          <a:p>
-            <a:r>
-              <a:rPr lang="en-US" sz="1000">
-                <a:solidFill>
-                  <a:prstClr val="black"/>
-                </a:solidFill>
-              </a:rPr>
-              <a:t>This work is licensed under the </a:t>
-            </a:r>
-            <a:r>
-              <a:rPr lang="en-US" sz="1000" u="sng" noProof="1">
-                <a:solidFill>
-                  <a:prstClr val="black"/>
-                </a:solidFill>
-                <a:hlinkClick r:id="rId4"/>
-              </a:rPr>
-              <a:t>Creative Commons Attribution-NonCommercial-ShareAlike</a:t>
-            </a:r>
-            <a:r>
-              <a:rPr lang="en-US" sz="1000" noProof="1">
-                <a:solidFill>
-                  <a:prstClr val="black"/>
-                </a:solidFill>
-              </a:rPr>
-              <a:t> </a:t>
-            </a:r>
-            <a:r>
-              <a:rPr lang="en-US" sz="1000">
-                <a:solidFill>
-                  <a:prstClr val="black"/>
-                </a:solidFill>
-              </a:rPr>
-              <a:t>license.</a:t>
-            </a:r>
-            <a:endParaRPr lang="en-US" sz="1000" dirty="0">
-              <a:solidFill>
-                <a:prstClr val="black"/>
-              </a:solidFill>
-            </a:endParaRPr>
-          </a:p>
-        </p:txBody>
-      </p:sp>
-      <p:sp>
-        <p:nvSpPr>
-          <p:cNvPr id="5" name="Slide Number Placeholder 4"/>
-          <p:cNvSpPr>
-            <a:spLocks noGrp="1"/>
-          </p:cNvSpPr>
-          <p:nvPr>
-            <p:ph type="sldNum" sz="quarter" idx="11"/>
-          </p:nvPr>
-        </p:nvSpPr>
-        <p:spPr/>
-        <p:txBody>
-          <a:bodyPr/>
-          <a:lstStyle/>
-          <a:p>
-            <a:fld id="{3EBA5BD7-F043-4D1B-AA17-CD412FC534DE}" type="slidenum">
-              <a:rPr lang="en-US" smtClean="0">
-                <a:solidFill>
-                  <a:prstClr val="black"/>
-                </a:solidFill>
-              </a:rPr>
-              <a:pPr/>
-              <a:t>38</a:t>
-            </a:fld>
-            <a:endParaRPr lang="en-US" dirty="0">
-              <a:solidFill>
-                <a:prstClr val="black"/>
-              </a:solidFill>
-            </a:endParaRPr>
-          </a:p>
-        </p:txBody>
-      </p:sp>
-    </p:spTree>
-    <p:extLst>
-      <p:ext uri="{BB962C8B-B14F-4D97-AF65-F5344CB8AC3E}">
-        <p14:creationId xmlns:p14="http://schemas.microsoft.com/office/powerpoint/2010/main" val="1870654308"/>
       </p:ext>
     </p:extLst>
   </p:cSld>
@@ -3601,7 +2286,7 @@
             <a:fld id="{055373AC-9AA7-423B-BA00-BA1C74164DBD}" type="datetime1">
               <a:rPr lang="en-US" smtClean="0"/>
               <a:pPr/>
-              <a:t>9/29/2017</a:t>
+              <a:t>10/9/2017</a:t>
             </a:fld>
             <a:endParaRPr lang="en-US" dirty="0"/>
           </a:p>
@@ -4137,605 +2822,13 @@
 </p:sldLayout>
 </file>
 
-<file path=ppt/slideLayouts/slideLayout5.xml><?xml version="1.0" encoding="utf-8"?>
-<p:sldLayout xmlns:a="http://schemas.openxmlformats.org/drawingml/2006/main" xmlns:r="http://schemas.openxmlformats.org/officeDocument/2006/relationships" xmlns:p="http://schemas.openxmlformats.org/presentationml/2006/main" userDrawn="1">
-  <p:cSld name="Questions Slide">
-    <p:bg>
-      <p:bgPr>
-        <a:blipFill dpi="0" rotWithShape="1">
-          <a:blip r:embed="rId2">
-            <a:lum/>
-          </a:blip>
-          <a:srcRect/>
-          <a:stretch>
-            <a:fillRect t="-2000" b="-2000"/>
-          </a:stretch>
-        </a:blipFill>
-        <a:effectLst/>
-      </p:bgPr>
-    </p:bg>
-    <p:spTree>
-      <p:nvGrpSpPr>
-        <p:cNvPr id="1" name=""/>
-        <p:cNvGrpSpPr/>
-        <p:nvPr/>
-      </p:nvGrpSpPr>
-      <p:grpSpPr>
-        <a:xfrm>
-          <a:off x="0" y="0"/>
-          <a:ext cx="0" cy="0"/>
-          <a:chOff x="0" y="0"/>
-          <a:chExt cx="0" cy="0"/>
-        </a:xfrm>
-      </p:grpSpPr>
-      <p:sp>
-        <p:nvSpPr>
-          <p:cNvPr id="29" name="Text Placeholder 29"/>
-          <p:cNvSpPr>
-            <a:spLocks noGrp="1"/>
-          </p:cNvSpPr>
-          <p:nvPr>
-            <p:ph type="body" sz="quarter" idx="10" hasCustomPrompt="1"/>
-          </p:nvPr>
-        </p:nvSpPr>
-        <p:spPr>
-          <a:xfrm>
-            <a:off x="1529384" y="6400802"/>
-            <a:ext cx="10482604" cy="363552"/>
-          </a:xfrm>
-          <a:prstGeom prst="rect">
-            <a:avLst/>
-          </a:prstGeom>
-        </p:spPr>
-        <p:txBody>
-          <a:bodyPr wrap="square" lIns="36000" rIns="36000">
-            <a:spAutoFit/>
-          </a:bodyPr>
-          <a:lstStyle>
-            <a:lvl1pPr marL="0" indent="0" algn="r">
-              <a:buNone/>
-              <a:defRPr sz="1800">
-                <a:latin typeface="+mn-lt"/>
-              </a:defRPr>
-            </a:lvl1pPr>
-          </a:lstStyle>
-          <a:p>
-            <a:pPr lvl="0"/>
-            <a:r>
-              <a:rPr lang="en-US" dirty="0"/>
-              <a:t>Course Web Site</a:t>
-            </a:r>
-          </a:p>
-        </p:txBody>
-      </p:sp>
-      <p:sp>
-        <p:nvSpPr>
-          <p:cNvPr id="50" name="Title 1"/>
-          <p:cNvSpPr>
-            <a:spLocks noGrp="1"/>
-          </p:cNvSpPr>
-          <p:nvPr>
-            <p:ph type="title" hasCustomPrompt="1"/>
-          </p:nvPr>
-        </p:nvSpPr>
-        <p:spPr>
-          <a:xfrm>
-            <a:off x="188815" y="40341"/>
-            <a:ext cx="9577597" cy="1110780"/>
-          </a:xfrm>
-        </p:spPr>
-        <p:txBody>
-          <a:bodyPr/>
-          <a:lstStyle>
-            <a:lvl1pPr>
-              <a:defRPr>
-                <a:solidFill>
-                  <a:srgbClr val="F3BE60"/>
-                </a:solidFill>
-                <a:effectLst/>
-              </a:defRPr>
-            </a:lvl1pPr>
-          </a:lstStyle>
-          <a:p>
-            <a:r>
-              <a:rPr lang="en-US" dirty="0"/>
-              <a:t>Presentation Title</a:t>
-            </a:r>
-            <a:endParaRPr dirty="0"/>
-          </a:p>
-        </p:txBody>
-      </p:sp>
-      <p:sp>
-        <p:nvSpPr>
-          <p:cNvPr id="2" name="TextBox 1">
-            <a:hlinkClick r:id="rId3" tooltip="Software University - Quality Education, Profession and Job for Software Engineers"/>
-          </p:cNvPr>
-          <p:cNvSpPr txBox="1"/>
-          <p:nvPr userDrawn="1"/>
-        </p:nvSpPr>
-        <p:spPr>
-          <a:xfrm rot="322982">
-            <a:off x="10066442" y="2253546"/>
-            <a:ext cx="303288" cy="400110"/>
-          </a:xfrm>
-          <a:prstGeom prst="rect">
-            <a:avLst/>
-          </a:prstGeom>
-          <a:noFill/>
-        </p:spPr>
-        <p:txBody>
-          <a:bodyPr wrap="none" rtlCol="0">
-            <a:spAutoFit/>
-          </a:bodyPr>
-          <a:lstStyle/>
-          <a:p>
-            <a:r>
-              <a:rPr lang="en-US" sz="2000" b="1" dirty="0">
-                <a:solidFill>
-                  <a:srgbClr val="603A14"/>
-                </a:solidFill>
-              </a:rPr>
-              <a:t>?</a:t>
-            </a:r>
-          </a:p>
-        </p:txBody>
-      </p:sp>
-      <p:sp>
-        <p:nvSpPr>
-          <p:cNvPr id="27" name="TextBox 26">
-            <a:hlinkClick r:id="rId4" tooltip="Software University Foundaton"/>
-          </p:cNvPr>
-          <p:cNvSpPr txBox="1"/>
-          <p:nvPr userDrawn="1"/>
-        </p:nvSpPr>
-        <p:spPr>
-          <a:xfrm rot="20630519">
-            <a:off x="7568290" y="4341197"/>
-            <a:ext cx="303288" cy="400110"/>
-          </a:xfrm>
-          <a:prstGeom prst="rect">
-            <a:avLst/>
-          </a:prstGeom>
-          <a:noFill/>
-        </p:spPr>
-        <p:txBody>
-          <a:bodyPr wrap="none" rtlCol="0">
-            <a:spAutoFit/>
-          </a:bodyPr>
-          <a:lstStyle/>
-          <a:p>
-            <a:r>
-              <a:rPr lang="en-US" sz="2000" b="1" dirty="0">
-                <a:solidFill>
-                  <a:srgbClr val="603A14"/>
-                </a:solidFill>
-              </a:rPr>
-              <a:t>?</a:t>
-            </a:r>
-          </a:p>
-        </p:txBody>
-      </p:sp>
-      <p:sp>
-        <p:nvSpPr>
-          <p:cNvPr id="51" name="TextBox 50">
-            <a:hlinkClick r:id="rId5" tooltip="Svetlin Nakov - Programming and Education for Developers"/>
-          </p:cNvPr>
-          <p:cNvSpPr txBox="1"/>
-          <p:nvPr userDrawn="1"/>
-        </p:nvSpPr>
-        <p:spPr>
-          <a:xfrm>
-            <a:off x="11500162" y="4679637"/>
-            <a:ext cx="255198" cy="276999"/>
-          </a:xfrm>
-          <a:prstGeom prst="rect">
-            <a:avLst/>
-          </a:prstGeom>
-          <a:noFill/>
-        </p:spPr>
-        <p:txBody>
-          <a:bodyPr wrap="none" rtlCol="0">
-            <a:spAutoFit/>
-          </a:bodyPr>
-          <a:lstStyle/>
-          <a:p>
-            <a:r>
-              <a:rPr lang="en-US" sz="1200" dirty="0">
-                <a:solidFill>
-                  <a:srgbClr val="603A14"/>
-                </a:solidFill>
-              </a:rPr>
-              <a:t>?</a:t>
-            </a:r>
-          </a:p>
-        </p:txBody>
-      </p:sp>
-      <p:sp>
-        <p:nvSpPr>
-          <p:cNvPr id="52" name="TextBox 51">
-            <a:hlinkClick r:id="rId6" tooltip="Software University - Discussion Forum"/>
-          </p:cNvPr>
-          <p:cNvSpPr txBox="1"/>
-          <p:nvPr userDrawn="1"/>
-        </p:nvSpPr>
-        <p:spPr>
-          <a:xfrm rot="20971262">
-            <a:off x="6094412" y="6109081"/>
-            <a:ext cx="268022" cy="307777"/>
-          </a:xfrm>
-          <a:prstGeom prst="rect">
-            <a:avLst/>
-          </a:prstGeom>
-          <a:noFill/>
-        </p:spPr>
-        <p:txBody>
-          <a:bodyPr wrap="none" rtlCol="0">
-            <a:spAutoFit/>
-          </a:bodyPr>
-          <a:lstStyle/>
-          <a:p>
-            <a:r>
-              <a:rPr lang="en-US" sz="1400" dirty="0">
-                <a:solidFill>
-                  <a:srgbClr val="603A14"/>
-                </a:solidFill>
-              </a:rPr>
-              <a:t>?</a:t>
-            </a:r>
-          </a:p>
-        </p:txBody>
-      </p:sp>
-      <p:sp>
-        <p:nvSpPr>
-          <p:cNvPr id="53" name="TextBox 52">
-            <a:hlinkClick r:id="rId7" tooltip="Software University - Online Judge System"/>
-          </p:cNvPr>
-          <p:cNvSpPr txBox="1"/>
-          <p:nvPr userDrawn="1"/>
-        </p:nvSpPr>
-        <p:spPr>
-          <a:xfrm rot="569019">
-            <a:off x="9155998" y="4032736"/>
-            <a:ext cx="292068" cy="369332"/>
-          </a:xfrm>
-          <a:prstGeom prst="rect">
-            <a:avLst/>
-          </a:prstGeom>
-          <a:noFill/>
-        </p:spPr>
-        <p:txBody>
-          <a:bodyPr wrap="none" rtlCol="0">
-            <a:spAutoFit/>
-          </a:bodyPr>
-          <a:lstStyle/>
-          <a:p>
-            <a:r>
-              <a:rPr lang="en-US" sz="1800" b="1" dirty="0">
-                <a:solidFill>
-                  <a:srgbClr val="603A14"/>
-                </a:solidFill>
-              </a:rPr>
-              <a:t>?</a:t>
-            </a:r>
-          </a:p>
-        </p:txBody>
-      </p:sp>
-      <p:sp>
-        <p:nvSpPr>
-          <p:cNvPr id="54" name="TextBox 53">
-            <a:hlinkClick r:id="rId8" tooltip="Software University @ Facebook"/>
-          </p:cNvPr>
-          <p:cNvSpPr txBox="1"/>
-          <p:nvPr userDrawn="1"/>
-        </p:nvSpPr>
-        <p:spPr>
-          <a:xfrm rot="219682">
-            <a:off x="7047355" y="2560119"/>
-            <a:ext cx="327334" cy="461665"/>
-          </a:xfrm>
-          <a:prstGeom prst="rect">
-            <a:avLst/>
-          </a:prstGeom>
-          <a:noFill/>
-        </p:spPr>
-        <p:txBody>
-          <a:bodyPr wrap="none" rtlCol="0">
-            <a:spAutoFit/>
-          </a:bodyPr>
-          <a:lstStyle/>
-          <a:p>
-            <a:r>
-              <a:rPr lang="en-US" sz="2400" b="1" dirty="0">
-                <a:solidFill>
-                  <a:srgbClr val="603A14"/>
-                </a:solidFill>
-              </a:rPr>
-              <a:t>?</a:t>
-            </a:r>
-          </a:p>
-        </p:txBody>
-      </p:sp>
-      <p:sp>
-        <p:nvSpPr>
-          <p:cNvPr id="56" name="TextBox 55">
-            <a:hlinkClick r:id="rId9" tooltip="Software University @ Twitter"/>
-          </p:cNvPr>
-          <p:cNvSpPr txBox="1"/>
-          <p:nvPr userDrawn="1"/>
-        </p:nvSpPr>
-        <p:spPr>
-          <a:xfrm rot="20972266">
-            <a:off x="11754532" y="2320841"/>
-            <a:ext cx="268022" cy="307777"/>
-          </a:xfrm>
-          <a:prstGeom prst="rect">
-            <a:avLst/>
-          </a:prstGeom>
-          <a:noFill/>
-        </p:spPr>
-        <p:txBody>
-          <a:bodyPr wrap="none" rtlCol="0">
-            <a:spAutoFit/>
-          </a:bodyPr>
-          <a:lstStyle/>
-          <a:p>
-            <a:r>
-              <a:rPr lang="en-US" sz="1400" dirty="0">
-                <a:solidFill>
-                  <a:srgbClr val="603A14"/>
-                </a:solidFill>
-              </a:rPr>
-              <a:t>?</a:t>
-            </a:r>
-          </a:p>
-        </p:txBody>
-      </p:sp>
-      <p:sp>
-        <p:nvSpPr>
-          <p:cNvPr id="57" name="TextBox 56">
-            <a:hlinkClick r:id="rId10" tooltip="Software University @ YouTube - free training courses and video lessons for software engineers"/>
-          </p:cNvPr>
-          <p:cNvSpPr txBox="1"/>
-          <p:nvPr userDrawn="1"/>
-        </p:nvSpPr>
-        <p:spPr>
-          <a:xfrm rot="562174">
-            <a:off x="11774596" y="3447926"/>
-            <a:ext cx="255198" cy="276999"/>
-          </a:xfrm>
-          <a:prstGeom prst="rect">
-            <a:avLst/>
-          </a:prstGeom>
-          <a:noFill/>
-        </p:spPr>
-        <p:txBody>
-          <a:bodyPr wrap="none" rtlCol="0">
-            <a:spAutoFit/>
-          </a:bodyPr>
-          <a:lstStyle/>
-          <a:p>
-            <a:r>
-              <a:rPr lang="en-US" sz="1200" dirty="0">
-                <a:solidFill>
-                  <a:srgbClr val="603A14"/>
-                </a:solidFill>
-              </a:rPr>
-              <a:t>?</a:t>
-            </a:r>
-          </a:p>
-        </p:txBody>
-      </p:sp>
-      <p:sp>
-        <p:nvSpPr>
-          <p:cNvPr id="58" name="TextBox 57">
-            <a:hlinkClick r:id="rId11" tooltip="Programming Fundamentals Book and Vide Lessons: Learn C#, Programming, Data Structures, Algorithms and Quality Coding"/>
-          </p:cNvPr>
-          <p:cNvSpPr txBox="1"/>
-          <p:nvPr userDrawn="1"/>
-        </p:nvSpPr>
-        <p:spPr>
-          <a:xfrm rot="571210">
-            <a:off x="11136783" y="5625911"/>
-            <a:ext cx="268022" cy="307777"/>
-          </a:xfrm>
-          <a:prstGeom prst="rect">
-            <a:avLst/>
-          </a:prstGeom>
-          <a:noFill/>
-        </p:spPr>
-        <p:txBody>
-          <a:bodyPr wrap="none" rtlCol="0">
-            <a:spAutoFit/>
-          </a:bodyPr>
-          <a:lstStyle/>
-          <a:p>
-            <a:r>
-              <a:rPr lang="en-US" sz="1400" dirty="0">
-                <a:solidFill>
-                  <a:srgbClr val="603A14"/>
-                </a:solidFill>
-              </a:rPr>
-              <a:t>?</a:t>
-            </a:r>
-          </a:p>
-        </p:txBody>
-      </p:sp>
-      <p:sp>
-        <p:nvSpPr>
-          <p:cNvPr id="19" name="Rectangle 18"/>
-          <p:cNvSpPr/>
-          <p:nvPr userDrawn="1"/>
-        </p:nvSpPr>
-        <p:spPr>
-          <a:xfrm rot="20949717">
-            <a:off x="2718532" y="3306088"/>
-            <a:ext cx="4540980" cy="948072"/>
-          </a:xfrm>
-          <a:prstGeom prst="rect">
-            <a:avLst/>
-          </a:prstGeom>
-        </p:spPr>
-        <p:txBody>
-          <a:bodyPr wrap="none" lIns="0" tIns="0" rIns="0" bIns="0" anchor="ctr" anchorCtr="0">
-            <a:noAutofit/>
-            <a:scene3d>
-              <a:camera prst="orthographicFront"/>
-              <a:lightRig rig="soft" dir="t">
-                <a:rot lat="0" lon="0" rev="10800000"/>
-              </a:lightRig>
-            </a:scene3d>
-            <a:sp3d>
-              <a:bevelT w="27940" h="12700"/>
-              <a:contourClr>
-                <a:srgbClr val="DDDDDD"/>
-              </a:contourClr>
-            </a:sp3d>
-          </a:bodyPr>
-          <a:lstStyle/>
-          <a:p>
-            <a:pPr marL="0" lvl="0" indent="0" algn="ctr" eaLnBrk="0" hangingPunct="0">
-              <a:lnSpc>
-                <a:spcPct val="100000"/>
-              </a:lnSpc>
-              <a:spcBef>
-                <a:spcPts val="0"/>
-              </a:spcBef>
-              <a:spcAft>
-                <a:spcPts val="0"/>
-              </a:spcAft>
-              <a:buClr>
-                <a:schemeClr val="accent5">
-                  <a:lumMod val="40000"/>
-                  <a:lumOff val="60000"/>
-                </a:schemeClr>
-              </a:buClr>
-              <a:buSzPct val="70000"/>
-              <a:buFont typeface="Wingdings 2" pitchFamily="18" charset="2"/>
-              <a:buNone/>
-            </a:pPr>
-            <a:r>
-              <a:rPr lang="en-US" sz="6600" b="1" kern="1200" noProof="0" dirty="0">
-                <a:solidFill>
-                  <a:srgbClr val="F3BE60"/>
-                </a:solidFill>
-                <a:latin typeface="+mj-lt"/>
-                <a:ea typeface="+mj-ea"/>
-                <a:cs typeface="+mj-cs"/>
-              </a:rPr>
-              <a:t>Questions?</a:t>
-            </a:r>
-            <a:endParaRPr lang="en-US" sz="6600" b="1" spc="150" dirty="0">
-              <a:ln w="11430"/>
-              <a:solidFill>
-                <a:schemeClr val="tx1">
-                  <a:lumMod val="40000"/>
-                  <a:lumOff val="60000"/>
-                </a:schemeClr>
-              </a:solidFill>
-              <a:effectLst>
-                <a:outerShdw blurRad="25400" algn="tl" rotWithShape="0">
-                  <a:srgbClr val="000000">
-                    <a:alpha val="43000"/>
-                  </a:srgbClr>
-                </a:outerShdw>
-              </a:effectLst>
-              <a:latin typeface="+mn-lt"/>
-            </a:endParaRPr>
-          </a:p>
-        </p:txBody>
-      </p:sp>
-      <p:pic>
-        <p:nvPicPr>
-          <p:cNvPr id="16" name="Picture 15">
-            <a:extLst>
-              <a:ext uri="{FF2B5EF4-FFF2-40B4-BE49-F238E27FC236}">
-                <a16:creationId xmlns="" xmlns:a16="http://schemas.microsoft.com/office/drawing/2014/main" id="{7EF8C130-E202-4D80-9C31-5A9DC26FC0B8}"/>
-              </a:ext>
-            </a:extLst>
-          </p:cNvPr>
-          <p:cNvPicPr>
-            <a:picLocks noChangeAspect="1"/>
-          </p:cNvPicPr>
-          <p:nvPr userDrawn="1"/>
-        </p:nvPicPr>
-        <p:blipFill>
-          <a:blip r:embed="rId12" cstate="print">
-            <a:extLst>
-              <a:ext uri="{28A0092B-C50C-407E-A947-70E740481C1C}">
-                <a14:useLocalDpi xmlns:a14="http://schemas.microsoft.com/office/drawing/2010/main" val="0"/>
-              </a:ext>
-            </a:extLst>
-          </a:blip>
-          <a:stretch>
-            <a:fillRect/>
-          </a:stretch>
-        </p:blipFill>
-        <p:spPr>
-          <a:xfrm>
-            <a:off x="9783117" y="319859"/>
-            <a:ext cx="2212117" cy="551743"/>
-          </a:xfrm>
-          <a:prstGeom prst="rect">
-            <a:avLst/>
-          </a:prstGeom>
-        </p:spPr>
-      </p:pic>
-      <p:pic>
-        <p:nvPicPr>
-          <p:cNvPr id="17" name="Picture 16">
-            <a:extLst>
-              <a:ext uri="{FF2B5EF4-FFF2-40B4-BE49-F238E27FC236}">
-                <a16:creationId xmlns="" xmlns:a16="http://schemas.microsoft.com/office/drawing/2014/main" id="{79506B26-05E7-4813-B506-4D5207F76F79}"/>
-              </a:ext>
-            </a:extLst>
-          </p:cNvPr>
-          <p:cNvPicPr>
-            <a:picLocks noChangeAspect="1"/>
-          </p:cNvPicPr>
-          <p:nvPr userDrawn="1"/>
-        </p:nvPicPr>
-        <p:blipFill>
-          <a:blip r:embed="rId13" cstate="print">
-            <a:extLst>
-              <a:ext uri="{28A0092B-C50C-407E-A947-70E740481C1C}">
-                <a14:useLocalDpi xmlns:a14="http://schemas.microsoft.com/office/drawing/2010/main" val="0"/>
-              </a:ext>
-            </a:extLst>
-          </a:blip>
-          <a:stretch>
-            <a:fillRect/>
-          </a:stretch>
-        </p:blipFill>
-        <p:spPr>
-          <a:xfrm rot="20967714">
-            <a:off x="504277" y="2018007"/>
-            <a:ext cx="2849278" cy="3305665"/>
-          </a:xfrm>
-          <a:prstGeom prst="rect">
-            <a:avLst/>
-          </a:prstGeom>
-        </p:spPr>
-      </p:pic>
-    </p:spTree>
-    <p:extLst>
-      <p:ext uri="{BB962C8B-B14F-4D97-AF65-F5344CB8AC3E}">
-        <p14:creationId xmlns:p14="http://schemas.microsoft.com/office/powerpoint/2010/main" val="588897367"/>
-      </p:ext>
-    </p:extLst>
-  </p:cSld>
-  <p:clrMapOvr>
-    <a:masterClrMapping/>
-  </p:clrMapOvr>
-</p:sldLayout>
-</file>
-
 <file path=ppt/slideMasters/slideMaster1.xml><?xml version="1.0" encoding="utf-8"?>
 <p:sldMaster xmlns:a="http://schemas.openxmlformats.org/drawingml/2006/main" xmlns:r="http://schemas.openxmlformats.org/officeDocument/2006/relationships" xmlns:p="http://schemas.openxmlformats.org/presentationml/2006/main">
   <p:cSld>
     <p:bg>
       <p:bgPr>
         <a:blipFill dpi="0" rotWithShape="1">
-          <a:blip r:embed="rId7" cstate="print">
+          <a:blip r:embed="rId6" cstate="print">
             <a:lum/>
           </a:blip>
           <a:srcRect/>
@@ -4796,7 +2889,7 @@
             <a:fld id="{055373AC-9AA7-423B-BA00-BA1C74164DBD}" type="datetime1">
               <a:rPr lang="en-US" smtClean="0"/>
               <a:pPr/>
-              <a:t>9/29/2017</a:t>
+              <a:t>10/9/2017</a:t>
             </a:fld>
             <a:endParaRPr lang="en-US" dirty="0"/>
           </a:p>
@@ -4989,7 +3082,6 @@
     <p:sldLayoutId id="2147483662" r:id="rId2"/>
     <p:sldLayoutId id="2147483663" r:id="rId3"/>
     <p:sldLayoutId id="2147483667" r:id="rId4"/>
-    <p:sldLayoutId id="2147483691" r:id="rId5"/>
   </p:sldLayoutIdLst>
   <p:hf hdr="0" ftr="0" dt="0"/>
   <p:txStyles>
@@ -5325,7 +3417,7 @@
   </p:txStyles>
   <p:extLst mod="1">
     <p:ext uri="{27BBF7A9-308A-43DC-89C8-2F10F3537804}">
-      <p15:sldGuideLst xmlns:p15="http://schemas.microsoft.com/office/powerpoint/2012/main">
+      <p15:sldGuideLst xmlns="" xmlns:p15="http://schemas.microsoft.com/office/powerpoint/2012/main">
         <p15:guide id="1" orient="horz" pos="2160" userDrawn="1">
           <p15:clr>
             <a:srgbClr val="F26B43"/>
@@ -7097,31 +5189,16 @@
                   </a:schemeClr>
                 </a:solidFill>
               </a:rPr>
-              <a:t>n </a:t>
+              <a:t>n -&gt; n % 2 != 0</a:t>
             </a:r>
             <a:r>
               <a:rPr lang="en-US" sz="2800" dirty="0" smtClean="0">
                 <a:solidFill>
-                  <a:schemeClr val="tx2">
-                    <a:lumMod val="75000"/>
-                  </a:schemeClr>
-                </a:solidFill>
-              </a:rPr>
-              <a:t>-&gt; n % 2 != 0</a:t>
-            </a:r>
-            <a:r>
-              <a:rPr lang="en-US" sz="2800" dirty="0" smtClean="0">
-                <a:solidFill>
                   <a:schemeClr val="tx2"/>
                 </a:solidFill>
               </a:rPr>
               <a:t>);</a:t>
             </a:r>
-            <a:endParaRPr lang="en-US" sz="2800" dirty="0" smtClean="0">
-              <a:solidFill>
-                <a:schemeClr val="tx2"/>
-              </a:solidFill>
-            </a:endParaRPr>
           </a:p>
           <a:p>
             <a:endParaRPr lang="en-US" sz="2800" dirty="0" smtClean="0"/>
@@ -7225,17 +5302,7 @@
                   </a:schemeClr>
                 </a:solidFill>
               </a:rPr>
-              <a:t>(b</a:t>
-            </a:r>
-            <a:r>
-              <a:rPr lang="en-US" sz="2800" dirty="0" smtClean="0">
-                <a:solidFill>
-                  <a:schemeClr val="tx2">
-                    <a:lumMod val="75000"/>
-                  </a:schemeClr>
-                </a:solidFill>
-              </a:rPr>
-              <a:t>)</a:t>
+              <a:t>(b)</a:t>
             </a:r>
             <a:r>
               <a:rPr lang="en-US" sz="2800" dirty="0" smtClean="0">
@@ -7264,17 +5331,7 @@
                   </a:schemeClr>
                 </a:solidFill>
               </a:rPr>
-              <a:t>//</a:t>
-            </a:r>
-            <a:r>
-              <a:rPr lang="en-US" sz="2800" i="1" dirty="0" smtClean="0">
-                <a:solidFill>
-                  <a:schemeClr val="tx2">
-                    <a:lumMod val="75000"/>
-                  </a:schemeClr>
-                </a:solidFill>
-              </a:rPr>
-              <a:t>TODO: </a:t>
+              <a:t>//TODO: </a:t>
             </a:r>
             <a:r>
               <a:rPr lang="en-US" sz="2800" i="1" dirty="0" smtClean="0">
@@ -7545,277 +5602,6 @@
       </p:grpSpPr>
       <p:sp>
         <p:nvSpPr>
-          <p:cNvPr id="2" name="Title 1"/>
-          <p:cNvSpPr>
-            <a:spLocks noGrp="1"/>
-          </p:cNvSpPr>
-          <p:nvPr>
-            <p:ph type="title"/>
-          </p:nvPr>
-        </p:nvSpPr>
-        <p:spPr>
-          <a:xfrm>
-            <a:off x="1164484" y="4746008"/>
-            <a:ext cx="9959128" cy="820600"/>
-          </a:xfrm>
-        </p:spPr>
-        <p:txBody>
-          <a:bodyPr/>
-          <a:lstStyle/>
-          <a:p>
-            <a:r>
-              <a:rPr lang="en-US" dirty="0" smtClean="0"/>
-              <a:t>Functions</a:t>
-            </a:r>
-            <a:endParaRPr lang="en-US" dirty="0"/>
-          </a:p>
-        </p:txBody>
-      </p:sp>
-      <p:sp>
-        <p:nvSpPr>
-          <p:cNvPr id="3" name="Text Placeholder 2"/>
-          <p:cNvSpPr>
-            <a:spLocks noGrp="1"/>
-          </p:cNvSpPr>
-          <p:nvPr>
-            <p:ph type="body" idx="1"/>
-          </p:nvPr>
-        </p:nvSpPr>
-        <p:spPr>
-          <a:xfrm>
-            <a:off x="1164484" y="5624176"/>
-            <a:ext cx="9959128" cy="719034"/>
-          </a:xfrm>
-        </p:spPr>
-        <p:txBody>
-          <a:bodyPr/>
-          <a:lstStyle/>
-          <a:p>
-            <a:r>
-              <a:rPr lang="en-US" dirty="0" smtClean="0"/>
-              <a:t>Mathematical and Java Functions</a:t>
-            </a:r>
-            <a:endParaRPr lang="en-US" dirty="0"/>
-          </a:p>
-        </p:txBody>
-      </p:sp>
-      <p:pic>
-        <p:nvPicPr>
-          <p:cNvPr id="6" name="Picture 5"/>
-          <p:cNvPicPr>
-            <a:picLocks noChangeAspect="1"/>
-          </p:cNvPicPr>
-          <p:nvPr/>
-        </p:nvPicPr>
-        <p:blipFill>
-          <a:blip r:embed="rId3">
-            <a:extLst>
-              <a:ext uri="{28A0092B-C50C-407E-A947-70E740481C1C}">
-                <a14:useLocalDpi xmlns:a14="http://schemas.microsoft.com/office/drawing/2010/main" val="0"/>
-              </a:ext>
-            </a:extLst>
-          </a:blip>
-          <a:stretch>
-            <a:fillRect/>
-          </a:stretch>
-        </p:blipFill>
-        <p:spPr>
-          <a:xfrm>
-            <a:off x="3884612" y="609600"/>
-            <a:ext cx="3886200" cy="3886200"/>
-          </a:xfrm>
-          <a:prstGeom prst="rect">
-            <a:avLst/>
-          </a:prstGeom>
-        </p:spPr>
-      </p:pic>
-      <p:pic>
-        <p:nvPicPr>
-          <p:cNvPr id="7" name="Picture 6"/>
-          <p:cNvPicPr>
-            <a:picLocks noChangeAspect="1"/>
-          </p:cNvPicPr>
-          <p:nvPr/>
-        </p:nvPicPr>
-        <p:blipFill>
-          <a:blip r:embed="rId4" cstate="print">
-            <a:duotone>
-              <a:prstClr val="black"/>
-              <a:schemeClr val="accent1">
-                <a:tint val="45000"/>
-                <a:satMod val="400000"/>
-              </a:schemeClr>
-            </a:duotone>
-            <a:extLst>
-              <a:ext uri="{28A0092B-C50C-407E-A947-70E740481C1C}">
-                <a14:useLocalDpi xmlns:a14="http://schemas.microsoft.com/office/drawing/2010/main" val="0"/>
-              </a:ext>
-            </a:extLst>
-          </a:blip>
-          <a:stretch>
-            <a:fillRect/>
-          </a:stretch>
-        </p:blipFill>
-        <p:spPr>
-          <a:xfrm rot="5565318">
-            <a:off x="8456612" y="3402539"/>
-            <a:ext cx="1285901" cy="1285901"/>
-          </a:xfrm>
-          <a:prstGeom prst="rect">
-            <a:avLst/>
-          </a:prstGeom>
-        </p:spPr>
-      </p:pic>
-      <p:pic>
-        <p:nvPicPr>
-          <p:cNvPr id="8" name="Picture 7"/>
-          <p:cNvPicPr>
-            <a:picLocks noChangeAspect="1"/>
-          </p:cNvPicPr>
-          <p:nvPr/>
-        </p:nvPicPr>
-        <p:blipFill>
-          <a:blip r:embed="rId5" cstate="print">
-            <a:duotone>
-              <a:prstClr val="black"/>
-              <a:srgbClr val="FF0000">
-                <a:tint val="45000"/>
-                <a:satMod val="400000"/>
-              </a:srgbClr>
-            </a:duotone>
-            <a:extLst>
-              <a:ext uri="{28A0092B-C50C-407E-A947-70E740481C1C}">
-                <a14:useLocalDpi xmlns:a14="http://schemas.microsoft.com/office/drawing/2010/main" val="0"/>
-              </a:ext>
-            </a:extLst>
-          </a:blip>
-          <a:stretch>
-            <a:fillRect/>
-          </a:stretch>
-        </p:blipFill>
-        <p:spPr>
-          <a:xfrm rot="15915403">
-            <a:off x="1154357" y="3112774"/>
-            <a:ext cx="1395361" cy="1395361"/>
-          </a:xfrm>
-          <a:prstGeom prst="rect">
-            <a:avLst/>
-          </a:prstGeom>
-        </p:spPr>
-      </p:pic>
-      <p:pic>
-        <p:nvPicPr>
-          <p:cNvPr id="9" name="Picture 8"/>
-          <p:cNvPicPr>
-            <a:picLocks noChangeAspect="1"/>
-          </p:cNvPicPr>
-          <p:nvPr/>
-        </p:nvPicPr>
-        <p:blipFill>
-          <a:blip r:embed="rId6" cstate="print">
-            <a:duotone>
-              <a:prstClr val="black"/>
-              <a:srgbClr val="33CC33">
-                <a:tint val="45000"/>
-                <a:satMod val="400000"/>
-              </a:srgbClr>
-            </a:duotone>
-            <a:extLst>
-              <a:ext uri="{28A0092B-C50C-407E-A947-70E740481C1C}">
-                <a14:useLocalDpi xmlns:a14="http://schemas.microsoft.com/office/drawing/2010/main" val="0"/>
-              </a:ext>
-            </a:extLst>
-          </a:blip>
-          <a:stretch>
-            <a:fillRect/>
-          </a:stretch>
-        </p:blipFill>
-        <p:spPr>
-          <a:xfrm rot="20126198">
-            <a:off x="9555286" y="1313531"/>
-            <a:ext cx="1342999" cy="1342999"/>
-          </a:xfrm>
-          <a:prstGeom prst="rect">
-            <a:avLst/>
-          </a:prstGeom>
-        </p:spPr>
-      </p:pic>
-      <p:pic>
-        <p:nvPicPr>
-          <p:cNvPr id="10" name="Picture 9"/>
-          <p:cNvPicPr>
-            <a:picLocks noChangeAspect="1"/>
-          </p:cNvPicPr>
-          <p:nvPr/>
-        </p:nvPicPr>
-        <p:blipFill>
-          <a:blip r:embed="rId7" cstate="print">
-            <a:duotone>
-              <a:prstClr val="black"/>
-              <a:schemeClr val="tx1">
-                <a:tint val="45000"/>
-                <a:satMod val="400000"/>
-              </a:schemeClr>
-            </a:duotone>
-            <a:extLst>
-              <a:ext uri="{28A0092B-C50C-407E-A947-70E740481C1C}">
-                <a14:useLocalDpi xmlns:a14="http://schemas.microsoft.com/office/drawing/2010/main" val="0"/>
-              </a:ext>
-            </a:extLst>
-          </a:blip>
-          <a:stretch>
-            <a:fillRect/>
-          </a:stretch>
-        </p:blipFill>
-        <p:spPr>
-          <a:xfrm rot="1988412">
-            <a:off x="2082000" y="654692"/>
-            <a:ext cx="1537920" cy="1537920"/>
-          </a:xfrm>
-          <a:prstGeom prst="rect">
-            <a:avLst/>
-          </a:prstGeom>
-        </p:spPr>
-      </p:pic>
-    </p:spTree>
-    <p:extLst>
-      <p:ext uri="{BB962C8B-B14F-4D97-AF65-F5344CB8AC3E}">
-        <p14:creationId xmlns:p14="http://schemas.microsoft.com/office/powerpoint/2010/main" val="807896415"/>
-      </p:ext>
-    </p:extLst>
-  </p:cSld>
-  <p:clrMapOvr>
-    <a:masterClrMapping/>
-  </p:clrMapOvr>
-  <p:timing>
-    <p:tnLst>
-      <p:par>
-        <p:cTn id="1" dur="indefinite" restart="never" nodeType="tmRoot"/>
-      </p:par>
-    </p:tnLst>
-  </p:timing>
-</p:sld>
-</file>
-
-<file path=ppt/slides/slide12.xml><?xml version="1.0" encoding="utf-8"?>
-<p:sld xmlns:a="http://schemas.openxmlformats.org/drawingml/2006/main" xmlns:r="http://schemas.openxmlformats.org/officeDocument/2006/relationships" xmlns:p="http://schemas.openxmlformats.org/presentationml/2006/main">
-  <p:cSld>
-    <p:spTree>
-      <p:nvGrpSpPr>
-        <p:cNvPr id="1" name=""/>
-        <p:cNvGrpSpPr/>
-        <p:nvPr/>
-      </p:nvGrpSpPr>
-      <p:grpSpPr>
-        <a:xfrm>
-          <a:off x="0" y="0"/>
-          <a:ext cx="0" cy="0"/>
-          <a:chOff x="0" y="0"/>
-          <a:chExt cx="0" cy="0"/>
-        </a:xfrm>
-      </p:grpSpPr>
-      <p:sp>
-        <p:nvSpPr>
           <p:cNvPr id="4" name="Slide Number Placeholder 3"/>
           <p:cNvSpPr>
             <a:spLocks noGrp="1"/>
@@ -7841,7 +5627,7 @@
               <a:pPr>
                 <a:defRPr/>
               </a:pPr>
-              <a:t>12</a:t>
+              <a:t>11</a:t>
             </a:fld>
             <a:endParaRPr lang="en-US" dirty="0"/>
           </a:p>
@@ -9113,7 +6899,7 @@
 </p:sld>
 </file>
 
-<file path=ppt/slides/slide13.xml><?xml version="1.0" encoding="utf-8"?>
+<file path=ppt/slides/slide12.xml><?xml version="1.0" encoding="utf-8"?>
 <p:sld xmlns:a="http://schemas.openxmlformats.org/drawingml/2006/main" xmlns:r="http://schemas.openxmlformats.org/officeDocument/2006/relationships" xmlns:p="http://schemas.openxmlformats.org/presentationml/2006/main">
   <p:cSld>
     <p:spTree>
@@ -9148,7 +6934,7 @@
             <a:fld id="{C014DD1E-5D91-48A3-AD6D-45FBA980D106}" type="slidenum">
               <a:rPr lang="en-US" smtClean="0"/>
               <a:pPr/>
-              <a:t>13</a:t>
+              <a:t>12</a:t>
             </a:fld>
             <a:endParaRPr lang="en-US" dirty="0"/>
           </a:p>
@@ -9749,7 +7535,7 @@
 </p:sld>
 </file>
 
-<file path=ppt/slides/slide14.xml><?xml version="1.0" encoding="utf-8"?>
+<file path=ppt/slides/slide13.xml><?xml version="1.0" encoding="utf-8"?>
 <p:sld xmlns:a="http://schemas.openxmlformats.org/drawingml/2006/main" xmlns:r="http://schemas.openxmlformats.org/officeDocument/2006/relationships" xmlns:p="http://schemas.openxmlformats.org/presentationml/2006/main">
   <p:cSld>
     <p:spTree>
@@ -9868,7 +7654,7 @@
             <a:fld id="{C014DD1E-5D91-48A3-AD6D-45FBA980D106}" type="slidenum">
               <a:rPr lang="en-US" smtClean="0"/>
               <a:pPr/>
-              <a:t>14</a:t>
+              <a:t>13</a:t>
             </a:fld>
             <a:endParaRPr lang="en-US" dirty="0"/>
           </a:p>
@@ -10140,7 +7926,7 @@
               </a:lnSpc>
             </a:pPr>
             <a:r>
-              <a:rPr lang="sv-SE" sz="2800" b="1" noProof="1">
+              <a:rPr lang="sv-SE" sz="2800" b="1" noProof="1" smtClean="0">
                 <a:solidFill>
                   <a:srgbClr val="FBEEDC"/>
                 </a:solidFill>
@@ -10154,42 +7940,22 @@
                 <a:latin typeface="Consolas" panose="020B0609020204030204" pitchFamily="49" charset="0"/>
                 <a:cs typeface="Arial" panose="020B0604020202020204" pitchFamily="34" charset="0"/>
               </a:rPr>
-              <a:t>4, 2, 1, 3, 5, 7, 1, </a:t>
-            </a:r>
-            <a:r>
-              <a:rPr lang="sv-SE" sz="2800" b="1" noProof="1" smtClean="0">
-                <a:solidFill>
-                  <a:srgbClr val="FBEEDC"/>
-                </a:solidFill>
-                <a:effectLst>
-                  <a:outerShdw blurRad="38100" dist="38100" dir="2700000" algn="tl">
-                    <a:srgbClr val="000000">
-                      <a:alpha val="43137"/>
-                    </a:srgbClr>
-                  </a:outerShdw>
-                </a:effectLst>
-                <a:latin typeface="Consolas" panose="020B0609020204030204" pitchFamily="49" charset="0"/>
-                <a:cs typeface="Arial" panose="020B0604020202020204" pitchFamily="34" charset="0"/>
-              </a:rPr>
-              <a:t>4, </a:t>
-            </a:r>
-            <a:r>
-              <a:rPr lang="sv-SE" sz="2800" b="1" noProof="1">
-                <a:solidFill>
-                  <a:srgbClr val="FBEEDC"/>
-                </a:solidFill>
-                <a:effectLst>
-                  <a:outerShdw blurRad="38100" dist="38100" dir="2700000" algn="tl">
-                    <a:srgbClr val="000000">
-                      <a:alpha val="43137"/>
-                    </a:srgbClr>
-                  </a:outerShdw>
-                </a:effectLst>
-                <a:latin typeface="Consolas" panose="020B0609020204030204" pitchFamily="49" charset="0"/>
-                <a:cs typeface="Arial" panose="020B0604020202020204" pitchFamily="34" charset="0"/>
-              </a:rPr>
-              <a:t>2, 12</a:t>
-            </a:r>
+              <a:t>4, 2, 1, 3, 5, 7, 1, 4, 2, 12</a:t>
+            </a:r>
+            <a:endParaRPr lang="sv-SE" sz="2800" b="1" noProof="1">
+              <a:solidFill>
+                <a:srgbClr val="FBEEDC"/>
+              </a:solidFill>
+              <a:effectLst>
+                <a:outerShdw blurRad="38100" dist="38100" dir="2700000" algn="tl">
+                  <a:srgbClr val="000000">
+                    <a:alpha val="43137"/>
+                  </a:srgbClr>
+                </a:outerShdw>
+              </a:effectLst>
+              <a:latin typeface="Consolas" panose="020B0609020204030204" pitchFamily="49" charset="0"/>
+              <a:cs typeface="Arial" panose="020B0604020202020204" pitchFamily="34" charset="0"/>
+            </a:endParaRPr>
           </a:p>
         </p:txBody>
       </p:sp>
@@ -10377,7 +8143,7 @@
 </p:sld>
 </file>
 
-<file path=ppt/slides/slide15.xml><?xml version="1.0" encoding="utf-8"?>
+<file path=ppt/slides/slide14.xml><?xml version="1.0" encoding="utf-8"?>
 <p:sld xmlns:a="http://schemas.openxmlformats.org/drawingml/2006/main" xmlns:r="http://schemas.openxmlformats.org/officeDocument/2006/relationships" xmlns:p="http://schemas.openxmlformats.org/presentationml/2006/main">
   <p:cSld>
     <p:spTree>
@@ -10412,7 +8178,7 @@
             <a:fld id="{C014DD1E-5D91-48A3-AD6D-45FBA980D106}" type="slidenum">
               <a:rPr lang="en-US" smtClean="0"/>
               <a:pPr/>
-              <a:t>15</a:t>
+              <a:t>14</a:t>
             </a:fld>
             <a:endParaRPr lang="en-US" dirty="0"/>
           </a:p>
@@ -11099,452 +8865,7 @@
 </p:sld>
 </file>
 
-<file path=ppt/slides/slide16.xml><?xml version="1.0" encoding="utf-8"?>
-<p:sld xmlns:a="http://schemas.openxmlformats.org/drawingml/2006/main" xmlns:r="http://schemas.openxmlformats.org/officeDocument/2006/relationships" xmlns:p="http://schemas.openxmlformats.org/presentationml/2006/main">
-  <p:cSld>
-    <p:spTree>
-      <p:nvGrpSpPr>
-        <p:cNvPr id="1" name=""/>
-        <p:cNvGrpSpPr/>
-        <p:nvPr/>
-      </p:nvGrpSpPr>
-      <p:grpSpPr>
-        <a:xfrm>
-          <a:off x="0" y="0"/>
-          <a:ext cx="0" cy="0"/>
-          <a:chOff x="0" y="0"/>
-          <a:chExt cx="0" cy="0"/>
-        </a:xfrm>
-      </p:grpSpPr>
-      <p:sp>
-        <p:nvSpPr>
-          <p:cNvPr id="2" name="Title 1"/>
-          <p:cNvSpPr>
-            <a:spLocks noGrp="1"/>
-          </p:cNvSpPr>
-          <p:nvPr>
-            <p:ph type="title"/>
-          </p:nvPr>
-        </p:nvSpPr>
-        <p:spPr>
-          <a:xfrm>
-            <a:off x="173884" y="4876800"/>
-            <a:ext cx="11483128" cy="820600"/>
-          </a:xfrm>
-        </p:spPr>
-        <p:txBody>
-          <a:bodyPr/>
-          <a:lstStyle/>
-          <a:p>
-            <a:r>
-              <a:rPr lang="en-US" dirty="0">
-                <a:effectLst>
-                  <a:outerShdw blurRad="50800" dist="38100" algn="tr" rotWithShape="0">
-                    <a:prstClr val="black">
-                      <a:alpha val="40000"/>
-                    </a:prstClr>
-                  </a:outerShdw>
-                </a:effectLst>
-              </a:rPr>
-              <a:t>Practice: Lambda </a:t>
-            </a:r>
-            <a:r>
-              <a:rPr lang="en-US" dirty="0" smtClean="0">
-                <a:effectLst>
-                  <a:outerShdw blurRad="50800" dist="38100" algn="tr" rotWithShape="0">
-                    <a:prstClr val="black">
-                      <a:alpha val="40000"/>
-                    </a:prstClr>
-                  </a:outerShdw>
-                </a:effectLst>
-              </a:rPr>
-              <a:t>Expressions</a:t>
-            </a:r>
-            <a:endParaRPr lang="en-US" dirty="0"/>
-          </a:p>
-        </p:txBody>
-      </p:sp>
-      <p:sp>
-        <p:nvSpPr>
-          <p:cNvPr id="3" name="Content Placeholder 2"/>
-          <p:cNvSpPr>
-            <a:spLocks noGrp="1"/>
-          </p:cNvSpPr>
-          <p:nvPr>
-            <p:ph type="body" idx="1"/>
-          </p:nvPr>
-        </p:nvSpPr>
-        <p:spPr>
-          <a:xfrm>
-            <a:off x="1446212" y="5754968"/>
-            <a:ext cx="8938472" cy="719034"/>
-          </a:xfrm>
-        </p:spPr>
-        <p:txBody>
-          <a:bodyPr/>
-          <a:lstStyle/>
-          <a:p>
-            <a:pPr marL="0" lvl="1" indent="0" algn="ctr">
-              <a:buNone/>
-            </a:pPr>
-            <a:r>
-              <a:rPr lang="en-US" sz="4000" dirty="0">
-                <a:solidFill>
-                  <a:schemeClr val="accent1"/>
-                </a:solidFill>
-              </a:rPr>
-              <a:t>Exercises in </a:t>
-            </a:r>
-            <a:r>
-              <a:rPr lang="en-US" sz="4000" dirty="0" smtClean="0">
-                <a:solidFill>
-                  <a:schemeClr val="accent1"/>
-                </a:solidFill>
-              </a:rPr>
-              <a:t>class (Lab)</a:t>
-            </a:r>
-            <a:endParaRPr lang="en-US" sz="4000" dirty="0">
-              <a:solidFill>
-                <a:schemeClr val="accent1"/>
-              </a:solidFill>
-            </a:endParaRPr>
-          </a:p>
-        </p:txBody>
-      </p:sp>
-      <p:pic>
-        <p:nvPicPr>
-          <p:cNvPr id="5" name="Picture 4"/>
-          <p:cNvPicPr>
-            <a:picLocks noChangeAspect="1"/>
-          </p:cNvPicPr>
-          <p:nvPr/>
-        </p:nvPicPr>
-        <p:blipFill>
-          <a:blip r:embed="rId2"/>
-          <a:stretch>
-            <a:fillRect/>
-          </a:stretch>
-        </p:blipFill>
-        <p:spPr>
-          <a:xfrm>
-            <a:off x="4337157" y="866750"/>
-            <a:ext cx="3524026" cy="3637568"/>
-          </a:xfrm>
-          <a:prstGeom prst="rect">
-            <a:avLst/>
-          </a:prstGeom>
-        </p:spPr>
-      </p:pic>
-      <p:pic>
-        <p:nvPicPr>
-          <p:cNvPr id="4" name="Picture 3"/>
-          <p:cNvPicPr>
-            <a:picLocks noChangeAspect="1"/>
-          </p:cNvPicPr>
-          <p:nvPr/>
-        </p:nvPicPr>
-        <p:blipFill>
-          <a:blip r:embed="rId3" cstate="print">
-            <a:extLst>
-              <a:ext uri="{28A0092B-C50C-407E-A947-70E740481C1C}">
-                <a14:useLocalDpi xmlns:a14="http://schemas.microsoft.com/office/drawing/2010/main" val="0"/>
-              </a:ext>
-            </a:extLst>
-          </a:blip>
-          <a:stretch>
-            <a:fillRect/>
-          </a:stretch>
-        </p:blipFill>
-        <p:spPr>
-          <a:xfrm>
-            <a:off x="8618528" y="2362200"/>
-            <a:ext cx="2057400" cy="2057400"/>
-          </a:xfrm>
-          <a:prstGeom prst="rect">
-            <a:avLst/>
-          </a:prstGeom>
-        </p:spPr>
-      </p:pic>
-      <p:pic>
-        <p:nvPicPr>
-          <p:cNvPr id="7" name="Picture 6"/>
-          <p:cNvPicPr>
-            <a:picLocks noChangeAspect="1"/>
-          </p:cNvPicPr>
-          <p:nvPr/>
-        </p:nvPicPr>
-        <p:blipFill>
-          <a:blip r:embed="rId4">
-            <a:extLst>
-              <a:ext uri="{28A0092B-C50C-407E-A947-70E740481C1C}">
-                <a14:useLocalDpi xmlns:a14="http://schemas.microsoft.com/office/drawing/2010/main" val="0"/>
-              </a:ext>
-            </a:extLst>
-          </a:blip>
-          <a:stretch>
-            <a:fillRect/>
-          </a:stretch>
-        </p:blipFill>
-        <p:spPr>
-          <a:xfrm>
-            <a:off x="1446212" y="1828800"/>
-            <a:ext cx="2414921" cy="2414921"/>
-          </a:xfrm>
-          <a:prstGeom prst="rect">
-            <a:avLst/>
-          </a:prstGeom>
-        </p:spPr>
-      </p:pic>
-    </p:spTree>
-    <p:extLst>
-      <p:ext uri="{BB962C8B-B14F-4D97-AF65-F5344CB8AC3E}">
-        <p14:creationId xmlns:p14="http://schemas.microsoft.com/office/powerpoint/2010/main" val="1604358292"/>
-      </p:ext>
-    </p:extLst>
-  </p:cSld>
-  <p:clrMapOvr>
-    <a:masterClrMapping/>
-  </p:clrMapOvr>
-  <p:timing>
-    <p:tnLst>
-      <p:par>
-        <p:cTn id="1" dur="indefinite" restart="never" nodeType="tmRoot"/>
-      </p:par>
-    </p:tnLst>
-  </p:timing>
-</p:sld>
-</file>
-
-<file path=ppt/slides/slide17.xml><?xml version="1.0" encoding="utf-8"?>
-<p:sld xmlns:a="http://schemas.openxmlformats.org/drawingml/2006/main" xmlns:r="http://schemas.openxmlformats.org/officeDocument/2006/relationships" xmlns:p="http://schemas.openxmlformats.org/presentationml/2006/main">
-  <p:cSld>
-    <p:spTree>
-      <p:nvGrpSpPr>
-        <p:cNvPr id="1" name=""/>
-        <p:cNvGrpSpPr/>
-        <p:nvPr/>
-      </p:nvGrpSpPr>
-      <p:grpSpPr>
-        <a:xfrm>
-          <a:off x="0" y="0"/>
-          <a:ext cx="0" cy="0"/>
-          <a:chOff x="0" y="0"/>
-          <a:chExt cx="0" cy="0"/>
-        </a:xfrm>
-      </p:grpSpPr>
-      <p:sp>
-        <p:nvSpPr>
-          <p:cNvPr id="2" name="Title 1"/>
-          <p:cNvSpPr>
-            <a:spLocks noGrp="1"/>
-          </p:cNvSpPr>
-          <p:nvPr>
-            <p:ph type="title"/>
-          </p:nvPr>
-        </p:nvSpPr>
-        <p:spPr>
-          <a:xfrm>
-            <a:off x="1164484" y="4746008"/>
-            <a:ext cx="9959128" cy="820600"/>
-          </a:xfrm>
-        </p:spPr>
-        <p:txBody>
-          <a:bodyPr/>
-          <a:lstStyle/>
-          <a:p>
-            <a:r>
-              <a:rPr lang="en-US" dirty="0" smtClean="0"/>
-              <a:t>Other Function Types</a:t>
-            </a:r>
-            <a:endParaRPr lang="en-US" dirty="0"/>
-          </a:p>
-        </p:txBody>
-      </p:sp>
-      <p:sp>
-        <p:nvSpPr>
-          <p:cNvPr id="3" name="Text Placeholder 2"/>
-          <p:cNvSpPr>
-            <a:spLocks noGrp="1"/>
-          </p:cNvSpPr>
-          <p:nvPr>
-            <p:ph type="body" idx="1"/>
-          </p:nvPr>
-        </p:nvSpPr>
-        <p:spPr>
-          <a:xfrm>
-            <a:off x="1164484" y="5624176"/>
-            <a:ext cx="9959128" cy="719034"/>
-          </a:xfrm>
-        </p:spPr>
-        <p:txBody>
-          <a:bodyPr/>
-          <a:lstStyle/>
-          <a:p>
-            <a:r>
-              <a:rPr lang="en-US" dirty="0" smtClean="0"/>
-              <a:t>Special Functions</a:t>
-            </a:r>
-            <a:endParaRPr lang="en-US" dirty="0"/>
-          </a:p>
-        </p:txBody>
-      </p:sp>
-      <p:pic>
-        <p:nvPicPr>
-          <p:cNvPr id="11" name="Picture 10"/>
-          <p:cNvPicPr>
-            <a:picLocks noChangeAspect="1"/>
-          </p:cNvPicPr>
-          <p:nvPr/>
-        </p:nvPicPr>
-        <p:blipFill>
-          <a:blip r:embed="rId3">
-            <a:extLst>
-              <a:ext uri="{28A0092B-C50C-407E-A947-70E740481C1C}">
-                <a14:useLocalDpi xmlns:a14="http://schemas.microsoft.com/office/drawing/2010/main" val="0"/>
-              </a:ext>
-            </a:extLst>
-          </a:blip>
-          <a:stretch>
-            <a:fillRect/>
-          </a:stretch>
-        </p:blipFill>
-        <p:spPr>
-          <a:xfrm>
-            <a:off x="5020098" y="966325"/>
-            <a:ext cx="2247900" cy="2038350"/>
-          </a:xfrm>
-          <a:prstGeom prst="roundRect">
-            <a:avLst>
-              <a:gd name="adj" fmla="val 6698"/>
-            </a:avLst>
-          </a:prstGeom>
-        </p:spPr>
-      </p:pic>
-      <p:pic>
-        <p:nvPicPr>
-          <p:cNvPr id="12" name="Picture 11"/>
-          <p:cNvPicPr>
-            <a:picLocks noChangeAspect="1"/>
-          </p:cNvPicPr>
-          <p:nvPr/>
-        </p:nvPicPr>
-        <p:blipFill>
-          <a:blip r:embed="rId4" cstate="print">
-            <a:duotone>
-              <a:prstClr val="black"/>
-              <a:schemeClr val="accent1">
-                <a:tint val="45000"/>
-                <a:satMod val="400000"/>
-              </a:schemeClr>
-            </a:duotone>
-            <a:extLst>
-              <a:ext uri="{28A0092B-C50C-407E-A947-70E740481C1C}">
-                <a14:useLocalDpi xmlns:a14="http://schemas.microsoft.com/office/drawing/2010/main" val="0"/>
-              </a:ext>
-            </a:extLst>
-          </a:blip>
-          <a:stretch>
-            <a:fillRect/>
-          </a:stretch>
-        </p:blipFill>
-        <p:spPr>
-          <a:xfrm>
-            <a:off x="1522412" y="1985500"/>
-            <a:ext cx="2459832" cy="2459832"/>
-          </a:xfrm>
-          <a:prstGeom prst="rect">
-            <a:avLst/>
-          </a:prstGeom>
-        </p:spPr>
-      </p:pic>
-      <p:pic>
-        <p:nvPicPr>
-          <p:cNvPr id="13" name="Picture 12"/>
-          <p:cNvPicPr>
-            <a:picLocks noChangeAspect="1"/>
-          </p:cNvPicPr>
-          <p:nvPr/>
-        </p:nvPicPr>
-        <p:blipFill>
-          <a:blip r:embed="rId5">
-            <a:duotone>
-              <a:schemeClr val="accent1">
-                <a:shade val="45000"/>
-                <a:satMod val="135000"/>
-              </a:schemeClr>
-              <a:prstClr val="white"/>
-            </a:duotone>
-            <a:extLst>
-              <a:ext uri="{28A0092B-C50C-407E-A947-70E740481C1C}">
-                <a14:useLocalDpi xmlns:a14="http://schemas.microsoft.com/office/drawing/2010/main" val="0"/>
-              </a:ext>
-            </a:extLst>
-          </a:blip>
-          <a:stretch>
-            <a:fillRect/>
-          </a:stretch>
-        </p:blipFill>
-        <p:spPr>
-          <a:xfrm>
-            <a:off x="8456612" y="1985501"/>
-            <a:ext cx="2484678" cy="2459831"/>
-          </a:xfrm>
-          <a:prstGeom prst="rect">
-            <a:avLst/>
-          </a:prstGeom>
-        </p:spPr>
-      </p:pic>
-      <p:pic>
-        <p:nvPicPr>
-          <p:cNvPr id="14" name="Picture 13"/>
-          <p:cNvPicPr>
-            <a:picLocks noChangeAspect="1"/>
-          </p:cNvPicPr>
-          <p:nvPr/>
-        </p:nvPicPr>
-        <p:blipFill>
-          <a:blip r:embed="rId6" cstate="print">
-            <a:extLst>
-              <a:ext uri="{28A0092B-C50C-407E-A947-70E740481C1C}">
-                <a14:useLocalDpi xmlns:a14="http://schemas.microsoft.com/office/drawing/2010/main" val="0"/>
-              </a:ext>
-            </a:extLst>
-          </a:blip>
-          <a:stretch>
-            <a:fillRect/>
-          </a:stretch>
-        </p:blipFill>
-        <p:spPr>
-          <a:xfrm>
-            <a:off x="5432794" y="3215416"/>
-            <a:ext cx="1422508" cy="1422508"/>
-          </a:xfrm>
-          <a:prstGeom prst="rect">
-            <a:avLst/>
-          </a:prstGeom>
-        </p:spPr>
-      </p:pic>
-    </p:spTree>
-    <p:extLst>
-      <p:ext uri="{BB962C8B-B14F-4D97-AF65-F5344CB8AC3E}">
-        <p14:creationId xmlns:p14="http://schemas.microsoft.com/office/powerpoint/2010/main" val="1010115099"/>
-      </p:ext>
-    </p:extLst>
-  </p:cSld>
-  <p:clrMapOvr>
-    <a:masterClrMapping/>
-  </p:clrMapOvr>
-  <p:timing>
-    <p:tnLst>
-      <p:par>
-        <p:cTn id="1" dur="indefinite" restart="never" nodeType="tmRoot"/>
-      </p:par>
-    </p:tnLst>
-  </p:timing>
-</p:sld>
-</file>
-
-<file path=ppt/slides/slide18.xml><?xml version="1.0" encoding="utf-8"?>
+<file path=ppt/slides/slide15.xml><?xml version="1.0" encoding="utf-8"?>
 <p:sld xmlns:a="http://schemas.openxmlformats.org/drawingml/2006/main" xmlns:r="http://schemas.openxmlformats.org/officeDocument/2006/relationships" xmlns:p="http://schemas.openxmlformats.org/presentationml/2006/main">
   <p:cSld>
     <p:spTree>
@@ -11588,7 +8909,7 @@
               <a:pPr>
                 <a:defRPr/>
               </a:pPr>
-              <a:t>18</a:t>
+              <a:t>15</a:t>
             </a:fld>
             <a:endParaRPr lang="en-US" dirty="0"/>
           </a:p>
@@ -12129,20 +9450,6 @@
               </a:rPr>
               <a:t>print.accept("pesho");</a:t>
             </a:r>
-            <a:endParaRPr lang="en-US" sz="2800" b="1" noProof="1">
-              <a:solidFill>
-                <a:schemeClr val="tx2"/>
-              </a:solidFill>
-              <a:effectLst>
-                <a:outerShdw blurRad="38100" dist="38100" dir="2700000" algn="tl">
-                  <a:srgbClr val="000000">
-                    <a:alpha val="43137"/>
-                  </a:srgbClr>
-                </a:outerShdw>
-              </a:effectLst>
-              <a:latin typeface="Consolas" pitchFamily="49" charset="0"/>
-              <a:cs typeface="Consolas" pitchFamily="49" charset="0"/>
-            </a:endParaRPr>
           </a:p>
         </p:txBody>
       </p:sp>
@@ -12278,7 +9585,7 @@
 </p:sld>
 </file>
 
-<file path=ppt/slides/slide19.xml><?xml version="1.0" encoding="utf-8"?>
+<file path=ppt/slides/slide16.xml><?xml version="1.0" encoding="utf-8"?>
 <p:sld xmlns:a="http://schemas.openxmlformats.org/drawingml/2006/main" xmlns:r="http://schemas.openxmlformats.org/officeDocument/2006/relationships" xmlns:p="http://schemas.openxmlformats.org/presentationml/2006/main">
   <p:cSld>
     <p:spTree>
@@ -12322,7 +9629,7 @@
               <a:pPr>
                 <a:defRPr/>
               </a:pPr>
-              <a:t>19</a:t>
+              <a:t>16</a:t>
             </a:fld>
             <a:endParaRPr lang="en-US" dirty="0"/>
           </a:p>
@@ -12832,56 +10139,8 @@
                 <a:latin typeface="Consolas" pitchFamily="49" charset="0"/>
                 <a:cs typeface="Consolas" pitchFamily="49" charset="0"/>
               </a:rPr>
-              <a:t>&gt; </a:t>
-            </a:r>
-            <a:r>
-              <a:rPr lang="en-US" sz="2800" b="1" noProof="1" smtClean="0">
-                <a:solidFill>
-                  <a:schemeClr val="tx2"/>
-                </a:solidFill>
-                <a:effectLst>
-                  <a:outerShdw blurRad="38100" dist="38100" dir="2700000" algn="tl">
-                    <a:srgbClr val="000000">
-                      <a:alpha val="43137"/>
-                    </a:srgbClr>
-                  </a:outerShdw>
-                </a:effectLst>
-                <a:latin typeface="Consolas" pitchFamily="49" charset="0"/>
-                <a:cs typeface="Consolas" pitchFamily="49" charset="0"/>
-              </a:rPr>
-              <a:t>genRandomInt </a:t>
-            </a:r>
-            <a:r>
-              <a:rPr lang="en-US" sz="2800" b="1" noProof="1">
-                <a:solidFill>
-                  <a:schemeClr val="tx2"/>
-                </a:solidFill>
-                <a:effectLst>
-                  <a:outerShdw blurRad="38100" dist="38100" dir="2700000" algn="tl">
-                    <a:srgbClr val="000000">
-                      <a:alpha val="43137"/>
-                    </a:srgbClr>
-                  </a:outerShdw>
-                </a:effectLst>
-                <a:latin typeface="Consolas" pitchFamily="49" charset="0"/>
-                <a:cs typeface="Consolas" pitchFamily="49" charset="0"/>
-              </a:rPr>
-              <a:t>= </a:t>
-            </a:r>
-            <a:endParaRPr lang="en-US" sz="2800" b="1" noProof="1" smtClean="0">
-              <a:solidFill>
-                <a:schemeClr val="tx2"/>
-              </a:solidFill>
-              <a:effectLst>
-                <a:outerShdw blurRad="38100" dist="38100" dir="2700000" algn="tl">
-                  <a:srgbClr val="000000">
-                    <a:alpha val="43137"/>
-                  </a:srgbClr>
-                </a:outerShdw>
-              </a:effectLst>
-              <a:latin typeface="Consolas" pitchFamily="49" charset="0"/>
-              <a:cs typeface="Consolas" pitchFamily="49" charset="0"/>
-            </a:endParaRPr>
+              <a:t>&gt; genRandomInt = </a:t>
+            </a:r>
           </a:p>
           <a:p>
             <a:pPr eaLnBrk="0" hangingPunct="0">
@@ -12914,7 +10173,7 @@
               <a:t>	</a:t>
             </a:r>
             <a:r>
-              <a:rPr lang="en-US" sz="2800" b="1" noProof="1" smtClean="0">
+              <a:rPr lang="en-US" sz="2800" b="1" noProof="1">
                 <a:solidFill>
                   <a:schemeClr val="tx2">
                     <a:lumMod val="75000"/>
@@ -12933,7 +10192,7 @@
               <a:t>()</a:t>
             </a:r>
             <a:r>
-              <a:rPr lang="en-US" sz="2800" b="1" noProof="1" smtClean="0">
+              <a:rPr lang="en-US" sz="2800" b="1" noProof="1">
                 <a:solidFill>
                   <a:schemeClr val="tx2"/>
                 </a:solidFill>
@@ -13002,29 +10261,10 @@
                 <a:latin typeface="Consolas" pitchFamily="49" charset="0"/>
                 <a:cs typeface="Consolas" pitchFamily="49" charset="0"/>
               </a:rPr>
-              <a:t>new Random().nextInt(51</a:t>
-            </a:r>
-            <a:r>
-              <a:rPr lang="en-US" sz="2800" b="1" noProof="1" smtClean="0">
-                <a:solidFill>
-                  <a:schemeClr val="tx2">
-                    <a:lumMod val="75000"/>
-                  </a:schemeClr>
-                </a:solidFill>
-                <a:effectLst>
-                  <a:outerShdw blurRad="38100" dist="38100" dir="2700000" algn="tl">
-                    <a:srgbClr val="000000">
-                      <a:alpha val="43137"/>
-                    </a:srgbClr>
-                  </a:outerShdw>
-                </a:effectLst>
-                <a:latin typeface="Consolas" pitchFamily="49" charset="0"/>
-                <a:cs typeface="Consolas" pitchFamily="49" charset="0"/>
-              </a:rPr>
-              <a:t>)</a:t>
-            </a:r>
-            <a:r>
-              <a:rPr lang="en-US" sz="2800" b="1" noProof="1" smtClean="0">
+              <a:t>new Random().nextInt(51)</a:t>
+            </a:r>
+            <a:r>
+              <a:rPr lang="en-US" sz="2800" b="1" noProof="1">
                 <a:solidFill>
                   <a:schemeClr val="tx2"/>
                 </a:solidFill>
@@ -13107,20 +10347,6 @@
               </a:rPr>
               <a:t>;</a:t>
             </a:r>
-            <a:endParaRPr lang="en-US" sz="2800" b="1" noProof="1">
-              <a:solidFill>
-                <a:schemeClr val="tx2"/>
-              </a:solidFill>
-              <a:effectLst>
-                <a:outerShdw blurRad="38100" dist="38100" dir="2700000" algn="tl">
-                  <a:srgbClr val="000000">
-                    <a:alpha val="43137"/>
-                  </a:srgbClr>
-                </a:outerShdw>
-              </a:effectLst>
-              <a:latin typeface="Consolas" pitchFamily="49" charset="0"/>
-              <a:cs typeface="Consolas" pitchFamily="49" charset="0"/>
-            </a:endParaRPr>
           </a:p>
         </p:txBody>
       </p:sp>
@@ -13275,6 +10501,2011 @@
     <p:bldLst>
       <p:bldP spid="7" grpId="0" animBg="1"/>
     </p:bldLst>
+  </p:timing>
+</p:sld>
+</file>
+
+<file path=ppt/slides/slide17.xml><?xml version="1.0" encoding="utf-8"?>
+<p:sld xmlns:a="http://schemas.openxmlformats.org/drawingml/2006/main" xmlns:r="http://schemas.openxmlformats.org/officeDocument/2006/relationships" xmlns:p="http://schemas.openxmlformats.org/presentationml/2006/main">
+  <p:cSld>
+    <p:spTree>
+      <p:nvGrpSpPr>
+        <p:cNvPr id="1" name=""/>
+        <p:cNvGrpSpPr/>
+        <p:nvPr/>
+      </p:nvGrpSpPr>
+      <p:grpSpPr>
+        <a:xfrm>
+          <a:off x="0" y="0"/>
+          <a:ext cx="0" cy="0"/>
+          <a:chOff x="0" y="0"/>
+          <a:chExt cx="0" cy="0"/>
+        </a:xfrm>
+      </p:grpSpPr>
+      <p:sp>
+        <p:nvSpPr>
+          <p:cNvPr id="4" name="Slide Number Placeholder 3"/>
+          <p:cNvSpPr>
+            <a:spLocks noGrp="1"/>
+          </p:cNvSpPr>
+          <p:nvPr>
+            <p:ph type="sldNum" sz="quarter" idx="4"/>
+          </p:nvPr>
+        </p:nvSpPr>
+        <p:spPr>
+          <a:prstGeom prst="rect">
+            <a:avLst/>
+          </a:prstGeom>
+        </p:spPr>
+        <p:txBody>
+          <a:bodyPr/>
+          <a:lstStyle/>
+          <a:p>
+            <a:pPr>
+              <a:defRPr/>
+            </a:pPr>
+            <a:fld id="{58452FF4-89E3-4D1B-9927-2DBDC00E58D7}" type="slidenum">
+              <a:rPr lang="en-US" smtClean="0"/>
+              <a:pPr>
+                <a:defRPr/>
+              </a:pPr>
+              <a:t>17</a:t>
+            </a:fld>
+            <a:endParaRPr lang="en-US" dirty="0"/>
+          </a:p>
+        </p:txBody>
+      </p:sp>
+      <p:sp>
+        <p:nvSpPr>
+          <p:cNvPr id="519171" name="Rectangle 3"/>
+          <p:cNvSpPr>
+            <a:spLocks noGrp="1" noChangeArrowheads="1"/>
+          </p:cNvSpPr>
+          <p:nvPr>
+            <p:ph idx="1"/>
+          </p:nvPr>
+        </p:nvSpPr>
+        <p:spPr/>
+        <p:txBody>
+          <a:bodyPr/>
+          <a:lstStyle/>
+          <a:p>
+            <a:pPr>
+              <a:lnSpc>
+                <a:spcPct val="100000"/>
+              </a:lnSpc>
+            </a:pPr>
+            <a:r>
+              <a:rPr lang="en-US" dirty="0"/>
+              <a:t>In Java </a:t>
+            </a:r>
+            <a:r>
+              <a:rPr lang="en-US" b="1" dirty="0">
+                <a:solidFill>
+                  <a:schemeClr val="tx2">
+                    <a:lumMod val="75000"/>
+                  </a:schemeClr>
+                </a:solidFill>
+                <a:latin typeface="Consolas" panose="020B0609020204030204" pitchFamily="49" charset="0"/>
+              </a:rPr>
+              <a:t>Predicate&lt;T&gt;</a:t>
+            </a:r>
+            <a:r>
+              <a:rPr lang="en-US" b="1" dirty="0"/>
+              <a:t> </a:t>
+            </a:r>
+            <a:r>
+              <a:rPr lang="en-US" dirty="0"/>
+              <a:t>evaluates a condition:</a:t>
+            </a:r>
+          </a:p>
+          <a:p>
+            <a:pPr>
+              <a:lnSpc>
+                <a:spcPct val="100000"/>
+              </a:lnSpc>
+            </a:pPr>
+            <a:endParaRPr lang="en-US" dirty="0"/>
+          </a:p>
+          <a:p>
+            <a:pPr marL="0" indent="0">
+              <a:lnSpc>
+                <a:spcPct val="100000"/>
+              </a:lnSpc>
+              <a:buNone/>
+            </a:pPr>
+            <a:endParaRPr lang="en-US" dirty="0"/>
+          </a:p>
+          <a:p>
+            <a:pPr>
+              <a:lnSpc>
+                <a:spcPct val="150000"/>
+              </a:lnSpc>
+              <a:spcBef>
+                <a:spcPts val="1800"/>
+              </a:spcBef>
+            </a:pPr>
+            <a:r>
+              <a:rPr lang="en-US" dirty="0" smtClean="0"/>
+              <a:t>We </a:t>
+            </a:r>
+            <a:r>
+              <a:rPr lang="en-US" dirty="0"/>
+              <a:t>use </a:t>
+            </a:r>
+            <a:r>
+              <a:rPr lang="en-US" dirty="0" smtClean="0"/>
+              <a:t>the Predicate </a:t>
+            </a:r>
+            <a:r>
+              <a:rPr lang="en-US" dirty="0"/>
+              <a:t>with </a:t>
+            </a:r>
+            <a:r>
+              <a:rPr lang="en-US" b="1" dirty="0">
+                <a:solidFill>
+                  <a:schemeClr val="tx2">
+                    <a:lumMod val="75000"/>
+                  </a:schemeClr>
+                </a:solidFill>
+                <a:latin typeface="Consolas" panose="020B0609020204030204" pitchFamily="49" charset="0"/>
+              </a:rPr>
+              <a:t>.test()</a:t>
+            </a:r>
+            <a:r>
+              <a:rPr lang="en-US" b="1" dirty="0"/>
+              <a:t>:</a:t>
+            </a:r>
+            <a:endParaRPr lang="en-US" dirty="0"/>
+          </a:p>
+          <a:p>
+            <a:pPr>
+              <a:lnSpc>
+                <a:spcPct val="100000"/>
+              </a:lnSpc>
+            </a:pPr>
+            <a:endParaRPr lang="en-US" dirty="0"/>
+          </a:p>
+          <a:p>
+            <a:pPr>
+              <a:lnSpc>
+                <a:spcPct val="100000"/>
+              </a:lnSpc>
+            </a:pPr>
+            <a:endParaRPr lang="en-US" b="1" dirty="0"/>
+          </a:p>
+        </p:txBody>
+      </p:sp>
+      <p:sp>
+        <p:nvSpPr>
+          <p:cNvPr id="519170" name="Rectangle 2"/>
+          <p:cNvSpPr>
+            <a:spLocks noGrp="1" noChangeArrowheads="1"/>
+          </p:cNvSpPr>
+          <p:nvPr>
+            <p:ph type="title"/>
+          </p:nvPr>
+        </p:nvSpPr>
+        <p:spPr/>
+        <p:txBody>
+          <a:bodyPr/>
+          <a:lstStyle/>
+          <a:p>
+            <a:r>
+              <a:rPr lang="en-US" dirty="0"/>
+              <a:t>Predicate&lt;T&gt;</a:t>
+            </a:r>
+            <a:endParaRPr lang="bg-BG" dirty="0"/>
+          </a:p>
+        </p:txBody>
+      </p:sp>
+      <p:sp>
+        <p:nvSpPr>
+          <p:cNvPr id="5" name="Rectangle 5"/>
+          <p:cNvSpPr>
+            <a:spLocks noChangeArrowheads="1"/>
+          </p:cNvSpPr>
+          <p:nvPr/>
+        </p:nvSpPr>
+        <p:spPr bwMode="auto">
+          <a:xfrm>
+            <a:off x="684212" y="1886232"/>
+            <a:ext cx="10882200" cy="1449628"/>
+          </a:xfrm>
+          <a:prstGeom prst="rect">
+            <a:avLst/>
+          </a:prstGeom>
+          <a:solidFill>
+            <a:schemeClr val="accent5">
+              <a:lumMod val="40000"/>
+              <a:lumOff val="60000"/>
+              <a:alpha val="15000"/>
+            </a:schemeClr>
+          </a:solidFill>
+          <a:ln w="12700">
+            <a:solidFill>
+              <a:schemeClr val="accent5">
+                <a:lumMod val="60000"/>
+                <a:lumOff val="40000"/>
+              </a:schemeClr>
+            </a:solidFill>
+          </a:ln>
+        </p:spPr>
+        <p:txBody>
+          <a:bodyPr wrap="square">
+            <a:spAutoFit/>
+          </a:bodyPr>
+          <a:lstStyle/>
+          <a:p>
+            <a:pPr eaLnBrk="0" hangingPunct="0">
+              <a:lnSpc>
+                <a:spcPct val="105000"/>
+              </a:lnSpc>
+              <a:buClr>
+                <a:schemeClr val="accent5">
+                  <a:lumMod val="40000"/>
+                  <a:lumOff val="60000"/>
+                </a:schemeClr>
+              </a:buClr>
+              <a:buSzPct val="70000"/>
+            </a:pPr>
+            <a:r>
+              <a:rPr lang="en-US" sz="2800" b="1" noProof="1">
+                <a:solidFill>
+                  <a:schemeClr val="tx2">
+                    <a:lumMod val="75000"/>
+                  </a:schemeClr>
+                </a:solidFill>
+                <a:effectLst>
+                  <a:outerShdw blurRad="38100" dist="38100" dir="2700000" algn="tl">
+                    <a:srgbClr val="000000">
+                      <a:alpha val="43137"/>
+                    </a:srgbClr>
+                  </a:outerShdw>
+                </a:effectLst>
+                <a:latin typeface="Consolas" pitchFamily="49" charset="0"/>
+                <a:cs typeface="Consolas" pitchFamily="49" charset="0"/>
+              </a:rPr>
+              <a:t>boolean</a:t>
+            </a:r>
+            <a:r>
+              <a:rPr lang="en-US" sz="2800" b="1" noProof="1">
+                <a:solidFill>
+                  <a:schemeClr val="tx2"/>
+                </a:solidFill>
+                <a:effectLst>
+                  <a:outerShdw blurRad="38100" dist="38100" dir="2700000" algn="tl">
+                    <a:srgbClr val="000000">
+                      <a:alpha val="43137"/>
+                    </a:srgbClr>
+                  </a:outerShdw>
+                </a:effectLst>
+                <a:latin typeface="Consolas" pitchFamily="49" charset="0"/>
+                <a:cs typeface="Consolas" pitchFamily="49" charset="0"/>
+              </a:rPr>
+              <a:t> isEven(int number) {</a:t>
+            </a:r>
+          </a:p>
+          <a:p>
+            <a:pPr eaLnBrk="0" hangingPunct="0">
+              <a:lnSpc>
+                <a:spcPct val="105000"/>
+              </a:lnSpc>
+              <a:buClr>
+                <a:schemeClr val="accent5">
+                  <a:lumMod val="40000"/>
+                  <a:lumOff val="60000"/>
+                </a:schemeClr>
+              </a:buClr>
+              <a:buSzPct val="70000"/>
+            </a:pPr>
+            <a:r>
+              <a:rPr lang="en-US" sz="2800" b="1" noProof="1">
+                <a:solidFill>
+                  <a:schemeClr val="tx2"/>
+                </a:solidFill>
+                <a:effectLst>
+                  <a:outerShdw blurRad="38100" dist="38100" dir="2700000" algn="tl">
+                    <a:srgbClr val="000000">
+                      <a:alpha val="43137"/>
+                    </a:srgbClr>
+                  </a:outerShdw>
+                </a:effectLst>
+                <a:latin typeface="Consolas" pitchFamily="49" charset="0"/>
+                <a:cs typeface="Consolas" pitchFamily="49" charset="0"/>
+              </a:rPr>
+              <a:t>    return number % 2 == 0;</a:t>
+            </a:r>
+          </a:p>
+          <a:p>
+            <a:pPr eaLnBrk="0" hangingPunct="0">
+              <a:lnSpc>
+                <a:spcPct val="105000"/>
+              </a:lnSpc>
+              <a:buClr>
+                <a:schemeClr val="accent5">
+                  <a:lumMod val="40000"/>
+                  <a:lumOff val="60000"/>
+                </a:schemeClr>
+              </a:buClr>
+              <a:buSzPct val="70000"/>
+            </a:pPr>
+            <a:r>
+              <a:rPr lang="en-US" sz="2800" b="1" noProof="1">
+                <a:solidFill>
+                  <a:schemeClr val="tx2"/>
+                </a:solidFill>
+                <a:effectLst>
+                  <a:outerShdw blurRad="38100" dist="38100" dir="2700000" algn="tl">
+                    <a:srgbClr val="000000">
+                      <a:alpha val="43137"/>
+                    </a:srgbClr>
+                  </a:outerShdw>
+                </a:effectLst>
+                <a:latin typeface="Consolas" pitchFamily="49" charset="0"/>
+                <a:cs typeface="Consolas" pitchFamily="49" charset="0"/>
+              </a:rPr>
+              <a:t>}</a:t>
+            </a:r>
+          </a:p>
+        </p:txBody>
+      </p:sp>
+      <p:sp>
+        <p:nvSpPr>
+          <p:cNvPr id="6" name="Rectangle 5"/>
+          <p:cNvSpPr>
+            <a:spLocks noChangeArrowheads="1"/>
+          </p:cNvSpPr>
+          <p:nvPr/>
+        </p:nvSpPr>
+        <p:spPr bwMode="auto">
+          <a:xfrm>
+            <a:off x="684212" y="4336804"/>
+            <a:ext cx="10882200" cy="997196"/>
+          </a:xfrm>
+          <a:prstGeom prst="rect">
+            <a:avLst/>
+          </a:prstGeom>
+          <a:solidFill>
+            <a:schemeClr val="accent5">
+              <a:lumMod val="40000"/>
+              <a:lumOff val="60000"/>
+              <a:alpha val="15000"/>
+            </a:schemeClr>
+          </a:solidFill>
+          <a:ln w="12700">
+            <a:solidFill>
+              <a:schemeClr val="accent5">
+                <a:lumMod val="60000"/>
+                <a:lumOff val="40000"/>
+              </a:schemeClr>
+            </a:solidFill>
+          </a:ln>
+        </p:spPr>
+        <p:txBody>
+          <a:bodyPr wrap="square">
+            <a:spAutoFit/>
+          </a:bodyPr>
+          <a:lstStyle/>
+          <a:p>
+            <a:pPr eaLnBrk="0" hangingPunct="0">
+              <a:lnSpc>
+                <a:spcPct val="105000"/>
+              </a:lnSpc>
+              <a:buClr>
+                <a:schemeClr val="accent5">
+                  <a:lumMod val="40000"/>
+                  <a:lumOff val="60000"/>
+                </a:schemeClr>
+              </a:buClr>
+              <a:buSzPct val="70000"/>
+            </a:pPr>
+            <a:r>
+              <a:rPr lang="en-US" sz="2800" b="1" noProof="1">
+                <a:solidFill>
+                  <a:schemeClr val="tx2"/>
+                </a:solidFill>
+                <a:effectLst>
+                  <a:outerShdw blurRad="38100" dist="38100" dir="2700000" algn="tl">
+                    <a:srgbClr val="000000">
+                      <a:alpha val="43137"/>
+                    </a:srgbClr>
+                  </a:outerShdw>
+                </a:effectLst>
+                <a:latin typeface="Consolas" pitchFamily="49" charset="0"/>
+                <a:cs typeface="Consolas" pitchFamily="49" charset="0"/>
+              </a:rPr>
+              <a:t>Predicate&lt;</a:t>
+            </a:r>
+            <a:r>
+              <a:rPr lang="en-US" sz="2800" b="1" noProof="1">
+                <a:solidFill>
+                  <a:schemeClr val="tx2">
+                    <a:lumMod val="75000"/>
+                  </a:schemeClr>
+                </a:solidFill>
+                <a:effectLst>
+                  <a:outerShdw blurRad="38100" dist="38100" dir="2700000" algn="tl">
+                    <a:srgbClr val="000000">
+                      <a:alpha val="43137"/>
+                    </a:srgbClr>
+                  </a:outerShdw>
+                </a:effectLst>
+                <a:latin typeface="Consolas" pitchFamily="49" charset="0"/>
+                <a:cs typeface="Consolas" pitchFamily="49" charset="0"/>
+              </a:rPr>
+              <a:t>Integer</a:t>
+            </a:r>
+            <a:r>
+              <a:rPr lang="en-US" sz="2800" b="1" noProof="1">
+                <a:solidFill>
+                  <a:schemeClr val="tx2"/>
+                </a:solidFill>
+                <a:effectLst>
+                  <a:outerShdw blurRad="38100" dist="38100" dir="2700000" algn="tl">
+                    <a:srgbClr val="000000">
+                      <a:alpha val="43137"/>
+                    </a:srgbClr>
+                  </a:outerShdw>
+                </a:effectLst>
+                <a:latin typeface="Consolas" pitchFamily="49" charset="0"/>
+                <a:cs typeface="Consolas" pitchFamily="49" charset="0"/>
+              </a:rPr>
+              <a:t>&gt; isEven = </a:t>
+            </a:r>
+            <a:r>
+              <a:rPr lang="en-US" sz="2800" b="1" noProof="1">
+                <a:solidFill>
+                  <a:schemeClr val="tx2">
+                    <a:lumMod val="75000"/>
+                  </a:schemeClr>
+                </a:solidFill>
+                <a:effectLst>
+                  <a:outerShdw blurRad="38100" dist="38100" dir="2700000" algn="tl">
+                    <a:srgbClr val="000000">
+                      <a:alpha val="43137"/>
+                    </a:srgbClr>
+                  </a:outerShdw>
+                </a:effectLst>
+                <a:latin typeface="Consolas" pitchFamily="49" charset="0"/>
+                <a:cs typeface="Consolas" pitchFamily="49" charset="0"/>
+              </a:rPr>
+              <a:t>number -&gt; number % 2 == 0</a:t>
+            </a:r>
+            <a:r>
+              <a:rPr lang="en-US" sz="2800" b="1" noProof="1" smtClean="0">
+                <a:solidFill>
+                  <a:schemeClr val="tx2"/>
+                </a:solidFill>
+                <a:effectLst>
+                  <a:outerShdw blurRad="38100" dist="38100" dir="2700000" algn="tl">
+                    <a:srgbClr val="000000">
+                      <a:alpha val="43137"/>
+                    </a:srgbClr>
+                  </a:outerShdw>
+                </a:effectLst>
+                <a:latin typeface="Consolas" pitchFamily="49" charset="0"/>
+                <a:cs typeface="Consolas" pitchFamily="49" charset="0"/>
+              </a:rPr>
+              <a:t>;</a:t>
+            </a:r>
+          </a:p>
+          <a:p>
+            <a:pPr eaLnBrk="0" hangingPunct="0">
+              <a:lnSpc>
+                <a:spcPct val="105000"/>
+              </a:lnSpc>
+              <a:buClr>
+                <a:schemeClr val="accent5">
+                  <a:lumMod val="40000"/>
+                  <a:lumOff val="60000"/>
+                </a:schemeClr>
+              </a:buClr>
+              <a:buSzPct val="70000"/>
+            </a:pPr>
+            <a:r>
+              <a:rPr lang="en-US" sz="2800" b="1" noProof="1">
+                <a:solidFill>
+                  <a:schemeClr val="tx2"/>
+                </a:solidFill>
+                <a:effectLst>
+                  <a:outerShdw blurRad="38100" dist="38100" dir="2700000" algn="tl">
+                    <a:srgbClr val="000000">
+                      <a:alpha val="43137"/>
+                    </a:srgbClr>
+                  </a:outerShdw>
+                </a:effectLst>
+                <a:latin typeface="Consolas" pitchFamily="49" charset="0"/>
+                <a:cs typeface="Consolas" pitchFamily="49" charset="0"/>
+              </a:rPr>
+              <a:t>System.out.println(isEven</a:t>
+            </a:r>
+            <a:r>
+              <a:rPr lang="en-US" sz="2800" b="1" noProof="1">
+                <a:solidFill>
+                  <a:schemeClr val="tx2">
+                    <a:lumMod val="75000"/>
+                  </a:schemeClr>
+                </a:solidFill>
+                <a:effectLst>
+                  <a:outerShdw blurRad="38100" dist="38100" dir="2700000" algn="tl">
+                    <a:srgbClr val="000000">
+                      <a:alpha val="43137"/>
+                    </a:srgbClr>
+                  </a:outerShdw>
+                </a:effectLst>
+                <a:latin typeface="Consolas" pitchFamily="49" charset="0"/>
+                <a:cs typeface="Consolas" pitchFamily="49" charset="0"/>
+              </a:rPr>
+              <a:t>.test(</a:t>
+            </a:r>
+            <a:r>
+              <a:rPr lang="en-US" sz="2800" b="1" noProof="1">
+                <a:solidFill>
+                  <a:schemeClr val="tx2"/>
+                </a:solidFill>
+                <a:effectLst>
+                  <a:outerShdw blurRad="38100" dist="38100" dir="2700000" algn="tl">
+                    <a:srgbClr val="000000">
+                      <a:alpha val="43137"/>
+                    </a:srgbClr>
+                  </a:outerShdw>
+                </a:effectLst>
+                <a:latin typeface="Consolas" pitchFamily="49" charset="0"/>
+                <a:cs typeface="Consolas" pitchFamily="49" charset="0"/>
+              </a:rPr>
+              <a:t>6</a:t>
+            </a:r>
+            <a:r>
+              <a:rPr lang="en-US" sz="2800" b="1" noProof="1">
+                <a:solidFill>
+                  <a:schemeClr val="tx2">
+                    <a:lumMod val="75000"/>
+                  </a:schemeClr>
+                </a:solidFill>
+                <a:effectLst>
+                  <a:outerShdw blurRad="38100" dist="38100" dir="2700000" algn="tl">
+                    <a:srgbClr val="000000">
+                      <a:alpha val="43137"/>
+                    </a:srgbClr>
+                  </a:outerShdw>
+                </a:effectLst>
+                <a:latin typeface="Consolas" pitchFamily="49" charset="0"/>
+                <a:cs typeface="Consolas" pitchFamily="49" charset="0"/>
+              </a:rPr>
+              <a:t>)</a:t>
+            </a:r>
+            <a:r>
+              <a:rPr lang="en-US" sz="2800" b="1" noProof="1">
+                <a:solidFill>
+                  <a:schemeClr val="tx2"/>
+                </a:solidFill>
+                <a:effectLst>
+                  <a:outerShdw blurRad="38100" dist="38100" dir="2700000" algn="tl">
+                    <a:srgbClr val="000000">
+                      <a:alpha val="43137"/>
+                    </a:srgbClr>
+                  </a:outerShdw>
+                </a:effectLst>
+                <a:latin typeface="Consolas" pitchFamily="49" charset="0"/>
+                <a:cs typeface="Consolas" pitchFamily="49" charset="0"/>
+              </a:rPr>
+              <a:t>); //</a:t>
+            </a:r>
+            <a:r>
+              <a:rPr lang="en-US" sz="2800" b="1" noProof="1" smtClean="0">
+                <a:solidFill>
+                  <a:schemeClr val="tx2"/>
+                </a:solidFill>
+                <a:effectLst>
+                  <a:outerShdw blurRad="38100" dist="38100" dir="2700000" algn="tl">
+                    <a:srgbClr val="000000">
+                      <a:alpha val="43137"/>
+                    </a:srgbClr>
+                  </a:outerShdw>
+                </a:effectLst>
+                <a:latin typeface="Consolas" pitchFamily="49" charset="0"/>
+                <a:cs typeface="Consolas" pitchFamily="49" charset="0"/>
+              </a:rPr>
+              <a:t>true</a:t>
+            </a:r>
+            <a:endParaRPr lang="en-US" sz="2800" b="1" noProof="1">
+              <a:solidFill>
+                <a:schemeClr val="tx2"/>
+              </a:solidFill>
+              <a:effectLst>
+                <a:outerShdw blurRad="38100" dist="38100" dir="2700000" algn="tl">
+                  <a:srgbClr val="000000">
+                    <a:alpha val="43137"/>
+                  </a:srgbClr>
+                </a:outerShdw>
+              </a:effectLst>
+              <a:latin typeface="Consolas" pitchFamily="49" charset="0"/>
+              <a:cs typeface="Consolas" pitchFamily="49" charset="0"/>
+            </a:endParaRPr>
+          </a:p>
+        </p:txBody>
+      </p:sp>
+      <p:pic>
+        <p:nvPicPr>
+          <p:cNvPr id="11" name="Picture 10"/>
+          <p:cNvPicPr>
+            <a:picLocks noChangeAspect="1"/>
+          </p:cNvPicPr>
+          <p:nvPr/>
+        </p:nvPicPr>
+        <p:blipFill>
+          <a:blip r:embed="rId2" cstate="print">
+            <a:duotone>
+              <a:prstClr val="black"/>
+              <a:schemeClr val="accent1">
+                <a:tint val="45000"/>
+                <a:satMod val="400000"/>
+              </a:schemeClr>
+            </a:duotone>
+            <a:extLst>
+              <a:ext uri="{28A0092B-C50C-407E-A947-70E740481C1C}">
+                <a14:useLocalDpi xmlns:a14="http://schemas.microsoft.com/office/drawing/2010/main" val="0"/>
+              </a:ext>
+            </a:extLst>
+          </a:blip>
+          <a:stretch>
+            <a:fillRect/>
+          </a:stretch>
+        </p:blipFill>
+        <p:spPr>
+          <a:xfrm>
+            <a:off x="9389936" y="1452416"/>
+            <a:ext cx="2176476" cy="2176476"/>
+          </a:xfrm>
+          <a:prstGeom prst="rect">
+            <a:avLst/>
+          </a:prstGeom>
+        </p:spPr>
+      </p:pic>
+    </p:spTree>
+    <p:extLst>
+      <p:ext uri="{BB962C8B-B14F-4D97-AF65-F5344CB8AC3E}">
+        <p14:creationId xmlns:p14="http://schemas.microsoft.com/office/powerpoint/2010/main" val="2337770577"/>
+      </p:ext>
+    </p:extLst>
+  </p:cSld>
+  <p:clrMapOvr>
+    <a:masterClrMapping/>
+  </p:clrMapOvr>
+  <p:transition/>
+  <p:timing>
+    <p:tnLst>
+      <p:par>
+        <p:cTn id="1" dur="indefinite" restart="never" nodeType="tmRoot">
+          <p:childTnLst>
+            <p:seq concurrent="1" nextAc="seek">
+              <p:cTn id="2" dur="indefinite" nodeType="mainSeq">
+                <p:childTnLst>
+                  <p:par>
+                    <p:cTn id="3" fill="hold">
+                      <p:stCondLst>
+                        <p:cond delay="indefinite"/>
+                        <p:cond evt="onBegin" delay="0">
+                          <p:tn val="2"/>
+                        </p:cond>
+                      </p:stCondLst>
+                      <p:childTnLst>
+                        <p:par>
+                          <p:cTn id="4" fill="hold">
+                            <p:stCondLst>
+                              <p:cond delay="0"/>
+                            </p:stCondLst>
+                            <p:childTnLst>
+                              <p:par>
+                                <p:cTn id="5" presetID="1" presetClass="entr" presetSubtype="0" fill="hold" grpId="0" nodeType="withEffect">
+                                  <p:stCondLst>
+                                    <p:cond delay="0"/>
+                                  </p:stCondLst>
+                                  <p:childTnLst>
+                                    <p:set>
+                                      <p:cBhvr>
+                                        <p:cTn id="6" dur="1" fill="hold">
+                                          <p:stCondLst>
+                                            <p:cond delay="0"/>
+                                          </p:stCondLst>
+                                        </p:cTn>
+                                        <p:tgtEl>
+                                          <p:spTgt spid="6"/>
+                                        </p:tgtEl>
+                                        <p:attrNameLst>
+                                          <p:attrName>style.visibility</p:attrName>
+                                        </p:attrNameLst>
+                                      </p:cBhvr>
+                                      <p:to>
+                                        <p:strVal val="visible"/>
+                                      </p:to>
+                                    </p:set>
+                                  </p:childTnLst>
+                                </p:cTn>
+                              </p:par>
+                            </p:childTnLst>
+                          </p:cTn>
+                        </p:par>
+                      </p:childTnLst>
+                    </p:cTn>
+                  </p:par>
+                </p:childTnLst>
+              </p:cTn>
+              <p:prevCondLst>
+                <p:cond evt="onPrev" delay="0">
+                  <p:tgtEl>
+                    <p:sldTgt/>
+                  </p:tgtEl>
+                </p:cond>
+              </p:prevCondLst>
+              <p:nextCondLst>
+                <p:cond evt="onNext" delay="0">
+                  <p:tgtEl>
+                    <p:sldTgt/>
+                  </p:tgtEl>
+                </p:cond>
+              </p:nextCondLst>
+            </p:seq>
+          </p:childTnLst>
+        </p:cTn>
+      </p:par>
+    </p:tnLst>
+    <p:bldLst>
+      <p:bldP spid="6" grpId="0" animBg="1"/>
+    </p:bldLst>
+  </p:timing>
+</p:sld>
+</file>
+
+<file path=ppt/slides/slide18.xml><?xml version="1.0" encoding="utf-8"?>
+<p:sld xmlns:a="http://schemas.openxmlformats.org/drawingml/2006/main" xmlns:r="http://schemas.openxmlformats.org/officeDocument/2006/relationships" xmlns:p="http://schemas.openxmlformats.org/presentationml/2006/main">
+  <p:cSld>
+    <p:spTree>
+      <p:nvGrpSpPr>
+        <p:cNvPr id="1" name=""/>
+        <p:cNvGrpSpPr/>
+        <p:nvPr/>
+      </p:nvGrpSpPr>
+      <p:grpSpPr>
+        <a:xfrm>
+          <a:off x="0" y="0"/>
+          <a:ext cx="0" cy="0"/>
+          <a:chOff x="0" y="0"/>
+          <a:chExt cx="0" cy="0"/>
+        </a:xfrm>
+      </p:grpSpPr>
+      <p:sp>
+        <p:nvSpPr>
+          <p:cNvPr id="11" name="Content Placeholder 2"/>
+          <p:cNvSpPr>
+            <a:spLocks noGrp="1"/>
+          </p:cNvSpPr>
+          <p:nvPr>
+            <p:ph idx="1"/>
+          </p:nvPr>
+        </p:nvSpPr>
+        <p:spPr>
+          <a:xfrm>
+            <a:off x="190413" y="1135245"/>
+            <a:ext cx="11804822" cy="5570355"/>
+          </a:xfrm>
+        </p:spPr>
+        <p:txBody>
+          <a:bodyPr>
+            <a:normAutofit/>
+          </a:bodyPr>
+          <a:lstStyle/>
+          <a:p>
+            <a:pPr>
+              <a:lnSpc>
+                <a:spcPct val="100000"/>
+              </a:lnSpc>
+            </a:pPr>
+            <a:r>
+              <a:rPr lang="en-US" dirty="0" smtClean="0"/>
+              <a:t>Read text from the console</a:t>
+            </a:r>
+          </a:p>
+          <a:p>
+            <a:pPr>
+              <a:lnSpc>
+                <a:spcPct val="100000"/>
+              </a:lnSpc>
+            </a:pPr>
+            <a:r>
+              <a:rPr lang="en-US" dirty="0" smtClean="0"/>
+              <a:t>Find the words starting with an Uppercase letter</a:t>
+            </a:r>
+          </a:p>
+          <a:p>
+            <a:pPr>
+              <a:lnSpc>
+                <a:spcPct val="100000"/>
+              </a:lnSpc>
+            </a:pPr>
+            <a:r>
+              <a:rPr lang="en-US" dirty="0" smtClean="0"/>
+              <a:t>Print the count and the words</a:t>
+            </a:r>
+          </a:p>
+          <a:p>
+            <a:pPr>
+              <a:lnSpc>
+                <a:spcPct val="100000"/>
+              </a:lnSpc>
+            </a:pPr>
+            <a:r>
+              <a:rPr lang="en-US" dirty="0" smtClean="0"/>
+              <a:t>Use a </a:t>
+            </a:r>
+            <a:r>
+              <a:rPr lang="en-US" b="1" dirty="0" smtClean="0">
+                <a:solidFill>
+                  <a:schemeClr val="tx2">
+                    <a:lumMod val="75000"/>
+                  </a:schemeClr>
+                </a:solidFill>
+              </a:rPr>
+              <a:t>Predicate</a:t>
+            </a:r>
+            <a:endParaRPr lang="en-US" b="1" dirty="0">
+              <a:solidFill>
+                <a:schemeClr val="tx2">
+                  <a:lumMod val="75000"/>
+                </a:schemeClr>
+              </a:solidFill>
+            </a:endParaRPr>
+          </a:p>
+        </p:txBody>
+      </p:sp>
+      <p:sp>
+        <p:nvSpPr>
+          <p:cNvPr id="2" name="Slide Number Placeholder 1"/>
+          <p:cNvSpPr>
+            <a:spLocks noGrp="1"/>
+          </p:cNvSpPr>
+          <p:nvPr>
+            <p:ph type="sldNum" sz="quarter" idx="4"/>
+          </p:nvPr>
+        </p:nvSpPr>
+        <p:spPr/>
+        <p:txBody>
+          <a:bodyPr/>
+          <a:lstStyle/>
+          <a:p>
+            <a:fld id="{C014DD1E-5D91-48A3-AD6D-45FBA980D106}" type="slidenum">
+              <a:rPr lang="en-US" smtClean="0"/>
+              <a:pPr/>
+              <a:t>18</a:t>
+            </a:fld>
+            <a:endParaRPr lang="en-US" dirty="0"/>
+          </a:p>
+        </p:txBody>
+      </p:sp>
+      <p:sp>
+        <p:nvSpPr>
+          <p:cNvPr id="4" name="Title 3"/>
+          <p:cNvSpPr>
+            <a:spLocks noGrp="1"/>
+          </p:cNvSpPr>
+          <p:nvPr>
+            <p:ph type="title"/>
+          </p:nvPr>
+        </p:nvSpPr>
+        <p:spPr/>
+        <p:txBody>
+          <a:bodyPr/>
+          <a:lstStyle/>
+          <a:p>
+            <a:r>
+              <a:rPr lang="en-US" dirty="0"/>
+              <a:t>Problem</a:t>
+            </a:r>
+            <a:r>
+              <a:rPr lang="en-US" dirty="0" smtClean="0"/>
+              <a:t>: Count Uppercase Words</a:t>
+            </a:r>
+            <a:endParaRPr lang="en-US" dirty="0"/>
+          </a:p>
+        </p:txBody>
+      </p:sp>
+      <p:sp>
+        <p:nvSpPr>
+          <p:cNvPr id="12" name="Rectangle 11"/>
+          <p:cNvSpPr>
+            <a:spLocks noChangeArrowheads="1"/>
+          </p:cNvSpPr>
+          <p:nvPr/>
+        </p:nvSpPr>
+        <p:spPr bwMode="auto">
+          <a:xfrm>
+            <a:off x="1141412" y="4265372"/>
+            <a:ext cx="4343400" cy="1449628"/>
+          </a:xfrm>
+          <a:prstGeom prst="rect">
+            <a:avLst/>
+          </a:prstGeom>
+          <a:solidFill>
+            <a:schemeClr val="accent5">
+              <a:lumMod val="40000"/>
+              <a:lumOff val="60000"/>
+              <a:alpha val="20000"/>
+            </a:schemeClr>
+          </a:solidFill>
+          <a:ln w="12700">
+            <a:solidFill>
+              <a:schemeClr val="accent5">
+                <a:lumMod val="60000"/>
+                <a:lumOff val="40000"/>
+              </a:schemeClr>
+            </a:solidFill>
+          </a:ln>
+        </p:spPr>
+        <p:txBody>
+          <a:bodyPr wrap="square">
+            <a:spAutoFit/>
+          </a:bodyPr>
+          <a:lstStyle/>
+          <a:p>
+            <a:pPr>
+              <a:lnSpc>
+                <a:spcPct val="105000"/>
+              </a:lnSpc>
+            </a:pPr>
+            <a:r>
+              <a:rPr lang="en-US" sz="2800" b="1" noProof="1">
+                <a:solidFill>
+                  <a:srgbClr val="FBEEDC"/>
+                </a:solidFill>
+                <a:effectLst>
+                  <a:outerShdw blurRad="38100" dist="38100" dir="2700000" algn="tl">
+                    <a:srgbClr val="000000">
+                      <a:alpha val="43137"/>
+                    </a:srgbClr>
+                  </a:outerShdw>
+                </a:effectLst>
+                <a:latin typeface="Consolas" panose="020B0609020204030204" pitchFamily="49" charset="0"/>
+                <a:cs typeface="Arial" panose="020B0604020202020204" pitchFamily="34" charset="0"/>
+              </a:rPr>
+              <a:t>The following example shows how to use Predicate</a:t>
+            </a:r>
+            <a:endParaRPr lang="sv-SE" sz="2800" b="1" noProof="1">
+              <a:solidFill>
+                <a:srgbClr val="FBEEDC"/>
+              </a:solidFill>
+              <a:effectLst>
+                <a:outerShdw blurRad="38100" dist="38100" dir="2700000" algn="tl">
+                  <a:srgbClr val="000000">
+                    <a:alpha val="43137"/>
+                  </a:srgbClr>
+                </a:outerShdw>
+              </a:effectLst>
+              <a:latin typeface="Consolas" panose="020B0609020204030204" pitchFamily="49" charset="0"/>
+              <a:cs typeface="Arial" panose="020B0604020202020204" pitchFamily="34" charset="0"/>
+            </a:endParaRPr>
+          </a:p>
+        </p:txBody>
+      </p:sp>
+      <p:sp>
+        <p:nvSpPr>
+          <p:cNvPr id="16" name="Rectangle 15"/>
+          <p:cNvSpPr>
+            <a:spLocks noChangeArrowheads="1"/>
+          </p:cNvSpPr>
+          <p:nvPr/>
+        </p:nvSpPr>
+        <p:spPr bwMode="auto">
+          <a:xfrm>
+            <a:off x="7466012" y="4265372"/>
+            <a:ext cx="3329783" cy="1449628"/>
+          </a:xfrm>
+          <a:prstGeom prst="rect">
+            <a:avLst/>
+          </a:prstGeom>
+          <a:solidFill>
+            <a:schemeClr val="accent5">
+              <a:lumMod val="40000"/>
+              <a:lumOff val="60000"/>
+              <a:alpha val="20000"/>
+            </a:schemeClr>
+          </a:solidFill>
+          <a:ln w="12700">
+            <a:solidFill>
+              <a:schemeClr val="accent5">
+                <a:lumMod val="60000"/>
+                <a:lumOff val="40000"/>
+              </a:schemeClr>
+            </a:solidFill>
+          </a:ln>
+        </p:spPr>
+        <p:txBody>
+          <a:bodyPr wrap="square">
+            <a:spAutoFit/>
+          </a:bodyPr>
+          <a:lstStyle/>
+          <a:p>
+            <a:pPr>
+              <a:lnSpc>
+                <a:spcPct val="105000"/>
+              </a:lnSpc>
+            </a:pPr>
+            <a:r>
+              <a:rPr lang="en-US" sz="2800" b="1" noProof="1" smtClean="0">
+                <a:solidFill>
+                  <a:srgbClr val="FBEEDC"/>
+                </a:solidFill>
+                <a:effectLst>
+                  <a:outerShdw blurRad="38100" dist="38100" dir="2700000" algn="tl">
+                    <a:srgbClr val="000000">
+                      <a:alpha val="43137"/>
+                    </a:srgbClr>
+                  </a:outerShdw>
+                </a:effectLst>
+                <a:latin typeface="Consolas" panose="020B0609020204030204" pitchFamily="49" charset="0"/>
+                <a:cs typeface="Arial" panose="020B0604020202020204" pitchFamily="34" charset="0"/>
+              </a:rPr>
+              <a:t>2</a:t>
+            </a:r>
+          </a:p>
+          <a:p>
+            <a:pPr>
+              <a:lnSpc>
+                <a:spcPct val="105000"/>
+              </a:lnSpc>
+            </a:pPr>
+            <a:r>
+              <a:rPr lang="en-US" sz="2800" b="1" noProof="1" smtClean="0">
+                <a:solidFill>
+                  <a:srgbClr val="FBEEDC"/>
+                </a:solidFill>
+                <a:effectLst>
+                  <a:outerShdw blurRad="38100" dist="38100" dir="2700000" algn="tl">
+                    <a:srgbClr val="000000">
+                      <a:alpha val="43137"/>
+                    </a:srgbClr>
+                  </a:outerShdw>
+                </a:effectLst>
+                <a:latin typeface="Consolas" panose="020B0609020204030204" pitchFamily="49" charset="0"/>
+                <a:cs typeface="Arial" panose="020B0604020202020204" pitchFamily="34" charset="0"/>
+              </a:rPr>
+              <a:t>The</a:t>
+            </a:r>
+          </a:p>
+          <a:p>
+            <a:pPr>
+              <a:lnSpc>
+                <a:spcPct val="105000"/>
+              </a:lnSpc>
+            </a:pPr>
+            <a:r>
+              <a:rPr lang="en-US" sz="2800" b="1" noProof="1" smtClean="0">
+                <a:solidFill>
+                  <a:srgbClr val="FBEEDC"/>
+                </a:solidFill>
+                <a:effectLst>
+                  <a:outerShdw blurRad="38100" dist="38100" dir="2700000" algn="tl">
+                    <a:srgbClr val="000000">
+                      <a:alpha val="43137"/>
+                    </a:srgbClr>
+                  </a:outerShdw>
+                </a:effectLst>
+                <a:latin typeface="Consolas" panose="020B0609020204030204" pitchFamily="49" charset="0"/>
+                <a:cs typeface="Arial" panose="020B0604020202020204" pitchFamily="34" charset="0"/>
+              </a:rPr>
+              <a:t>Predicate</a:t>
+            </a:r>
+            <a:endParaRPr lang="sv-SE" sz="2800" b="1" noProof="1">
+              <a:solidFill>
+                <a:srgbClr val="FBEEDC"/>
+              </a:solidFill>
+              <a:effectLst>
+                <a:outerShdw blurRad="38100" dist="38100" dir="2700000" algn="tl">
+                  <a:srgbClr val="000000">
+                    <a:alpha val="43137"/>
+                  </a:srgbClr>
+                </a:outerShdw>
+              </a:effectLst>
+              <a:latin typeface="Consolas" panose="020B0609020204030204" pitchFamily="49" charset="0"/>
+              <a:cs typeface="Arial" panose="020B0604020202020204" pitchFamily="34" charset="0"/>
+            </a:endParaRPr>
+          </a:p>
+        </p:txBody>
+      </p:sp>
+      <p:sp>
+        <p:nvSpPr>
+          <p:cNvPr id="6" name="Right Arrow 5"/>
+          <p:cNvSpPr/>
+          <p:nvPr/>
+        </p:nvSpPr>
+        <p:spPr>
+          <a:xfrm>
+            <a:off x="5986208" y="4747870"/>
+            <a:ext cx="978408" cy="484632"/>
+          </a:xfrm>
+          <a:prstGeom prst="rightArrow">
+            <a:avLst/>
+          </a:prstGeom>
+        </p:spPr>
+        <p:style>
+          <a:lnRef idx="2">
+            <a:schemeClr val="accent1">
+              <a:shade val="50000"/>
+            </a:schemeClr>
+          </a:lnRef>
+          <a:fillRef idx="1">
+            <a:schemeClr val="accent1"/>
+          </a:fillRef>
+          <a:effectRef idx="0">
+            <a:schemeClr val="accent1"/>
+          </a:effectRef>
+          <a:fontRef idx="minor">
+            <a:schemeClr val="lt1"/>
+          </a:fontRef>
+        </p:style>
+        <p:txBody>
+          <a:bodyPr rtlCol="0" anchor="ctr"/>
+          <a:lstStyle/>
+          <a:p>
+            <a:pPr algn="ctr"/>
+            <a:endParaRPr lang="bg-BG" sz="2800"/>
+          </a:p>
+        </p:txBody>
+      </p:sp>
+      <p:sp>
+        <p:nvSpPr>
+          <p:cNvPr id="9" name="TextBox 8"/>
+          <p:cNvSpPr txBox="1"/>
+          <p:nvPr/>
+        </p:nvSpPr>
+        <p:spPr>
+          <a:xfrm>
+            <a:off x="816005" y="6172200"/>
+            <a:ext cx="10556816" cy="461665"/>
+          </a:xfrm>
+          <a:prstGeom prst="rect">
+            <a:avLst/>
+          </a:prstGeom>
+          <a:noFill/>
+        </p:spPr>
+        <p:txBody>
+          <a:bodyPr wrap="square" rtlCol="0">
+            <a:spAutoFit/>
+          </a:bodyPr>
+          <a:lstStyle/>
+          <a:p>
+            <a:pPr algn="ctr"/>
+            <a:r>
+              <a:rPr lang="en-US" dirty="0"/>
+              <a:t>Check your solution here: </a:t>
+            </a:r>
+            <a:r>
+              <a:rPr lang="en-US" dirty="0">
+                <a:hlinkClick r:id="rId2"/>
+              </a:rPr>
+              <a:t>https://judge.softuni.bg/Contests/Practice/Index/463#0</a:t>
+            </a:r>
+            <a:endParaRPr lang="en-US" dirty="0"/>
+          </a:p>
+        </p:txBody>
+      </p:sp>
+    </p:spTree>
+    <p:extLst>
+      <p:ext uri="{BB962C8B-B14F-4D97-AF65-F5344CB8AC3E}">
+        <p14:creationId xmlns:p14="http://schemas.microsoft.com/office/powerpoint/2010/main" val="3625648070"/>
+      </p:ext>
+    </p:extLst>
+  </p:cSld>
+  <p:clrMapOvr>
+    <a:masterClrMapping/>
+  </p:clrMapOvr>
+  <p:timing>
+    <p:tnLst>
+      <p:par>
+        <p:cTn id="1" dur="indefinite" restart="never" nodeType="tmRoot">
+          <p:childTnLst>
+            <p:seq concurrent="1" nextAc="seek">
+              <p:cTn id="2" dur="indefinite" nodeType="mainSeq">
+                <p:childTnLst>
+                  <p:par>
+                    <p:cTn id="3" fill="hold">
+                      <p:stCondLst>
+                        <p:cond delay="indefinite"/>
+                      </p:stCondLst>
+                      <p:childTnLst>
+                        <p:par>
+                          <p:cTn id="4" fill="hold">
+                            <p:stCondLst>
+                              <p:cond delay="0"/>
+                            </p:stCondLst>
+                            <p:childTnLst>
+                              <p:par>
+                                <p:cTn id="5" presetID="1" presetClass="entr" presetSubtype="0" fill="hold" grpId="0" nodeType="clickEffect">
+                                  <p:stCondLst>
+                                    <p:cond delay="0"/>
+                                  </p:stCondLst>
+                                  <p:childTnLst>
+                                    <p:set>
+                                      <p:cBhvr>
+                                        <p:cTn id="6" dur="1" fill="hold">
+                                          <p:stCondLst>
+                                            <p:cond delay="0"/>
+                                          </p:stCondLst>
+                                        </p:cTn>
+                                        <p:tgtEl>
+                                          <p:spTgt spid="12"/>
+                                        </p:tgtEl>
+                                        <p:attrNameLst>
+                                          <p:attrName>style.visibility</p:attrName>
+                                        </p:attrNameLst>
+                                      </p:cBhvr>
+                                      <p:to>
+                                        <p:strVal val="visible"/>
+                                      </p:to>
+                                    </p:set>
+                                  </p:childTnLst>
+                                </p:cTn>
+                              </p:par>
+                              <p:par>
+                                <p:cTn id="7" presetID="1" presetClass="entr" presetSubtype="0" fill="hold" grpId="0" nodeType="withEffect">
+                                  <p:stCondLst>
+                                    <p:cond delay="0"/>
+                                  </p:stCondLst>
+                                  <p:childTnLst>
+                                    <p:set>
+                                      <p:cBhvr>
+                                        <p:cTn id="8" dur="1" fill="hold">
+                                          <p:stCondLst>
+                                            <p:cond delay="0"/>
+                                          </p:stCondLst>
+                                        </p:cTn>
+                                        <p:tgtEl>
+                                          <p:spTgt spid="6"/>
+                                        </p:tgtEl>
+                                        <p:attrNameLst>
+                                          <p:attrName>style.visibility</p:attrName>
+                                        </p:attrNameLst>
+                                      </p:cBhvr>
+                                      <p:to>
+                                        <p:strVal val="visible"/>
+                                      </p:to>
+                                    </p:set>
+                                  </p:childTnLst>
+                                </p:cTn>
+                              </p:par>
+                              <p:par>
+                                <p:cTn id="9" presetID="1" presetClass="entr" presetSubtype="0" fill="hold" grpId="0" nodeType="withEffect">
+                                  <p:stCondLst>
+                                    <p:cond delay="0"/>
+                                  </p:stCondLst>
+                                  <p:childTnLst>
+                                    <p:set>
+                                      <p:cBhvr>
+                                        <p:cTn id="10" dur="1" fill="hold">
+                                          <p:stCondLst>
+                                            <p:cond delay="0"/>
+                                          </p:stCondLst>
+                                        </p:cTn>
+                                        <p:tgtEl>
+                                          <p:spTgt spid="16"/>
+                                        </p:tgtEl>
+                                        <p:attrNameLst>
+                                          <p:attrName>style.visibility</p:attrName>
+                                        </p:attrNameLst>
+                                      </p:cBhvr>
+                                      <p:to>
+                                        <p:strVal val="visible"/>
+                                      </p:to>
+                                    </p:set>
+                                  </p:childTnLst>
+                                </p:cTn>
+                              </p:par>
+                            </p:childTnLst>
+                          </p:cTn>
+                        </p:par>
+                      </p:childTnLst>
+                    </p:cTn>
+                  </p:par>
+                </p:childTnLst>
+              </p:cTn>
+              <p:prevCondLst>
+                <p:cond evt="onPrev" delay="0">
+                  <p:tgtEl>
+                    <p:sldTgt/>
+                  </p:tgtEl>
+                </p:cond>
+              </p:prevCondLst>
+              <p:nextCondLst>
+                <p:cond evt="onNext" delay="0">
+                  <p:tgtEl>
+                    <p:sldTgt/>
+                  </p:tgtEl>
+                </p:cond>
+              </p:nextCondLst>
+            </p:seq>
+          </p:childTnLst>
+        </p:cTn>
+      </p:par>
+    </p:tnLst>
+    <p:bldLst>
+      <p:bldP spid="12" grpId="0" animBg="1"/>
+      <p:bldP spid="16" grpId="0" animBg="1"/>
+      <p:bldP spid="6" grpId="0" animBg="1"/>
+    </p:bldLst>
+  </p:timing>
+</p:sld>
+</file>
+
+<file path=ppt/slides/slide19.xml><?xml version="1.0" encoding="utf-8"?>
+<p:sld xmlns:a="http://schemas.openxmlformats.org/drawingml/2006/main" xmlns:r="http://schemas.openxmlformats.org/officeDocument/2006/relationships" xmlns:p="http://schemas.openxmlformats.org/presentationml/2006/main">
+  <p:cSld>
+    <p:spTree>
+      <p:nvGrpSpPr>
+        <p:cNvPr id="1" name=""/>
+        <p:cNvGrpSpPr/>
+        <p:nvPr/>
+      </p:nvGrpSpPr>
+      <p:grpSpPr>
+        <a:xfrm>
+          <a:off x="0" y="0"/>
+          <a:ext cx="0" cy="0"/>
+          <a:chOff x="0" y="0"/>
+          <a:chExt cx="0" cy="0"/>
+        </a:xfrm>
+      </p:grpSpPr>
+      <p:sp>
+        <p:nvSpPr>
+          <p:cNvPr id="2" name="Slide Number Placeholder 1"/>
+          <p:cNvSpPr>
+            <a:spLocks noGrp="1"/>
+          </p:cNvSpPr>
+          <p:nvPr>
+            <p:ph type="sldNum" sz="quarter" idx="4"/>
+          </p:nvPr>
+        </p:nvSpPr>
+        <p:spPr/>
+        <p:txBody>
+          <a:bodyPr/>
+          <a:lstStyle/>
+          <a:p>
+            <a:fld id="{C014DD1E-5D91-48A3-AD6D-45FBA980D106}" type="slidenum">
+              <a:rPr lang="en-US" smtClean="0"/>
+              <a:pPr/>
+              <a:t>19</a:t>
+            </a:fld>
+            <a:endParaRPr lang="en-US" dirty="0"/>
+          </a:p>
+        </p:txBody>
+      </p:sp>
+      <p:sp>
+        <p:nvSpPr>
+          <p:cNvPr id="4" name="Title 3"/>
+          <p:cNvSpPr>
+            <a:spLocks noGrp="1"/>
+          </p:cNvSpPr>
+          <p:nvPr>
+            <p:ph type="title"/>
+          </p:nvPr>
+        </p:nvSpPr>
+        <p:spPr/>
+        <p:txBody>
+          <a:bodyPr/>
+          <a:lstStyle/>
+          <a:p>
+            <a:r>
+              <a:rPr lang="en-US" dirty="0"/>
+              <a:t>Solution: Count Uppercase Words</a:t>
+            </a:r>
+          </a:p>
+        </p:txBody>
+      </p:sp>
+      <p:sp>
+        <p:nvSpPr>
+          <p:cNvPr id="5" name="TextBox 4"/>
+          <p:cNvSpPr txBox="1"/>
+          <p:nvPr/>
+        </p:nvSpPr>
+        <p:spPr>
+          <a:xfrm>
+            <a:off x="816005" y="6172200"/>
+            <a:ext cx="10556816" cy="461665"/>
+          </a:xfrm>
+          <a:prstGeom prst="rect">
+            <a:avLst/>
+          </a:prstGeom>
+          <a:noFill/>
+        </p:spPr>
+        <p:txBody>
+          <a:bodyPr wrap="square" rtlCol="0">
+            <a:spAutoFit/>
+          </a:bodyPr>
+          <a:lstStyle/>
+          <a:p>
+            <a:pPr algn="ctr"/>
+            <a:r>
+              <a:rPr lang="en-US" dirty="0"/>
+              <a:t>Check your solution here: </a:t>
+            </a:r>
+            <a:r>
+              <a:rPr lang="en-US" dirty="0">
+                <a:hlinkClick r:id="rId2"/>
+              </a:rPr>
+              <a:t>https://judge.softuni.bg/Contests/Practice/Index/463#0</a:t>
+            </a:r>
+            <a:endParaRPr lang="en-US" dirty="0"/>
+          </a:p>
+        </p:txBody>
+      </p:sp>
+      <p:sp>
+        <p:nvSpPr>
+          <p:cNvPr id="6" name="Text Placeholder 5"/>
+          <p:cNvSpPr txBox="1">
+            <a:spLocks/>
+          </p:cNvSpPr>
+          <p:nvPr/>
+        </p:nvSpPr>
+        <p:spPr>
+          <a:xfrm>
+            <a:off x="417513" y="1143000"/>
+            <a:ext cx="11353799" cy="4885165"/>
+          </a:xfrm>
+          <a:prstGeom prst="rect">
+            <a:avLst/>
+          </a:prstGeom>
+          <a:solidFill>
+            <a:schemeClr val="accent5">
+              <a:lumMod val="40000"/>
+              <a:lumOff val="60000"/>
+              <a:alpha val="20000"/>
+            </a:schemeClr>
+          </a:solidFill>
+          <a:ln w="12700">
+            <a:solidFill>
+              <a:schemeClr val="accent5">
+                <a:lumMod val="60000"/>
+                <a:lumOff val="40000"/>
+              </a:schemeClr>
+            </a:solidFill>
+          </a:ln>
+        </p:spPr>
+        <p:txBody>
+          <a:bodyPr vert="horz" wrap="square" lIns="144000" tIns="72000" rIns="144000" bIns="72000" rtlCol="0" anchor="t" anchorCtr="0">
+            <a:spAutoFit/>
+          </a:bodyPr>
+          <a:lstStyle>
+            <a:lvl1pPr indent="0">
+              <a:lnSpc>
+                <a:spcPct val="100000"/>
+              </a:lnSpc>
+              <a:spcBef>
+                <a:spcPts val="0"/>
+              </a:spcBef>
+              <a:spcAft>
+                <a:spcPts val="0"/>
+              </a:spcAft>
+              <a:buClr>
+                <a:srgbClr val="F2B254"/>
+              </a:buClr>
+              <a:buSzPct val="100000"/>
+              <a:buFont typeface="Wingdings" panose="05000000000000000000" pitchFamily="2" charset="2"/>
+              <a:buNone/>
+              <a:defRPr lang="en-US" b="1" noProof="1" smtClean="0">
+                <a:solidFill>
+                  <a:srgbClr val="FBEEDC"/>
+                </a:solidFill>
+                <a:effectLst>
+                  <a:outerShdw blurRad="38100" dist="38100" dir="2700000" algn="tl">
+                    <a:srgbClr val="000000">
+                      <a:alpha val="43137"/>
+                    </a:srgbClr>
+                  </a:outerShdw>
+                </a:effectLst>
+                <a:latin typeface="Consolas" pitchFamily="49" charset="0"/>
+                <a:cs typeface="Consolas" pitchFamily="49" charset="0"/>
+              </a:defRPr>
+            </a:lvl1pPr>
+            <a:lvl2pPr indent="-231606">
+              <a:lnSpc>
+                <a:spcPct val="105000"/>
+              </a:lnSpc>
+              <a:spcBef>
+                <a:spcPts val="600"/>
+              </a:spcBef>
+              <a:spcAft>
+                <a:spcPts val="600"/>
+              </a:spcAft>
+              <a:buClr>
+                <a:schemeClr val="accent1"/>
+              </a:buClr>
+              <a:buSzPct val="80000"/>
+              <a:buFont typeface="Wingdings" panose="05000000000000000000" pitchFamily="2" charset="2"/>
+              <a:buChar char="§"/>
+              <a:defRPr sz="3200" b="0"/>
+            </a:lvl2pPr>
+            <a:lvl3pPr marL="914240" indent="-231606">
+              <a:lnSpc>
+                <a:spcPct val="105000"/>
+              </a:lnSpc>
+              <a:spcBef>
+                <a:spcPts val="600"/>
+              </a:spcBef>
+              <a:spcAft>
+                <a:spcPts val="600"/>
+              </a:spcAft>
+              <a:buClr>
+                <a:srgbClr val="EF9A1D"/>
+              </a:buClr>
+              <a:buSzPct val="80000"/>
+              <a:buFont typeface="Wingdings" panose="05000000000000000000" pitchFamily="2" charset="2"/>
+              <a:buChar char="§"/>
+              <a:defRPr sz="3000" b="0"/>
+            </a:lvl3pPr>
+            <a:lvl4pPr marL="1218987" indent="-231606">
+              <a:lnSpc>
+                <a:spcPct val="105000"/>
+              </a:lnSpc>
+              <a:spcBef>
+                <a:spcPts val="600"/>
+              </a:spcBef>
+              <a:spcAft>
+                <a:spcPts val="600"/>
+              </a:spcAft>
+              <a:buClr>
+                <a:srgbClr val="ED9411"/>
+              </a:buClr>
+              <a:buSzPct val="80000"/>
+              <a:buFont typeface="Wingdings" panose="05000000000000000000" pitchFamily="2" charset="2"/>
+              <a:buChar char="§"/>
+              <a:defRPr sz="2800" b="0"/>
+            </a:lvl4pPr>
+            <a:lvl5pPr marL="1523733" indent="-231606">
+              <a:lnSpc>
+                <a:spcPct val="105000"/>
+              </a:lnSpc>
+              <a:spcBef>
+                <a:spcPts val="600"/>
+              </a:spcBef>
+              <a:spcAft>
+                <a:spcPts val="600"/>
+              </a:spcAft>
+              <a:buClr>
+                <a:srgbClr val="E28D10"/>
+              </a:buClr>
+              <a:buSzPct val="80000"/>
+              <a:buFont typeface="Wingdings" panose="05000000000000000000" pitchFamily="2" charset="2"/>
+              <a:buChar char="§"/>
+              <a:defRPr sz="2600" b="0"/>
+            </a:lvl5pPr>
+            <a:lvl6pPr marL="1828480" indent="-231606">
+              <a:lnSpc>
+                <a:spcPct val="90000"/>
+              </a:lnSpc>
+              <a:spcBef>
+                <a:spcPts val="800"/>
+              </a:spcBef>
+              <a:buClr>
+                <a:schemeClr val="accent1"/>
+              </a:buClr>
+              <a:buSzPct val="80000"/>
+              <a:buFont typeface="Arial" pitchFamily="34" charset="0"/>
+              <a:buChar char="•"/>
+              <a:defRPr sz="2000"/>
+            </a:lvl6pPr>
+            <a:lvl7pPr marL="2133227" indent="-231606">
+              <a:lnSpc>
+                <a:spcPct val="90000"/>
+              </a:lnSpc>
+              <a:spcBef>
+                <a:spcPts val="800"/>
+              </a:spcBef>
+              <a:buClr>
+                <a:schemeClr val="accent1"/>
+              </a:buClr>
+              <a:buSzPct val="80000"/>
+              <a:buFont typeface="Arial" pitchFamily="34" charset="0"/>
+              <a:buChar char="•"/>
+              <a:defRPr sz="2000"/>
+            </a:lvl7pPr>
+            <a:lvl8pPr marL="2437972" indent="-231606">
+              <a:lnSpc>
+                <a:spcPct val="90000"/>
+              </a:lnSpc>
+              <a:spcBef>
+                <a:spcPts val="800"/>
+              </a:spcBef>
+              <a:buClr>
+                <a:schemeClr val="accent1"/>
+              </a:buClr>
+              <a:buSzPct val="80000"/>
+              <a:buFont typeface="Arial" pitchFamily="34" charset="0"/>
+              <a:buChar char="•"/>
+              <a:defRPr sz="2000" baseline="0"/>
+            </a:lvl8pPr>
+            <a:lvl9pPr marL="2742720" indent="-231606">
+              <a:lnSpc>
+                <a:spcPct val="90000"/>
+              </a:lnSpc>
+              <a:spcBef>
+                <a:spcPts val="800"/>
+              </a:spcBef>
+              <a:buClr>
+                <a:schemeClr val="accent1"/>
+              </a:buClr>
+              <a:buSzPct val="80000"/>
+              <a:buFont typeface="Arial" pitchFamily="34" charset="0"/>
+              <a:buChar char="•"/>
+              <a:defRPr sz="2000" baseline="0"/>
+            </a:lvl9pPr>
+          </a:lstStyle>
+          <a:p>
+            <a:r>
+              <a:rPr lang="en-US" sz="2800" i="1" dirty="0" smtClean="0">
+                <a:solidFill>
+                  <a:schemeClr val="tx2">
+                    <a:lumMod val="75000"/>
+                  </a:schemeClr>
+                </a:solidFill>
+              </a:rPr>
+              <a:t>//TODO: Read text</a:t>
+            </a:r>
+          </a:p>
+          <a:p>
+            <a:r>
+              <a:rPr lang="en-US" sz="2800" dirty="0" smtClean="0"/>
+              <a:t>Predicate&lt;String&gt; checkerUpperCase = </a:t>
+            </a:r>
+          </a:p>
+          <a:p>
+            <a:r>
+              <a:rPr lang="en-US" sz="2800" dirty="0" smtClean="0"/>
+              <a:t>         </a:t>
+            </a:r>
+            <a:r>
+              <a:rPr lang="en-US" sz="2800" dirty="0" smtClean="0">
+                <a:solidFill>
+                  <a:schemeClr val="tx2">
+                    <a:lumMod val="75000"/>
+                  </a:schemeClr>
+                </a:solidFill>
+              </a:rPr>
+              <a:t>s -&gt; s.charAt(0) == s.toUpperCase().charAt(0);</a:t>
+            </a:r>
+          </a:p>
+          <a:p>
+            <a:endParaRPr lang="en-US" sz="2800" dirty="0" smtClean="0"/>
+          </a:p>
+          <a:p>
+            <a:r>
+              <a:rPr lang="en-US" sz="2800" dirty="0" smtClean="0"/>
+              <a:t>ArrayList&lt;String&gt; result = new ArrayList&lt;&gt;();</a:t>
+            </a:r>
+          </a:p>
+          <a:p>
+            <a:r>
+              <a:rPr lang="en-US" sz="2800" dirty="0" smtClean="0"/>
+              <a:t>for (int i = 0; i &lt; textAsList.length; i++) {</a:t>
+            </a:r>
+          </a:p>
+          <a:p>
+            <a:r>
+              <a:rPr lang="en-US" sz="2800" dirty="0" smtClean="0"/>
+              <a:t>  if (checkerUpperCase</a:t>
+            </a:r>
+            <a:r>
+              <a:rPr lang="en-US" sz="2800" dirty="0" smtClean="0">
+                <a:solidFill>
+                  <a:schemeClr val="tx2">
+                    <a:lumMod val="75000"/>
+                  </a:schemeClr>
+                </a:solidFill>
+              </a:rPr>
+              <a:t>.test(textAsList[i])</a:t>
+            </a:r>
+            <a:r>
+              <a:rPr lang="en-US" sz="2800" dirty="0" smtClean="0"/>
+              <a:t>) {</a:t>
+            </a:r>
+          </a:p>
+          <a:p>
+            <a:r>
+              <a:rPr lang="en-US" sz="2800" dirty="0" smtClean="0"/>
+              <a:t>    result.add(textAsList[i]);</a:t>
+            </a:r>
+          </a:p>
+          <a:p>
+            <a:r>
+              <a:rPr lang="en-US" sz="2800" dirty="0" smtClean="0"/>
+              <a:t>  }</a:t>
+            </a:r>
+          </a:p>
+          <a:p>
+            <a:r>
+              <a:rPr lang="en-US" sz="2800" dirty="0" smtClean="0"/>
+              <a:t>}</a:t>
+            </a:r>
+          </a:p>
+          <a:p>
+            <a:r>
+              <a:rPr lang="en-US" sz="2800" i="1" dirty="0" smtClean="0">
+                <a:solidFill>
+                  <a:schemeClr val="tx2">
+                    <a:lumMod val="75000"/>
+                  </a:schemeClr>
+                </a:solidFill>
+              </a:rPr>
+              <a:t>//TODO: Print results</a:t>
+            </a:r>
+            <a:endParaRPr lang="en-US" sz="2800" i="1" dirty="0">
+              <a:solidFill>
+                <a:schemeClr val="tx2">
+                  <a:lumMod val="75000"/>
+                </a:schemeClr>
+              </a:solidFill>
+            </a:endParaRPr>
+          </a:p>
+        </p:txBody>
+      </p:sp>
+    </p:spTree>
+    <p:extLst>
+      <p:ext uri="{BB962C8B-B14F-4D97-AF65-F5344CB8AC3E}">
+        <p14:creationId xmlns:p14="http://schemas.microsoft.com/office/powerpoint/2010/main" val="3531381895"/>
+      </p:ext>
+    </p:extLst>
+  </p:cSld>
+  <p:clrMapOvr>
+    <a:masterClrMapping/>
+  </p:clrMapOvr>
+  <p:timing>
+    <p:tnLst>
+      <p:par>
+        <p:cTn id="1" dur="indefinite" restart="never" nodeType="tmRoot">
+          <p:childTnLst>
+            <p:seq concurrent="1" nextAc="seek">
+              <p:cTn id="2" dur="indefinite" nodeType="mainSeq">
+                <p:childTnLst>
+                  <p:par>
+                    <p:cTn id="3" fill="hold">
+                      <p:stCondLst>
+                        <p:cond delay="indefinite"/>
+                      </p:stCondLst>
+                      <p:childTnLst>
+                        <p:par>
+                          <p:cTn id="4" fill="hold">
+                            <p:stCondLst>
+                              <p:cond delay="0"/>
+                            </p:stCondLst>
+                            <p:childTnLst>
+                              <p:par>
+                                <p:cTn id="5" presetID="1" presetClass="entr" presetSubtype="0" fill="hold" nodeType="clickEffect">
+                                  <p:stCondLst>
+                                    <p:cond delay="0"/>
+                                  </p:stCondLst>
+                                  <p:childTnLst>
+                                    <p:set>
+                                      <p:cBhvr>
+                                        <p:cTn id="6" dur="1" fill="hold">
+                                          <p:stCondLst>
+                                            <p:cond delay="0"/>
+                                          </p:stCondLst>
+                                        </p:cTn>
+                                        <p:tgtEl>
+                                          <p:spTgt spid="6">
+                                            <p:txEl>
+                                              <p:pRg st="9" end="9"/>
+                                            </p:txEl>
+                                          </p:spTgt>
+                                        </p:tgtEl>
+                                        <p:attrNameLst>
+                                          <p:attrName>style.visibility</p:attrName>
+                                        </p:attrNameLst>
+                                      </p:cBhvr>
+                                      <p:to>
+                                        <p:strVal val="visible"/>
+                                      </p:to>
+                                    </p:set>
+                                  </p:childTnLst>
+                                </p:cTn>
+                              </p:par>
+                              <p:par>
+                                <p:cTn id="7" presetID="1" presetClass="entr" presetSubtype="0" fill="hold" nodeType="withEffect">
+                                  <p:stCondLst>
+                                    <p:cond delay="0"/>
+                                  </p:stCondLst>
+                                  <p:childTnLst>
+                                    <p:set>
+                                      <p:cBhvr>
+                                        <p:cTn id="8" dur="1" fill="hold">
+                                          <p:stCondLst>
+                                            <p:cond delay="0"/>
+                                          </p:stCondLst>
+                                        </p:cTn>
+                                        <p:tgtEl>
+                                          <p:spTgt spid="6">
+                                            <p:txEl>
+                                              <p:pRg st="4" end="4"/>
+                                            </p:txEl>
+                                          </p:spTgt>
+                                        </p:tgtEl>
+                                        <p:attrNameLst>
+                                          <p:attrName>style.visibility</p:attrName>
+                                        </p:attrNameLst>
+                                      </p:cBhvr>
+                                      <p:to>
+                                        <p:strVal val="visible"/>
+                                      </p:to>
+                                    </p:set>
+                                  </p:childTnLst>
+                                </p:cTn>
+                              </p:par>
+                              <p:par>
+                                <p:cTn id="9" presetID="1" presetClass="entr" presetSubtype="0" fill="hold" nodeType="withEffect">
+                                  <p:stCondLst>
+                                    <p:cond delay="0"/>
+                                  </p:stCondLst>
+                                  <p:childTnLst>
+                                    <p:set>
+                                      <p:cBhvr>
+                                        <p:cTn id="10" dur="1" fill="hold">
+                                          <p:stCondLst>
+                                            <p:cond delay="0"/>
+                                          </p:stCondLst>
+                                        </p:cTn>
+                                        <p:tgtEl>
+                                          <p:spTgt spid="6">
+                                            <p:txEl>
+                                              <p:pRg st="5" end="5"/>
+                                            </p:txEl>
+                                          </p:spTgt>
+                                        </p:tgtEl>
+                                        <p:attrNameLst>
+                                          <p:attrName>style.visibility</p:attrName>
+                                        </p:attrNameLst>
+                                      </p:cBhvr>
+                                      <p:to>
+                                        <p:strVal val="visible"/>
+                                      </p:to>
+                                    </p:set>
+                                  </p:childTnLst>
+                                </p:cTn>
+                              </p:par>
+                            </p:childTnLst>
+                          </p:cTn>
+                        </p:par>
+                      </p:childTnLst>
+                    </p:cTn>
+                  </p:par>
+                  <p:par>
+                    <p:cTn id="11" fill="hold">
+                      <p:stCondLst>
+                        <p:cond delay="indefinite"/>
+                      </p:stCondLst>
+                      <p:childTnLst>
+                        <p:par>
+                          <p:cTn id="12" fill="hold">
+                            <p:stCondLst>
+                              <p:cond delay="0"/>
+                            </p:stCondLst>
+                            <p:childTnLst>
+                              <p:par>
+                                <p:cTn id="13" presetID="1" presetClass="entr" presetSubtype="0" fill="hold" nodeType="clickEffect">
+                                  <p:stCondLst>
+                                    <p:cond delay="0"/>
+                                  </p:stCondLst>
+                                  <p:childTnLst>
+                                    <p:set>
+                                      <p:cBhvr>
+                                        <p:cTn id="14" dur="1" fill="hold">
+                                          <p:stCondLst>
+                                            <p:cond delay="0"/>
+                                          </p:stCondLst>
+                                        </p:cTn>
+                                        <p:tgtEl>
+                                          <p:spTgt spid="6">
+                                            <p:txEl>
+                                              <p:pRg st="6" end="6"/>
+                                            </p:txEl>
+                                          </p:spTgt>
+                                        </p:tgtEl>
+                                        <p:attrNameLst>
+                                          <p:attrName>style.visibility</p:attrName>
+                                        </p:attrNameLst>
+                                      </p:cBhvr>
+                                      <p:to>
+                                        <p:strVal val="visible"/>
+                                      </p:to>
+                                    </p:set>
+                                  </p:childTnLst>
+                                </p:cTn>
+                              </p:par>
+                              <p:par>
+                                <p:cTn id="15" presetID="1" presetClass="entr" presetSubtype="0" fill="hold" nodeType="withEffect">
+                                  <p:stCondLst>
+                                    <p:cond delay="0"/>
+                                  </p:stCondLst>
+                                  <p:childTnLst>
+                                    <p:set>
+                                      <p:cBhvr>
+                                        <p:cTn id="16" dur="1" fill="hold">
+                                          <p:stCondLst>
+                                            <p:cond delay="0"/>
+                                          </p:stCondLst>
+                                        </p:cTn>
+                                        <p:tgtEl>
+                                          <p:spTgt spid="6">
+                                            <p:txEl>
+                                              <p:pRg st="7" end="7"/>
+                                            </p:txEl>
+                                          </p:spTgt>
+                                        </p:tgtEl>
+                                        <p:attrNameLst>
+                                          <p:attrName>style.visibility</p:attrName>
+                                        </p:attrNameLst>
+                                      </p:cBhvr>
+                                      <p:to>
+                                        <p:strVal val="visible"/>
+                                      </p:to>
+                                    </p:set>
+                                  </p:childTnLst>
+                                </p:cTn>
+                              </p:par>
+                              <p:par>
+                                <p:cTn id="17" presetID="1" presetClass="entr" presetSubtype="0" fill="hold" nodeType="withEffect">
+                                  <p:stCondLst>
+                                    <p:cond delay="0"/>
+                                  </p:stCondLst>
+                                  <p:childTnLst>
+                                    <p:set>
+                                      <p:cBhvr>
+                                        <p:cTn id="18" dur="1" fill="hold">
+                                          <p:stCondLst>
+                                            <p:cond delay="0"/>
+                                          </p:stCondLst>
+                                        </p:cTn>
+                                        <p:tgtEl>
+                                          <p:spTgt spid="6">
+                                            <p:txEl>
+                                              <p:pRg st="8" end="8"/>
+                                            </p:txEl>
+                                          </p:spTgt>
+                                        </p:tgtEl>
+                                        <p:attrNameLst>
+                                          <p:attrName>style.visibility</p:attrName>
+                                        </p:attrNameLst>
+                                      </p:cBhvr>
+                                      <p:to>
+                                        <p:strVal val="visible"/>
+                                      </p:to>
+                                    </p:set>
+                                  </p:childTnLst>
+                                </p:cTn>
+                              </p:par>
+                            </p:childTnLst>
+                          </p:cTn>
+                        </p:par>
+                      </p:childTnLst>
+                    </p:cTn>
+                  </p:par>
+                </p:childTnLst>
+              </p:cTn>
+              <p:prevCondLst>
+                <p:cond evt="onPrev" delay="0">
+                  <p:tgtEl>
+                    <p:sldTgt/>
+                  </p:tgtEl>
+                </p:cond>
+              </p:prevCondLst>
+              <p:nextCondLst>
+                <p:cond evt="onNext" delay="0">
+                  <p:tgtEl>
+                    <p:sldTgt/>
+                  </p:tgtEl>
+                </p:cond>
+              </p:nextCondLst>
+            </p:seq>
+          </p:childTnLst>
+        </p:cTn>
+      </p:par>
+    </p:tnLst>
   </p:timing>
 </p:sld>
 </file>
@@ -14150,776 +13381,6 @@
       </p:grpSpPr>
       <p:sp>
         <p:nvSpPr>
-          <p:cNvPr id="4" name="Slide Number Placeholder 3"/>
-          <p:cNvSpPr>
-            <a:spLocks noGrp="1"/>
-          </p:cNvSpPr>
-          <p:nvPr>
-            <p:ph type="sldNum" sz="quarter" idx="4"/>
-          </p:nvPr>
-        </p:nvSpPr>
-        <p:spPr>
-          <a:prstGeom prst="rect">
-            <a:avLst/>
-          </a:prstGeom>
-        </p:spPr>
-        <p:txBody>
-          <a:bodyPr/>
-          <a:lstStyle/>
-          <a:p>
-            <a:pPr>
-              <a:defRPr/>
-            </a:pPr>
-            <a:fld id="{58452FF4-89E3-4D1B-9927-2DBDC00E58D7}" type="slidenum">
-              <a:rPr lang="en-US" smtClean="0"/>
-              <a:pPr>
-                <a:defRPr/>
-              </a:pPr>
-              <a:t>20</a:t>
-            </a:fld>
-            <a:endParaRPr lang="en-US" dirty="0"/>
-          </a:p>
-        </p:txBody>
-      </p:sp>
-      <p:sp>
-        <p:nvSpPr>
-          <p:cNvPr id="519171" name="Rectangle 3"/>
-          <p:cNvSpPr>
-            <a:spLocks noGrp="1" noChangeArrowheads="1"/>
-          </p:cNvSpPr>
-          <p:nvPr>
-            <p:ph idx="1"/>
-          </p:nvPr>
-        </p:nvSpPr>
-        <p:spPr/>
-        <p:txBody>
-          <a:bodyPr/>
-          <a:lstStyle/>
-          <a:p>
-            <a:pPr>
-              <a:lnSpc>
-                <a:spcPct val="100000"/>
-              </a:lnSpc>
-            </a:pPr>
-            <a:r>
-              <a:rPr lang="en-US" dirty="0"/>
-              <a:t>In Java </a:t>
-            </a:r>
-            <a:r>
-              <a:rPr lang="en-US" b="1" dirty="0">
-                <a:solidFill>
-                  <a:schemeClr val="tx2">
-                    <a:lumMod val="75000"/>
-                  </a:schemeClr>
-                </a:solidFill>
-                <a:latin typeface="Consolas" panose="020B0609020204030204" pitchFamily="49" charset="0"/>
-              </a:rPr>
-              <a:t>Predicate&lt;T&gt;</a:t>
-            </a:r>
-            <a:r>
-              <a:rPr lang="en-US" b="1" dirty="0"/>
-              <a:t> </a:t>
-            </a:r>
-            <a:r>
-              <a:rPr lang="en-US" dirty="0"/>
-              <a:t>evaluates a condition:</a:t>
-            </a:r>
-          </a:p>
-          <a:p>
-            <a:pPr>
-              <a:lnSpc>
-                <a:spcPct val="100000"/>
-              </a:lnSpc>
-            </a:pPr>
-            <a:endParaRPr lang="en-US" dirty="0"/>
-          </a:p>
-          <a:p>
-            <a:pPr marL="0" indent="0">
-              <a:lnSpc>
-                <a:spcPct val="100000"/>
-              </a:lnSpc>
-              <a:buNone/>
-            </a:pPr>
-            <a:endParaRPr lang="en-US" dirty="0"/>
-          </a:p>
-          <a:p>
-            <a:pPr>
-              <a:lnSpc>
-                <a:spcPct val="150000"/>
-              </a:lnSpc>
-              <a:spcBef>
-                <a:spcPts val="1800"/>
-              </a:spcBef>
-            </a:pPr>
-            <a:r>
-              <a:rPr lang="en-US" dirty="0" smtClean="0"/>
-              <a:t>We </a:t>
-            </a:r>
-            <a:r>
-              <a:rPr lang="en-US" dirty="0"/>
-              <a:t>use </a:t>
-            </a:r>
-            <a:r>
-              <a:rPr lang="en-US" dirty="0" smtClean="0"/>
-              <a:t>the Predicate </a:t>
-            </a:r>
-            <a:r>
-              <a:rPr lang="en-US" dirty="0"/>
-              <a:t>with </a:t>
-            </a:r>
-            <a:r>
-              <a:rPr lang="en-US" b="1" dirty="0">
-                <a:solidFill>
-                  <a:schemeClr val="tx2">
-                    <a:lumMod val="75000"/>
-                  </a:schemeClr>
-                </a:solidFill>
-                <a:latin typeface="Consolas" panose="020B0609020204030204" pitchFamily="49" charset="0"/>
-              </a:rPr>
-              <a:t>.test()</a:t>
-            </a:r>
-            <a:r>
-              <a:rPr lang="en-US" b="1" dirty="0"/>
-              <a:t>:</a:t>
-            </a:r>
-            <a:endParaRPr lang="en-US" dirty="0"/>
-          </a:p>
-          <a:p>
-            <a:pPr>
-              <a:lnSpc>
-                <a:spcPct val="100000"/>
-              </a:lnSpc>
-            </a:pPr>
-            <a:endParaRPr lang="en-US" dirty="0"/>
-          </a:p>
-          <a:p>
-            <a:pPr>
-              <a:lnSpc>
-                <a:spcPct val="100000"/>
-              </a:lnSpc>
-            </a:pPr>
-            <a:endParaRPr lang="en-US" b="1" dirty="0"/>
-          </a:p>
-        </p:txBody>
-      </p:sp>
-      <p:sp>
-        <p:nvSpPr>
-          <p:cNvPr id="519170" name="Rectangle 2"/>
-          <p:cNvSpPr>
-            <a:spLocks noGrp="1" noChangeArrowheads="1"/>
-          </p:cNvSpPr>
-          <p:nvPr>
-            <p:ph type="title"/>
-          </p:nvPr>
-        </p:nvSpPr>
-        <p:spPr/>
-        <p:txBody>
-          <a:bodyPr/>
-          <a:lstStyle/>
-          <a:p>
-            <a:r>
-              <a:rPr lang="en-US" dirty="0"/>
-              <a:t>Predicate&lt;T&gt;</a:t>
-            </a:r>
-            <a:endParaRPr lang="bg-BG" dirty="0"/>
-          </a:p>
-        </p:txBody>
-      </p:sp>
-      <p:sp>
-        <p:nvSpPr>
-          <p:cNvPr id="5" name="Rectangle 5"/>
-          <p:cNvSpPr>
-            <a:spLocks noChangeArrowheads="1"/>
-          </p:cNvSpPr>
-          <p:nvPr/>
-        </p:nvSpPr>
-        <p:spPr bwMode="auto">
-          <a:xfrm>
-            <a:off x="684212" y="1886232"/>
-            <a:ext cx="10882200" cy="1449628"/>
-          </a:xfrm>
-          <a:prstGeom prst="rect">
-            <a:avLst/>
-          </a:prstGeom>
-          <a:solidFill>
-            <a:schemeClr val="accent5">
-              <a:lumMod val="40000"/>
-              <a:lumOff val="60000"/>
-              <a:alpha val="15000"/>
-            </a:schemeClr>
-          </a:solidFill>
-          <a:ln w="12700">
-            <a:solidFill>
-              <a:schemeClr val="accent5">
-                <a:lumMod val="60000"/>
-                <a:lumOff val="40000"/>
-              </a:schemeClr>
-            </a:solidFill>
-          </a:ln>
-        </p:spPr>
-        <p:txBody>
-          <a:bodyPr wrap="square">
-            <a:spAutoFit/>
-          </a:bodyPr>
-          <a:lstStyle/>
-          <a:p>
-            <a:pPr eaLnBrk="0" hangingPunct="0">
-              <a:lnSpc>
-                <a:spcPct val="105000"/>
-              </a:lnSpc>
-              <a:buClr>
-                <a:schemeClr val="accent5">
-                  <a:lumMod val="40000"/>
-                  <a:lumOff val="60000"/>
-                </a:schemeClr>
-              </a:buClr>
-              <a:buSzPct val="70000"/>
-            </a:pPr>
-            <a:r>
-              <a:rPr lang="en-US" sz="2800" b="1" noProof="1">
-                <a:solidFill>
-                  <a:schemeClr val="tx2">
-                    <a:lumMod val="75000"/>
-                  </a:schemeClr>
-                </a:solidFill>
-                <a:effectLst>
-                  <a:outerShdw blurRad="38100" dist="38100" dir="2700000" algn="tl">
-                    <a:srgbClr val="000000">
-                      <a:alpha val="43137"/>
-                    </a:srgbClr>
-                  </a:outerShdw>
-                </a:effectLst>
-                <a:latin typeface="Consolas" pitchFamily="49" charset="0"/>
-                <a:cs typeface="Consolas" pitchFamily="49" charset="0"/>
-              </a:rPr>
-              <a:t>boolean</a:t>
-            </a:r>
-            <a:r>
-              <a:rPr lang="en-US" sz="2800" b="1" noProof="1">
-                <a:solidFill>
-                  <a:schemeClr val="tx2"/>
-                </a:solidFill>
-                <a:effectLst>
-                  <a:outerShdw blurRad="38100" dist="38100" dir="2700000" algn="tl">
-                    <a:srgbClr val="000000">
-                      <a:alpha val="43137"/>
-                    </a:srgbClr>
-                  </a:outerShdw>
-                </a:effectLst>
-                <a:latin typeface="Consolas" pitchFamily="49" charset="0"/>
-                <a:cs typeface="Consolas" pitchFamily="49" charset="0"/>
-              </a:rPr>
-              <a:t> isEven(int number) {</a:t>
-            </a:r>
-          </a:p>
-          <a:p>
-            <a:pPr eaLnBrk="0" hangingPunct="0">
-              <a:lnSpc>
-                <a:spcPct val="105000"/>
-              </a:lnSpc>
-              <a:buClr>
-                <a:schemeClr val="accent5">
-                  <a:lumMod val="40000"/>
-                  <a:lumOff val="60000"/>
-                </a:schemeClr>
-              </a:buClr>
-              <a:buSzPct val="70000"/>
-            </a:pPr>
-            <a:r>
-              <a:rPr lang="en-US" sz="2800" b="1" noProof="1">
-                <a:solidFill>
-                  <a:schemeClr val="tx2"/>
-                </a:solidFill>
-                <a:effectLst>
-                  <a:outerShdw blurRad="38100" dist="38100" dir="2700000" algn="tl">
-                    <a:srgbClr val="000000">
-                      <a:alpha val="43137"/>
-                    </a:srgbClr>
-                  </a:outerShdw>
-                </a:effectLst>
-                <a:latin typeface="Consolas" pitchFamily="49" charset="0"/>
-                <a:cs typeface="Consolas" pitchFamily="49" charset="0"/>
-              </a:rPr>
-              <a:t>    return number % 2 == 0;</a:t>
-            </a:r>
-          </a:p>
-          <a:p>
-            <a:pPr eaLnBrk="0" hangingPunct="0">
-              <a:lnSpc>
-                <a:spcPct val="105000"/>
-              </a:lnSpc>
-              <a:buClr>
-                <a:schemeClr val="accent5">
-                  <a:lumMod val="40000"/>
-                  <a:lumOff val="60000"/>
-                </a:schemeClr>
-              </a:buClr>
-              <a:buSzPct val="70000"/>
-            </a:pPr>
-            <a:r>
-              <a:rPr lang="en-US" sz="2800" b="1" noProof="1">
-                <a:solidFill>
-                  <a:schemeClr val="tx2"/>
-                </a:solidFill>
-                <a:effectLst>
-                  <a:outerShdw blurRad="38100" dist="38100" dir="2700000" algn="tl">
-                    <a:srgbClr val="000000">
-                      <a:alpha val="43137"/>
-                    </a:srgbClr>
-                  </a:outerShdw>
-                </a:effectLst>
-                <a:latin typeface="Consolas" pitchFamily="49" charset="0"/>
-                <a:cs typeface="Consolas" pitchFamily="49" charset="0"/>
-              </a:rPr>
-              <a:t>}</a:t>
-            </a:r>
-          </a:p>
-        </p:txBody>
-      </p:sp>
-      <p:sp>
-        <p:nvSpPr>
-          <p:cNvPr id="6" name="Rectangle 5"/>
-          <p:cNvSpPr>
-            <a:spLocks noChangeArrowheads="1"/>
-          </p:cNvSpPr>
-          <p:nvPr/>
-        </p:nvSpPr>
-        <p:spPr bwMode="auto">
-          <a:xfrm>
-            <a:off x="684212" y="4336804"/>
-            <a:ext cx="10882200" cy="997196"/>
-          </a:xfrm>
-          <a:prstGeom prst="rect">
-            <a:avLst/>
-          </a:prstGeom>
-          <a:solidFill>
-            <a:schemeClr val="accent5">
-              <a:lumMod val="40000"/>
-              <a:lumOff val="60000"/>
-              <a:alpha val="15000"/>
-            </a:schemeClr>
-          </a:solidFill>
-          <a:ln w="12700">
-            <a:solidFill>
-              <a:schemeClr val="accent5">
-                <a:lumMod val="60000"/>
-                <a:lumOff val="40000"/>
-              </a:schemeClr>
-            </a:solidFill>
-          </a:ln>
-        </p:spPr>
-        <p:txBody>
-          <a:bodyPr wrap="square">
-            <a:spAutoFit/>
-          </a:bodyPr>
-          <a:lstStyle/>
-          <a:p>
-            <a:pPr eaLnBrk="0" hangingPunct="0">
-              <a:lnSpc>
-                <a:spcPct val="105000"/>
-              </a:lnSpc>
-              <a:buClr>
-                <a:schemeClr val="accent5">
-                  <a:lumMod val="40000"/>
-                  <a:lumOff val="60000"/>
-                </a:schemeClr>
-              </a:buClr>
-              <a:buSzPct val="70000"/>
-            </a:pPr>
-            <a:r>
-              <a:rPr lang="en-US" sz="2800" b="1" noProof="1">
-                <a:solidFill>
-                  <a:schemeClr val="tx2"/>
-                </a:solidFill>
-                <a:effectLst>
-                  <a:outerShdw blurRad="38100" dist="38100" dir="2700000" algn="tl">
-                    <a:srgbClr val="000000">
-                      <a:alpha val="43137"/>
-                    </a:srgbClr>
-                  </a:outerShdw>
-                </a:effectLst>
-                <a:latin typeface="Consolas" pitchFamily="49" charset="0"/>
-                <a:cs typeface="Consolas" pitchFamily="49" charset="0"/>
-              </a:rPr>
-              <a:t>Predicate&lt;</a:t>
-            </a:r>
-            <a:r>
-              <a:rPr lang="en-US" sz="2800" b="1" noProof="1">
-                <a:solidFill>
-                  <a:schemeClr val="tx2">
-                    <a:lumMod val="75000"/>
-                  </a:schemeClr>
-                </a:solidFill>
-                <a:effectLst>
-                  <a:outerShdw blurRad="38100" dist="38100" dir="2700000" algn="tl">
-                    <a:srgbClr val="000000">
-                      <a:alpha val="43137"/>
-                    </a:srgbClr>
-                  </a:outerShdw>
-                </a:effectLst>
-                <a:latin typeface="Consolas" pitchFamily="49" charset="0"/>
-                <a:cs typeface="Consolas" pitchFamily="49" charset="0"/>
-              </a:rPr>
-              <a:t>Integer</a:t>
-            </a:r>
-            <a:r>
-              <a:rPr lang="en-US" sz="2800" b="1" noProof="1">
-                <a:solidFill>
-                  <a:schemeClr val="tx2"/>
-                </a:solidFill>
-                <a:effectLst>
-                  <a:outerShdw blurRad="38100" dist="38100" dir="2700000" algn="tl">
-                    <a:srgbClr val="000000">
-                      <a:alpha val="43137"/>
-                    </a:srgbClr>
-                  </a:outerShdw>
-                </a:effectLst>
-                <a:latin typeface="Consolas" pitchFamily="49" charset="0"/>
-                <a:cs typeface="Consolas" pitchFamily="49" charset="0"/>
-              </a:rPr>
-              <a:t>&gt; isEven = </a:t>
-            </a:r>
-            <a:r>
-              <a:rPr lang="en-US" sz="2800" b="1" noProof="1">
-                <a:solidFill>
-                  <a:schemeClr val="tx2">
-                    <a:lumMod val="75000"/>
-                  </a:schemeClr>
-                </a:solidFill>
-                <a:effectLst>
-                  <a:outerShdw blurRad="38100" dist="38100" dir="2700000" algn="tl">
-                    <a:srgbClr val="000000">
-                      <a:alpha val="43137"/>
-                    </a:srgbClr>
-                  </a:outerShdw>
-                </a:effectLst>
-                <a:latin typeface="Consolas" pitchFamily="49" charset="0"/>
-                <a:cs typeface="Consolas" pitchFamily="49" charset="0"/>
-              </a:rPr>
-              <a:t>number -&gt; number % 2 == 0</a:t>
-            </a:r>
-            <a:r>
-              <a:rPr lang="en-US" sz="2800" b="1" noProof="1" smtClean="0">
-                <a:solidFill>
-                  <a:schemeClr val="tx2"/>
-                </a:solidFill>
-                <a:effectLst>
-                  <a:outerShdw blurRad="38100" dist="38100" dir="2700000" algn="tl">
-                    <a:srgbClr val="000000">
-                      <a:alpha val="43137"/>
-                    </a:srgbClr>
-                  </a:outerShdw>
-                </a:effectLst>
-                <a:latin typeface="Consolas" pitchFamily="49" charset="0"/>
-                <a:cs typeface="Consolas" pitchFamily="49" charset="0"/>
-              </a:rPr>
-              <a:t>;</a:t>
-            </a:r>
-          </a:p>
-          <a:p>
-            <a:pPr eaLnBrk="0" hangingPunct="0">
-              <a:lnSpc>
-                <a:spcPct val="105000"/>
-              </a:lnSpc>
-              <a:buClr>
-                <a:schemeClr val="accent5">
-                  <a:lumMod val="40000"/>
-                  <a:lumOff val="60000"/>
-                </a:schemeClr>
-              </a:buClr>
-              <a:buSzPct val="70000"/>
-            </a:pPr>
-            <a:r>
-              <a:rPr lang="en-US" sz="2800" b="1" noProof="1">
-                <a:solidFill>
-                  <a:schemeClr val="tx2"/>
-                </a:solidFill>
-                <a:effectLst>
-                  <a:outerShdw blurRad="38100" dist="38100" dir="2700000" algn="tl">
-                    <a:srgbClr val="000000">
-                      <a:alpha val="43137"/>
-                    </a:srgbClr>
-                  </a:outerShdw>
-                </a:effectLst>
-                <a:latin typeface="Consolas" pitchFamily="49" charset="0"/>
-                <a:cs typeface="Consolas" pitchFamily="49" charset="0"/>
-              </a:rPr>
-              <a:t>System.out.println(isEven</a:t>
-            </a:r>
-            <a:r>
-              <a:rPr lang="en-US" sz="2800" b="1" noProof="1">
-                <a:solidFill>
-                  <a:schemeClr val="tx2">
-                    <a:lumMod val="75000"/>
-                  </a:schemeClr>
-                </a:solidFill>
-                <a:effectLst>
-                  <a:outerShdw blurRad="38100" dist="38100" dir="2700000" algn="tl">
-                    <a:srgbClr val="000000">
-                      <a:alpha val="43137"/>
-                    </a:srgbClr>
-                  </a:outerShdw>
-                </a:effectLst>
-                <a:latin typeface="Consolas" pitchFamily="49" charset="0"/>
-                <a:cs typeface="Consolas" pitchFamily="49" charset="0"/>
-              </a:rPr>
-              <a:t>.test(</a:t>
-            </a:r>
-            <a:r>
-              <a:rPr lang="en-US" sz="2800" b="1" noProof="1">
-                <a:solidFill>
-                  <a:schemeClr val="tx2"/>
-                </a:solidFill>
-                <a:effectLst>
-                  <a:outerShdw blurRad="38100" dist="38100" dir="2700000" algn="tl">
-                    <a:srgbClr val="000000">
-                      <a:alpha val="43137"/>
-                    </a:srgbClr>
-                  </a:outerShdw>
-                </a:effectLst>
-                <a:latin typeface="Consolas" pitchFamily="49" charset="0"/>
-                <a:cs typeface="Consolas" pitchFamily="49" charset="0"/>
-              </a:rPr>
-              <a:t>6</a:t>
-            </a:r>
-            <a:r>
-              <a:rPr lang="en-US" sz="2800" b="1" noProof="1">
-                <a:solidFill>
-                  <a:schemeClr val="tx2">
-                    <a:lumMod val="75000"/>
-                  </a:schemeClr>
-                </a:solidFill>
-                <a:effectLst>
-                  <a:outerShdw blurRad="38100" dist="38100" dir="2700000" algn="tl">
-                    <a:srgbClr val="000000">
-                      <a:alpha val="43137"/>
-                    </a:srgbClr>
-                  </a:outerShdw>
-                </a:effectLst>
-                <a:latin typeface="Consolas" pitchFamily="49" charset="0"/>
-                <a:cs typeface="Consolas" pitchFamily="49" charset="0"/>
-              </a:rPr>
-              <a:t>)</a:t>
-            </a:r>
-            <a:r>
-              <a:rPr lang="en-US" sz="2800" b="1" noProof="1">
-                <a:solidFill>
-                  <a:schemeClr val="tx2"/>
-                </a:solidFill>
-                <a:effectLst>
-                  <a:outerShdw blurRad="38100" dist="38100" dir="2700000" algn="tl">
-                    <a:srgbClr val="000000">
-                      <a:alpha val="43137"/>
-                    </a:srgbClr>
-                  </a:outerShdw>
-                </a:effectLst>
-                <a:latin typeface="Consolas" pitchFamily="49" charset="0"/>
-                <a:cs typeface="Consolas" pitchFamily="49" charset="0"/>
-              </a:rPr>
-              <a:t>); </a:t>
-            </a:r>
-            <a:r>
-              <a:rPr lang="en-US" sz="2800" b="1" noProof="1">
-                <a:solidFill>
-                  <a:schemeClr val="tx2"/>
-                </a:solidFill>
-                <a:effectLst>
-                  <a:outerShdw blurRad="38100" dist="38100" dir="2700000" algn="tl">
-                    <a:srgbClr val="000000">
-                      <a:alpha val="43137"/>
-                    </a:srgbClr>
-                  </a:outerShdw>
-                </a:effectLst>
-                <a:latin typeface="Consolas" pitchFamily="49" charset="0"/>
-                <a:cs typeface="Consolas" pitchFamily="49" charset="0"/>
-              </a:rPr>
-              <a:t>//</a:t>
-            </a:r>
-            <a:r>
-              <a:rPr lang="en-US" sz="2800" b="1" noProof="1" smtClean="0">
-                <a:solidFill>
-                  <a:schemeClr val="tx2"/>
-                </a:solidFill>
-                <a:effectLst>
-                  <a:outerShdw blurRad="38100" dist="38100" dir="2700000" algn="tl">
-                    <a:srgbClr val="000000">
-                      <a:alpha val="43137"/>
-                    </a:srgbClr>
-                  </a:outerShdw>
-                </a:effectLst>
-                <a:latin typeface="Consolas" pitchFamily="49" charset="0"/>
-                <a:cs typeface="Consolas" pitchFamily="49" charset="0"/>
-              </a:rPr>
-              <a:t>true</a:t>
-            </a:r>
-            <a:endParaRPr lang="en-US" sz="2800" b="1" noProof="1">
-              <a:solidFill>
-                <a:schemeClr val="tx2"/>
-              </a:solidFill>
-              <a:effectLst>
-                <a:outerShdw blurRad="38100" dist="38100" dir="2700000" algn="tl">
-                  <a:srgbClr val="000000">
-                    <a:alpha val="43137"/>
-                  </a:srgbClr>
-                </a:outerShdw>
-              </a:effectLst>
-              <a:latin typeface="Consolas" pitchFamily="49" charset="0"/>
-              <a:cs typeface="Consolas" pitchFamily="49" charset="0"/>
-            </a:endParaRPr>
-          </a:p>
-        </p:txBody>
-      </p:sp>
-      <p:pic>
-        <p:nvPicPr>
-          <p:cNvPr id="11" name="Picture 10"/>
-          <p:cNvPicPr>
-            <a:picLocks noChangeAspect="1"/>
-          </p:cNvPicPr>
-          <p:nvPr/>
-        </p:nvPicPr>
-        <p:blipFill>
-          <a:blip r:embed="rId2" cstate="print">
-            <a:duotone>
-              <a:prstClr val="black"/>
-              <a:schemeClr val="accent1">
-                <a:tint val="45000"/>
-                <a:satMod val="400000"/>
-              </a:schemeClr>
-            </a:duotone>
-            <a:extLst>
-              <a:ext uri="{28A0092B-C50C-407E-A947-70E740481C1C}">
-                <a14:useLocalDpi xmlns:a14="http://schemas.microsoft.com/office/drawing/2010/main" val="0"/>
-              </a:ext>
-            </a:extLst>
-          </a:blip>
-          <a:stretch>
-            <a:fillRect/>
-          </a:stretch>
-        </p:blipFill>
-        <p:spPr>
-          <a:xfrm>
-            <a:off x="9389936" y="1452416"/>
-            <a:ext cx="2176476" cy="2176476"/>
-          </a:xfrm>
-          <a:prstGeom prst="rect">
-            <a:avLst/>
-          </a:prstGeom>
-        </p:spPr>
-      </p:pic>
-    </p:spTree>
-    <p:extLst>
-      <p:ext uri="{BB962C8B-B14F-4D97-AF65-F5344CB8AC3E}">
-        <p14:creationId xmlns:p14="http://schemas.microsoft.com/office/powerpoint/2010/main" val="2337770577"/>
-      </p:ext>
-    </p:extLst>
-  </p:cSld>
-  <p:clrMapOvr>
-    <a:masterClrMapping/>
-  </p:clrMapOvr>
-  <p:transition/>
-  <p:timing>
-    <p:tnLst>
-      <p:par>
-        <p:cTn id="1" dur="indefinite" restart="never" nodeType="tmRoot">
-          <p:childTnLst>
-            <p:seq concurrent="1" nextAc="seek">
-              <p:cTn id="2" dur="indefinite" nodeType="mainSeq">
-                <p:childTnLst>
-                  <p:par>
-                    <p:cTn id="3" fill="hold">
-                      <p:stCondLst>
-                        <p:cond delay="indefinite"/>
-                        <p:cond evt="onBegin" delay="0">
-                          <p:tn val="2"/>
-                        </p:cond>
-                      </p:stCondLst>
-                      <p:childTnLst>
-                        <p:par>
-                          <p:cTn id="4" fill="hold">
-                            <p:stCondLst>
-                              <p:cond delay="0"/>
-                            </p:stCondLst>
-                            <p:childTnLst>
-                              <p:par>
-                                <p:cTn id="5" presetID="1" presetClass="entr" presetSubtype="0" fill="hold" grpId="0" nodeType="withEffect">
-                                  <p:stCondLst>
-                                    <p:cond delay="0"/>
-                                  </p:stCondLst>
-                                  <p:childTnLst>
-                                    <p:set>
-                                      <p:cBhvr>
-                                        <p:cTn id="6" dur="1" fill="hold">
-                                          <p:stCondLst>
-                                            <p:cond delay="0"/>
-                                          </p:stCondLst>
-                                        </p:cTn>
-                                        <p:tgtEl>
-                                          <p:spTgt spid="6"/>
-                                        </p:tgtEl>
-                                        <p:attrNameLst>
-                                          <p:attrName>style.visibility</p:attrName>
-                                        </p:attrNameLst>
-                                      </p:cBhvr>
-                                      <p:to>
-                                        <p:strVal val="visible"/>
-                                      </p:to>
-                                    </p:set>
-                                  </p:childTnLst>
-                                </p:cTn>
-                              </p:par>
-                            </p:childTnLst>
-                          </p:cTn>
-                        </p:par>
-                      </p:childTnLst>
-                    </p:cTn>
-                  </p:par>
-                </p:childTnLst>
-              </p:cTn>
-              <p:prevCondLst>
-                <p:cond evt="onPrev" delay="0">
-                  <p:tgtEl>
-                    <p:sldTgt/>
-                  </p:tgtEl>
-                </p:cond>
-              </p:prevCondLst>
-              <p:nextCondLst>
-                <p:cond evt="onNext" delay="0">
-                  <p:tgtEl>
-                    <p:sldTgt/>
-                  </p:tgtEl>
-                </p:cond>
-              </p:nextCondLst>
-            </p:seq>
-          </p:childTnLst>
-        </p:cTn>
-      </p:par>
-    </p:tnLst>
-    <p:bldLst>
-      <p:bldP spid="6" grpId="0" animBg="1"/>
-    </p:bldLst>
-  </p:timing>
-</p:sld>
-</file>
-
-<file path=ppt/slides/slide21.xml><?xml version="1.0" encoding="utf-8"?>
-<p:sld xmlns:a="http://schemas.openxmlformats.org/drawingml/2006/main" xmlns:r="http://schemas.openxmlformats.org/officeDocument/2006/relationships" xmlns:p="http://schemas.openxmlformats.org/presentationml/2006/main">
-  <p:cSld>
-    <p:spTree>
-      <p:nvGrpSpPr>
-        <p:cNvPr id="1" name=""/>
-        <p:cNvGrpSpPr/>
-        <p:nvPr/>
-      </p:nvGrpSpPr>
-      <p:grpSpPr>
-        <a:xfrm>
-          <a:off x="0" y="0"/>
-          <a:ext cx="0" cy="0"/>
-          <a:chOff x="0" y="0"/>
-          <a:chExt cx="0" cy="0"/>
-        </a:xfrm>
-      </p:grpSpPr>
-      <p:sp>
-        <p:nvSpPr>
           <p:cNvPr id="11" name="Content Placeholder 2"/>
           <p:cNvSpPr>
             <a:spLocks noGrp="1"/>
@@ -14947,7 +13408,7 @@
             </a:pPr>
             <a:r>
               <a:rPr lang="en-US" dirty="0" smtClean="0"/>
-              <a:t>Read text from the console</a:t>
+              <a:t>Read some items’ prices from the console</a:t>
             </a:r>
           </a:p>
           <a:p>
@@ -14958,29 +13419,7 @@
             </a:pPr>
             <a:r>
               <a:rPr lang="en-US" dirty="0" smtClean="0"/>
-              <a:t>Find the words starting with an Uppercase letter</a:t>
-            </a:r>
-          </a:p>
-          <a:p>
-            <a:pPr>
-              <a:lnSpc>
-                <a:spcPct val="100000"/>
-              </a:lnSpc>
-            </a:pPr>
-            <a:r>
-              <a:rPr lang="en-US" dirty="0" smtClean="0"/>
-              <a:t>Print the count and the words</a:t>
-            </a:r>
-          </a:p>
-          <a:p>
-            <a:pPr>
-              <a:lnSpc>
-                <a:spcPct val="100000"/>
-              </a:lnSpc>
-            </a:pPr>
-            <a:r>
-              <a:rPr lang="en-US" dirty="0" smtClean="0"/>
-              <a:t>Use a </a:t>
+              <a:t>Add </a:t>
             </a:r>
             <a:r>
               <a:rPr lang="en-US" b="1" dirty="0" smtClean="0">
@@ -14990,15 +13429,26 @@
                   </a:schemeClr>
                 </a:solidFill>
               </a:rPr>
-              <a:t>Predicate</a:t>
-            </a:r>
-            <a:endParaRPr lang="en-US" b="1" dirty="0">
-              <a:solidFill>
-                <a:schemeClr val="tx2">
-                  <a:lumMod val="75000"/>
-                </a:schemeClr>
-              </a:solidFill>
-            </a:endParaRPr>
+              <a:t>VAT</a:t>
+            </a:r>
+            <a:r>
+              <a:rPr lang="en-US" dirty="0" smtClean="0"/>
+              <a:t> of </a:t>
+            </a:r>
+            <a:r>
+              <a:rPr lang="en-US" b="1" dirty="0" smtClean="0">
+                <a:solidFill>
+                  <a:schemeClr val="tx2">
+                    <a:lumMod val="75000"/>
+                  </a:schemeClr>
+                </a:solidFill>
+              </a:rPr>
+              <a:t>20%</a:t>
+            </a:r>
+            <a:r>
+              <a:rPr lang="en-US" dirty="0" smtClean="0"/>
+              <a:t> to all of them</a:t>
+            </a:r>
           </a:p>
         </p:txBody>
       </p:sp>
@@ -15020,1248 +13470,7 @@
             <a:fld id="{C014DD1E-5D91-48A3-AD6D-45FBA980D106}" type="slidenum">
               <a:rPr lang="en-US" smtClean="0"/>
               <a:pPr/>
-              <a:t>21</a:t>
-            </a:fld>
-            <a:endParaRPr lang="en-US" dirty="0"/>
-          </a:p>
-        </p:txBody>
-      </p:sp>
-      <p:sp>
-        <p:nvSpPr>
-          <p:cNvPr id="4" name="Title 3"/>
-          <p:cNvSpPr>
-            <a:spLocks noGrp="1"/>
-          </p:cNvSpPr>
-          <p:nvPr>
-            <p:ph type="title"/>
-          </p:nvPr>
-        </p:nvSpPr>
-        <p:spPr/>
-        <p:txBody>
-          <a:bodyPr/>
-          <a:lstStyle/>
-          <a:p>
-            <a:r>
-              <a:rPr lang="en-US" dirty="0"/>
-              <a:t>Problem</a:t>
-            </a:r>
-            <a:r>
-              <a:rPr lang="en-US" dirty="0" smtClean="0"/>
-              <a:t>: Count Uppercase Words</a:t>
-            </a:r>
-            <a:endParaRPr lang="en-US" dirty="0"/>
-          </a:p>
-        </p:txBody>
-      </p:sp>
-      <p:sp>
-        <p:nvSpPr>
-          <p:cNvPr id="12" name="Rectangle 11"/>
-          <p:cNvSpPr>
-            <a:spLocks noChangeArrowheads="1"/>
-          </p:cNvSpPr>
-          <p:nvPr/>
-        </p:nvSpPr>
-        <p:spPr bwMode="auto">
-          <a:xfrm>
-            <a:off x="1141412" y="4265372"/>
-            <a:ext cx="4343400" cy="1449628"/>
-          </a:xfrm>
-          <a:prstGeom prst="rect">
-            <a:avLst/>
-          </a:prstGeom>
-          <a:solidFill>
-            <a:schemeClr val="accent5">
-              <a:lumMod val="40000"/>
-              <a:lumOff val="60000"/>
-              <a:alpha val="20000"/>
-            </a:schemeClr>
-          </a:solidFill>
-          <a:ln w="12700">
-            <a:solidFill>
-              <a:schemeClr val="accent5">
-                <a:lumMod val="60000"/>
-                <a:lumOff val="40000"/>
-              </a:schemeClr>
-            </a:solidFill>
-          </a:ln>
-        </p:spPr>
-        <p:txBody>
-          <a:bodyPr wrap="square">
-            <a:spAutoFit/>
-          </a:bodyPr>
-          <a:lstStyle/>
-          <a:p>
-            <a:pPr>
-              <a:lnSpc>
-                <a:spcPct val="105000"/>
-              </a:lnSpc>
-            </a:pPr>
-            <a:r>
-              <a:rPr lang="en-US" sz="2800" b="1" noProof="1">
-                <a:solidFill>
-                  <a:srgbClr val="FBEEDC"/>
-                </a:solidFill>
-                <a:effectLst>
-                  <a:outerShdw blurRad="38100" dist="38100" dir="2700000" algn="tl">
-                    <a:srgbClr val="000000">
-                      <a:alpha val="43137"/>
-                    </a:srgbClr>
-                  </a:outerShdw>
-                </a:effectLst>
-                <a:latin typeface="Consolas" panose="020B0609020204030204" pitchFamily="49" charset="0"/>
-                <a:cs typeface="Arial" panose="020B0604020202020204" pitchFamily="34" charset="0"/>
-              </a:rPr>
-              <a:t>The following example shows how to use Predicate</a:t>
-            </a:r>
-            <a:endParaRPr lang="sv-SE" sz="2800" b="1" noProof="1">
-              <a:solidFill>
-                <a:srgbClr val="FBEEDC"/>
-              </a:solidFill>
-              <a:effectLst>
-                <a:outerShdw blurRad="38100" dist="38100" dir="2700000" algn="tl">
-                  <a:srgbClr val="000000">
-                    <a:alpha val="43137"/>
-                  </a:srgbClr>
-                </a:outerShdw>
-              </a:effectLst>
-              <a:latin typeface="Consolas" panose="020B0609020204030204" pitchFamily="49" charset="0"/>
-              <a:cs typeface="Arial" panose="020B0604020202020204" pitchFamily="34" charset="0"/>
-            </a:endParaRPr>
-          </a:p>
-        </p:txBody>
-      </p:sp>
-      <p:sp>
-        <p:nvSpPr>
-          <p:cNvPr id="16" name="Rectangle 15"/>
-          <p:cNvSpPr>
-            <a:spLocks noChangeArrowheads="1"/>
-          </p:cNvSpPr>
-          <p:nvPr/>
-        </p:nvSpPr>
-        <p:spPr bwMode="auto">
-          <a:xfrm>
-            <a:off x="7466012" y="4265372"/>
-            <a:ext cx="3329783" cy="1449628"/>
-          </a:xfrm>
-          <a:prstGeom prst="rect">
-            <a:avLst/>
-          </a:prstGeom>
-          <a:solidFill>
-            <a:schemeClr val="accent5">
-              <a:lumMod val="40000"/>
-              <a:lumOff val="60000"/>
-              <a:alpha val="20000"/>
-            </a:schemeClr>
-          </a:solidFill>
-          <a:ln w="12700">
-            <a:solidFill>
-              <a:schemeClr val="accent5">
-                <a:lumMod val="60000"/>
-                <a:lumOff val="40000"/>
-              </a:schemeClr>
-            </a:solidFill>
-          </a:ln>
-        </p:spPr>
-        <p:txBody>
-          <a:bodyPr wrap="square">
-            <a:spAutoFit/>
-          </a:bodyPr>
-          <a:lstStyle/>
-          <a:p>
-            <a:pPr>
-              <a:lnSpc>
-                <a:spcPct val="105000"/>
-              </a:lnSpc>
-            </a:pPr>
-            <a:r>
-              <a:rPr lang="en-US" sz="2800" b="1" noProof="1" smtClean="0">
-                <a:solidFill>
-                  <a:srgbClr val="FBEEDC"/>
-                </a:solidFill>
-                <a:effectLst>
-                  <a:outerShdw blurRad="38100" dist="38100" dir="2700000" algn="tl">
-                    <a:srgbClr val="000000">
-                      <a:alpha val="43137"/>
-                    </a:srgbClr>
-                  </a:outerShdw>
-                </a:effectLst>
-                <a:latin typeface="Consolas" panose="020B0609020204030204" pitchFamily="49" charset="0"/>
-                <a:cs typeface="Arial" panose="020B0604020202020204" pitchFamily="34" charset="0"/>
-              </a:rPr>
-              <a:t>2</a:t>
-            </a:r>
-          </a:p>
-          <a:p>
-            <a:pPr>
-              <a:lnSpc>
-                <a:spcPct val="105000"/>
-              </a:lnSpc>
-            </a:pPr>
-            <a:r>
-              <a:rPr lang="en-US" sz="2800" b="1" noProof="1" smtClean="0">
-                <a:solidFill>
-                  <a:srgbClr val="FBEEDC"/>
-                </a:solidFill>
-                <a:effectLst>
-                  <a:outerShdw blurRad="38100" dist="38100" dir="2700000" algn="tl">
-                    <a:srgbClr val="000000">
-                      <a:alpha val="43137"/>
-                    </a:srgbClr>
-                  </a:outerShdw>
-                </a:effectLst>
-                <a:latin typeface="Consolas" panose="020B0609020204030204" pitchFamily="49" charset="0"/>
-                <a:cs typeface="Arial" panose="020B0604020202020204" pitchFamily="34" charset="0"/>
-              </a:rPr>
-              <a:t>The</a:t>
-            </a:r>
-          </a:p>
-          <a:p>
-            <a:pPr>
-              <a:lnSpc>
-                <a:spcPct val="105000"/>
-              </a:lnSpc>
-            </a:pPr>
-            <a:r>
-              <a:rPr lang="en-US" sz="2800" b="1" noProof="1" smtClean="0">
-                <a:solidFill>
-                  <a:srgbClr val="FBEEDC"/>
-                </a:solidFill>
-                <a:effectLst>
-                  <a:outerShdw blurRad="38100" dist="38100" dir="2700000" algn="tl">
-                    <a:srgbClr val="000000">
-                      <a:alpha val="43137"/>
-                    </a:srgbClr>
-                  </a:outerShdw>
-                </a:effectLst>
-                <a:latin typeface="Consolas" panose="020B0609020204030204" pitchFamily="49" charset="0"/>
-                <a:cs typeface="Arial" panose="020B0604020202020204" pitchFamily="34" charset="0"/>
-              </a:rPr>
-              <a:t>Predicate</a:t>
-            </a:r>
-            <a:endParaRPr lang="sv-SE" sz="2800" b="1" noProof="1">
-              <a:solidFill>
-                <a:srgbClr val="FBEEDC"/>
-              </a:solidFill>
-              <a:effectLst>
-                <a:outerShdw blurRad="38100" dist="38100" dir="2700000" algn="tl">
-                  <a:srgbClr val="000000">
-                    <a:alpha val="43137"/>
-                  </a:srgbClr>
-                </a:outerShdw>
-              </a:effectLst>
-              <a:latin typeface="Consolas" panose="020B0609020204030204" pitchFamily="49" charset="0"/>
-              <a:cs typeface="Arial" panose="020B0604020202020204" pitchFamily="34" charset="0"/>
-            </a:endParaRPr>
-          </a:p>
-        </p:txBody>
-      </p:sp>
-      <p:sp>
-        <p:nvSpPr>
-          <p:cNvPr id="6" name="Right Arrow 5"/>
-          <p:cNvSpPr/>
-          <p:nvPr/>
-        </p:nvSpPr>
-        <p:spPr>
-          <a:xfrm>
-            <a:off x="5986208" y="4747870"/>
-            <a:ext cx="978408" cy="484632"/>
-          </a:xfrm>
-          <a:prstGeom prst="rightArrow">
-            <a:avLst/>
-          </a:prstGeom>
-        </p:spPr>
-        <p:style>
-          <a:lnRef idx="2">
-            <a:schemeClr val="accent1">
-              <a:shade val="50000"/>
-            </a:schemeClr>
-          </a:lnRef>
-          <a:fillRef idx="1">
-            <a:schemeClr val="accent1"/>
-          </a:fillRef>
-          <a:effectRef idx="0">
-            <a:schemeClr val="accent1"/>
-          </a:effectRef>
-          <a:fontRef idx="minor">
-            <a:schemeClr val="lt1"/>
-          </a:fontRef>
-        </p:style>
-        <p:txBody>
-          <a:bodyPr rtlCol="0" anchor="ctr"/>
-          <a:lstStyle/>
-          <a:p>
-            <a:pPr algn="ctr"/>
-            <a:endParaRPr lang="bg-BG" sz="2800"/>
-          </a:p>
-        </p:txBody>
-      </p:sp>
-      <p:sp>
-        <p:nvSpPr>
-          <p:cNvPr id="9" name="TextBox 8"/>
-          <p:cNvSpPr txBox="1"/>
-          <p:nvPr/>
-        </p:nvSpPr>
-        <p:spPr>
-          <a:xfrm>
-            <a:off x="816005" y="6172200"/>
-            <a:ext cx="10556816" cy="461665"/>
-          </a:xfrm>
-          <a:prstGeom prst="rect">
-            <a:avLst/>
-          </a:prstGeom>
-          <a:noFill/>
-        </p:spPr>
-        <p:txBody>
-          <a:bodyPr wrap="square" rtlCol="0">
-            <a:spAutoFit/>
-          </a:bodyPr>
-          <a:lstStyle/>
-          <a:p>
-            <a:pPr algn="ctr"/>
-            <a:r>
-              <a:rPr lang="en-US" dirty="0"/>
-              <a:t>Check your solution here: </a:t>
-            </a:r>
-            <a:r>
-              <a:rPr lang="en-US" dirty="0">
-                <a:hlinkClick r:id="rId2"/>
-              </a:rPr>
-              <a:t>https://judge.softuni.bg/Contests/Practice/Index/463#0</a:t>
-            </a:r>
-            <a:endParaRPr lang="en-US" dirty="0"/>
-          </a:p>
-        </p:txBody>
-      </p:sp>
-    </p:spTree>
-    <p:extLst>
-      <p:ext uri="{BB962C8B-B14F-4D97-AF65-F5344CB8AC3E}">
-        <p14:creationId xmlns:p14="http://schemas.microsoft.com/office/powerpoint/2010/main" val="3625648070"/>
-      </p:ext>
-    </p:extLst>
-  </p:cSld>
-  <p:clrMapOvr>
-    <a:masterClrMapping/>
-  </p:clrMapOvr>
-  <p:timing>
-    <p:tnLst>
-      <p:par>
-        <p:cTn id="1" dur="indefinite" restart="never" nodeType="tmRoot">
-          <p:childTnLst>
-            <p:seq concurrent="1" nextAc="seek">
-              <p:cTn id="2" dur="indefinite" nodeType="mainSeq">
-                <p:childTnLst>
-                  <p:par>
-                    <p:cTn id="3" fill="hold">
-                      <p:stCondLst>
-                        <p:cond delay="indefinite"/>
-                      </p:stCondLst>
-                      <p:childTnLst>
-                        <p:par>
-                          <p:cTn id="4" fill="hold">
-                            <p:stCondLst>
-                              <p:cond delay="0"/>
-                            </p:stCondLst>
-                            <p:childTnLst>
-                              <p:par>
-                                <p:cTn id="5" presetID="1" presetClass="entr" presetSubtype="0" fill="hold" grpId="0" nodeType="clickEffect">
-                                  <p:stCondLst>
-                                    <p:cond delay="0"/>
-                                  </p:stCondLst>
-                                  <p:childTnLst>
-                                    <p:set>
-                                      <p:cBhvr>
-                                        <p:cTn id="6" dur="1" fill="hold">
-                                          <p:stCondLst>
-                                            <p:cond delay="0"/>
-                                          </p:stCondLst>
-                                        </p:cTn>
-                                        <p:tgtEl>
-                                          <p:spTgt spid="12"/>
-                                        </p:tgtEl>
-                                        <p:attrNameLst>
-                                          <p:attrName>style.visibility</p:attrName>
-                                        </p:attrNameLst>
-                                      </p:cBhvr>
-                                      <p:to>
-                                        <p:strVal val="visible"/>
-                                      </p:to>
-                                    </p:set>
-                                  </p:childTnLst>
-                                </p:cTn>
-                              </p:par>
-                              <p:par>
-                                <p:cTn id="7" presetID="1" presetClass="entr" presetSubtype="0" fill="hold" grpId="0" nodeType="withEffect">
-                                  <p:stCondLst>
-                                    <p:cond delay="0"/>
-                                  </p:stCondLst>
-                                  <p:childTnLst>
-                                    <p:set>
-                                      <p:cBhvr>
-                                        <p:cTn id="8" dur="1" fill="hold">
-                                          <p:stCondLst>
-                                            <p:cond delay="0"/>
-                                          </p:stCondLst>
-                                        </p:cTn>
-                                        <p:tgtEl>
-                                          <p:spTgt spid="6"/>
-                                        </p:tgtEl>
-                                        <p:attrNameLst>
-                                          <p:attrName>style.visibility</p:attrName>
-                                        </p:attrNameLst>
-                                      </p:cBhvr>
-                                      <p:to>
-                                        <p:strVal val="visible"/>
-                                      </p:to>
-                                    </p:set>
-                                  </p:childTnLst>
-                                </p:cTn>
-                              </p:par>
-                              <p:par>
-                                <p:cTn id="9" presetID="1" presetClass="entr" presetSubtype="0" fill="hold" grpId="0" nodeType="withEffect">
-                                  <p:stCondLst>
-                                    <p:cond delay="0"/>
-                                  </p:stCondLst>
-                                  <p:childTnLst>
-                                    <p:set>
-                                      <p:cBhvr>
-                                        <p:cTn id="10" dur="1" fill="hold">
-                                          <p:stCondLst>
-                                            <p:cond delay="0"/>
-                                          </p:stCondLst>
-                                        </p:cTn>
-                                        <p:tgtEl>
-                                          <p:spTgt spid="16"/>
-                                        </p:tgtEl>
-                                        <p:attrNameLst>
-                                          <p:attrName>style.visibility</p:attrName>
-                                        </p:attrNameLst>
-                                      </p:cBhvr>
-                                      <p:to>
-                                        <p:strVal val="visible"/>
-                                      </p:to>
-                                    </p:set>
-                                  </p:childTnLst>
-                                </p:cTn>
-                              </p:par>
-                            </p:childTnLst>
-                          </p:cTn>
-                        </p:par>
-                      </p:childTnLst>
-                    </p:cTn>
-                  </p:par>
-                </p:childTnLst>
-              </p:cTn>
-              <p:prevCondLst>
-                <p:cond evt="onPrev" delay="0">
-                  <p:tgtEl>
-                    <p:sldTgt/>
-                  </p:tgtEl>
-                </p:cond>
-              </p:prevCondLst>
-              <p:nextCondLst>
-                <p:cond evt="onNext" delay="0">
-                  <p:tgtEl>
-                    <p:sldTgt/>
-                  </p:tgtEl>
-                </p:cond>
-              </p:nextCondLst>
-            </p:seq>
-          </p:childTnLst>
-        </p:cTn>
-      </p:par>
-    </p:tnLst>
-    <p:bldLst>
-      <p:bldP spid="12" grpId="0" animBg="1"/>
-      <p:bldP spid="16" grpId="0" animBg="1"/>
-      <p:bldP spid="6" grpId="0" animBg="1"/>
-    </p:bldLst>
-  </p:timing>
-</p:sld>
-</file>
-
-<file path=ppt/slides/slide22.xml><?xml version="1.0" encoding="utf-8"?>
-<p:sld xmlns:a="http://schemas.openxmlformats.org/drawingml/2006/main" xmlns:r="http://schemas.openxmlformats.org/officeDocument/2006/relationships" xmlns:p="http://schemas.openxmlformats.org/presentationml/2006/main">
-  <p:cSld>
-    <p:spTree>
-      <p:nvGrpSpPr>
-        <p:cNvPr id="1" name=""/>
-        <p:cNvGrpSpPr/>
-        <p:nvPr/>
-      </p:nvGrpSpPr>
-      <p:grpSpPr>
-        <a:xfrm>
-          <a:off x="0" y="0"/>
-          <a:ext cx="0" cy="0"/>
-          <a:chOff x="0" y="0"/>
-          <a:chExt cx="0" cy="0"/>
-        </a:xfrm>
-      </p:grpSpPr>
-      <p:sp>
-        <p:nvSpPr>
-          <p:cNvPr id="2" name="Slide Number Placeholder 1"/>
-          <p:cNvSpPr>
-            <a:spLocks noGrp="1"/>
-          </p:cNvSpPr>
-          <p:nvPr>
-            <p:ph type="sldNum" sz="quarter" idx="4"/>
-          </p:nvPr>
-        </p:nvSpPr>
-        <p:spPr/>
-        <p:txBody>
-          <a:bodyPr/>
-          <a:lstStyle/>
-          <a:p>
-            <a:fld id="{C014DD1E-5D91-48A3-AD6D-45FBA980D106}" type="slidenum">
-              <a:rPr lang="en-US" smtClean="0"/>
-              <a:pPr/>
-              <a:t>22</a:t>
-            </a:fld>
-            <a:endParaRPr lang="en-US" dirty="0"/>
-          </a:p>
-        </p:txBody>
-      </p:sp>
-      <p:sp>
-        <p:nvSpPr>
-          <p:cNvPr id="4" name="Title 3"/>
-          <p:cNvSpPr>
-            <a:spLocks noGrp="1"/>
-          </p:cNvSpPr>
-          <p:nvPr>
-            <p:ph type="title"/>
-          </p:nvPr>
-        </p:nvSpPr>
-        <p:spPr/>
-        <p:txBody>
-          <a:bodyPr/>
-          <a:lstStyle/>
-          <a:p>
-            <a:r>
-              <a:rPr lang="en-US" dirty="0"/>
-              <a:t>Solution: Count Uppercase Words</a:t>
-            </a:r>
-          </a:p>
-        </p:txBody>
-      </p:sp>
-      <p:sp>
-        <p:nvSpPr>
-          <p:cNvPr id="5" name="TextBox 4"/>
-          <p:cNvSpPr txBox="1"/>
-          <p:nvPr/>
-        </p:nvSpPr>
-        <p:spPr>
-          <a:xfrm>
-            <a:off x="816005" y="6172200"/>
-            <a:ext cx="10556816" cy="461665"/>
-          </a:xfrm>
-          <a:prstGeom prst="rect">
-            <a:avLst/>
-          </a:prstGeom>
-          <a:noFill/>
-        </p:spPr>
-        <p:txBody>
-          <a:bodyPr wrap="square" rtlCol="0">
-            <a:spAutoFit/>
-          </a:bodyPr>
-          <a:lstStyle/>
-          <a:p>
-            <a:pPr algn="ctr"/>
-            <a:r>
-              <a:rPr lang="en-US" dirty="0"/>
-              <a:t>Check your solution here: </a:t>
-            </a:r>
-            <a:r>
-              <a:rPr lang="en-US" dirty="0">
-                <a:hlinkClick r:id="rId2"/>
-              </a:rPr>
-              <a:t>https://judge.softuni.bg/Contests/Practice/Index/463#0</a:t>
-            </a:r>
-            <a:endParaRPr lang="en-US" dirty="0"/>
-          </a:p>
-        </p:txBody>
-      </p:sp>
-      <p:sp>
-        <p:nvSpPr>
-          <p:cNvPr id="6" name="Text Placeholder 5"/>
-          <p:cNvSpPr txBox="1">
-            <a:spLocks/>
-          </p:cNvSpPr>
-          <p:nvPr/>
-        </p:nvSpPr>
-        <p:spPr>
-          <a:xfrm>
-            <a:off x="417513" y="1143000"/>
-            <a:ext cx="11353799" cy="4885165"/>
-          </a:xfrm>
-          <a:prstGeom prst="rect">
-            <a:avLst/>
-          </a:prstGeom>
-          <a:solidFill>
-            <a:schemeClr val="accent5">
-              <a:lumMod val="40000"/>
-              <a:lumOff val="60000"/>
-              <a:alpha val="20000"/>
-            </a:schemeClr>
-          </a:solidFill>
-          <a:ln w="12700">
-            <a:solidFill>
-              <a:schemeClr val="accent5">
-                <a:lumMod val="60000"/>
-                <a:lumOff val="40000"/>
-              </a:schemeClr>
-            </a:solidFill>
-          </a:ln>
-        </p:spPr>
-        <p:txBody>
-          <a:bodyPr vert="horz" wrap="square" lIns="144000" tIns="72000" rIns="144000" bIns="72000" rtlCol="0" anchor="t" anchorCtr="0">
-            <a:spAutoFit/>
-          </a:bodyPr>
-          <a:lstStyle>
-            <a:lvl1pPr indent="0">
-              <a:lnSpc>
-                <a:spcPct val="100000"/>
-              </a:lnSpc>
-              <a:spcBef>
-                <a:spcPts val="0"/>
-              </a:spcBef>
-              <a:spcAft>
-                <a:spcPts val="0"/>
-              </a:spcAft>
-              <a:buClr>
-                <a:srgbClr val="F2B254"/>
-              </a:buClr>
-              <a:buSzPct val="100000"/>
-              <a:buFont typeface="Wingdings" panose="05000000000000000000" pitchFamily="2" charset="2"/>
-              <a:buNone/>
-              <a:defRPr lang="en-US" b="1" noProof="1" smtClean="0">
-                <a:solidFill>
-                  <a:srgbClr val="FBEEDC"/>
-                </a:solidFill>
-                <a:effectLst>
-                  <a:outerShdw blurRad="38100" dist="38100" dir="2700000" algn="tl">
-                    <a:srgbClr val="000000">
-                      <a:alpha val="43137"/>
-                    </a:srgbClr>
-                  </a:outerShdw>
-                </a:effectLst>
-                <a:latin typeface="Consolas" pitchFamily="49" charset="0"/>
-                <a:cs typeface="Consolas" pitchFamily="49" charset="0"/>
-              </a:defRPr>
-            </a:lvl1pPr>
-            <a:lvl2pPr indent="-231606">
-              <a:lnSpc>
-                <a:spcPct val="105000"/>
-              </a:lnSpc>
-              <a:spcBef>
-                <a:spcPts val="600"/>
-              </a:spcBef>
-              <a:spcAft>
-                <a:spcPts val="600"/>
-              </a:spcAft>
-              <a:buClr>
-                <a:schemeClr val="accent1"/>
-              </a:buClr>
-              <a:buSzPct val="80000"/>
-              <a:buFont typeface="Wingdings" panose="05000000000000000000" pitchFamily="2" charset="2"/>
-              <a:buChar char="§"/>
-              <a:defRPr sz="3200" b="0"/>
-            </a:lvl2pPr>
-            <a:lvl3pPr marL="914240" indent="-231606">
-              <a:lnSpc>
-                <a:spcPct val="105000"/>
-              </a:lnSpc>
-              <a:spcBef>
-                <a:spcPts val="600"/>
-              </a:spcBef>
-              <a:spcAft>
-                <a:spcPts val="600"/>
-              </a:spcAft>
-              <a:buClr>
-                <a:srgbClr val="EF9A1D"/>
-              </a:buClr>
-              <a:buSzPct val="80000"/>
-              <a:buFont typeface="Wingdings" panose="05000000000000000000" pitchFamily="2" charset="2"/>
-              <a:buChar char="§"/>
-              <a:defRPr sz="3000" b="0"/>
-            </a:lvl3pPr>
-            <a:lvl4pPr marL="1218987" indent="-231606">
-              <a:lnSpc>
-                <a:spcPct val="105000"/>
-              </a:lnSpc>
-              <a:spcBef>
-                <a:spcPts val="600"/>
-              </a:spcBef>
-              <a:spcAft>
-                <a:spcPts val="600"/>
-              </a:spcAft>
-              <a:buClr>
-                <a:srgbClr val="ED9411"/>
-              </a:buClr>
-              <a:buSzPct val="80000"/>
-              <a:buFont typeface="Wingdings" panose="05000000000000000000" pitchFamily="2" charset="2"/>
-              <a:buChar char="§"/>
-              <a:defRPr sz="2800" b="0"/>
-            </a:lvl4pPr>
-            <a:lvl5pPr marL="1523733" indent="-231606">
-              <a:lnSpc>
-                <a:spcPct val="105000"/>
-              </a:lnSpc>
-              <a:spcBef>
-                <a:spcPts val="600"/>
-              </a:spcBef>
-              <a:spcAft>
-                <a:spcPts val="600"/>
-              </a:spcAft>
-              <a:buClr>
-                <a:srgbClr val="E28D10"/>
-              </a:buClr>
-              <a:buSzPct val="80000"/>
-              <a:buFont typeface="Wingdings" panose="05000000000000000000" pitchFamily="2" charset="2"/>
-              <a:buChar char="§"/>
-              <a:defRPr sz="2600" b="0"/>
-            </a:lvl5pPr>
-            <a:lvl6pPr marL="1828480" indent="-231606">
-              <a:lnSpc>
-                <a:spcPct val="90000"/>
-              </a:lnSpc>
-              <a:spcBef>
-                <a:spcPts val="800"/>
-              </a:spcBef>
-              <a:buClr>
-                <a:schemeClr val="accent1"/>
-              </a:buClr>
-              <a:buSzPct val="80000"/>
-              <a:buFont typeface="Arial" pitchFamily="34" charset="0"/>
-              <a:buChar char="•"/>
-              <a:defRPr sz="2000"/>
-            </a:lvl6pPr>
-            <a:lvl7pPr marL="2133227" indent="-231606">
-              <a:lnSpc>
-                <a:spcPct val="90000"/>
-              </a:lnSpc>
-              <a:spcBef>
-                <a:spcPts val="800"/>
-              </a:spcBef>
-              <a:buClr>
-                <a:schemeClr val="accent1"/>
-              </a:buClr>
-              <a:buSzPct val="80000"/>
-              <a:buFont typeface="Arial" pitchFamily="34" charset="0"/>
-              <a:buChar char="•"/>
-              <a:defRPr sz="2000"/>
-            </a:lvl7pPr>
-            <a:lvl8pPr marL="2437972" indent="-231606">
-              <a:lnSpc>
-                <a:spcPct val="90000"/>
-              </a:lnSpc>
-              <a:spcBef>
-                <a:spcPts val="800"/>
-              </a:spcBef>
-              <a:buClr>
-                <a:schemeClr val="accent1"/>
-              </a:buClr>
-              <a:buSzPct val="80000"/>
-              <a:buFont typeface="Arial" pitchFamily="34" charset="0"/>
-              <a:buChar char="•"/>
-              <a:defRPr sz="2000" baseline="0"/>
-            </a:lvl8pPr>
-            <a:lvl9pPr marL="2742720" indent="-231606">
-              <a:lnSpc>
-                <a:spcPct val="90000"/>
-              </a:lnSpc>
-              <a:spcBef>
-                <a:spcPts val="800"/>
-              </a:spcBef>
-              <a:buClr>
-                <a:schemeClr val="accent1"/>
-              </a:buClr>
-              <a:buSzPct val="80000"/>
-              <a:buFont typeface="Arial" pitchFamily="34" charset="0"/>
-              <a:buChar char="•"/>
-              <a:defRPr sz="2000" baseline="0"/>
-            </a:lvl9pPr>
-          </a:lstStyle>
-          <a:p>
-            <a:r>
-              <a:rPr lang="en-US" sz="2800" i="1" dirty="0" smtClean="0">
-                <a:solidFill>
-                  <a:schemeClr val="tx2">
-                    <a:lumMod val="75000"/>
-                  </a:schemeClr>
-                </a:solidFill>
-              </a:rPr>
-              <a:t>//TODO: Read text</a:t>
-            </a:r>
-          </a:p>
-          <a:p>
-            <a:r>
-              <a:rPr lang="en-US" sz="2800" dirty="0" smtClean="0"/>
-              <a:t>Predicate&lt;String&gt; checkerUpperCase = </a:t>
-            </a:r>
-          </a:p>
-          <a:p>
-            <a:r>
-              <a:rPr lang="en-US" sz="2800" dirty="0" smtClean="0"/>
-              <a:t>         </a:t>
-            </a:r>
-            <a:r>
-              <a:rPr lang="en-US" sz="2800" dirty="0" smtClean="0">
-                <a:solidFill>
-                  <a:schemeClr val="tx2">
-                    <a:lumMod val="75000"/>
-                  </a:schemeClr>
-                </a:solidFill>
-              </a:rPr>
-              <a:t>s -&gt; s.charAt(0) == s.toUpperCase().charAt(0);</a:t>
-            </a:r>
-          </a:p>
-          <a:p>
-            <a:endParaRPr lang="en-US" sz="2800" dirty="0" smtClean="0"/>
-          </a:p>
-          <a:p>
-            <a:r>
-              <a:rPr lang="en-US" sz="2800" dirty="0" smtClean="0"/>
-              <a:t>ArrayList&lt;String&gt; result = new ArrayList&lt;&gt;();</a:t>
-            </a:r>
-          </a:p>
-          <a:p>
-            <a:r>
-              <a:rPr lang="en-US" sz="2800" dirty="0" smtClean="0"/>
-              <a:t>for (int i = 0; i &lt; textAsList.length; i++) {</a:t>
-            </a:r>
-          </a:p>
-          <a:p>
-            <a:r>
-              <a:rPr lang="en-US" sz="2800" dirty="0" smtClean="0"/>
-              <a:t>  if (checkerUpperCase</a:t>
-            </a:r>
-            <a:r>
-              <a:rPr lang="en-US" sz="2800" dirty="0" smtClean="0">
-                <a:solidFill>
-                  <a:schemeClr val="tx2">
-                    <a:lumMod val="75000"/>
-                  </a:schemeClr>
-                </a:solidFill>
-              </a:rPr>
-              <a:t>.test(textAsList[i])</a:t>
-            </a:r>
-            <a:r>
-              <a:rPr lang="en-US" sz="2800" dirty="0" smtClean="0"/>
-              <a:t>) {</a:t>
-            </a:r>
-          </a:p>
-          <a:p>
-            <a:r>
-              <a:rPr lang="en-US" sz="2800" dirty="0" smtClean="0"/>
-              <a:t>    result.add(textAsList[i]);</a:t>
-            </a:r>
-          </a:p>
-          <a:p>
-            <a:r>
-              <a:rPr lang="en-US" sz="2800" dirty="0" smtClean="0"/>
-              <a:t>  }</a:t>
-            </a:r>
-          </a:p>
-          <a:p>
-            <a:r>
-              <a:rPr lang="en-US" sz="2800" dirty="0" smtClean="0"/>
-              <a:t>}</a:t>
-            </a:r>
-          </a:p>
-          <a:p>
-            <a:r>
-              <a:rPr lang="en-US" sz="2800" i="1" dirty="0" smtClean="0">
-                <a:solidFill>
-                  <a:schemeClr val="tx2">
-                    <a:lumMod val="75000"/>
-                  </a:schemeClr>
-                </a:solidFill>
-              </a:rPr>
-              <a:t>//TODO: Print results</a:t>
-            </a:r>
-            <a:endParaRPr lang="en-US" sz="2800" i="1" dirty="0">
-              <a:solidFill>
-                <a:schemeClr val="tx2">
-                  <a:lumMod val="75000"/>
-                </a:schemeClr>
-              </a:solidFill>
-            </a:endParaRPr>
-          </a:p>
-        </p:txBody>
-      </p:sp>
-    </p:spTree>
-    <p:extLst>
-      <p:ext uri="{BB962C8B-B14F-4D97-AF65-F5344CB8AC3E}">
-        <p14:creationId xmlns:p14="http://schemas.microsoft.com/office/powerpoint/2010/main" val="3531381895"/>
-      </p:ext>
-    </p:extLst>
-  </p:cSld>
-  <p:clrMapOvr>
-    <a:masterClrMapping/>
-  </p:clrMapOvr>
-  <p:timing>
-    <p:tnLst>
-      <p:par>
-        <p:cTn id="1" dur="indefinite" restart="never" nodeType="tmRoot">
-          <p:childTnLst>
-            <p:seq concurrent="1" nextAc="seek">
-              <p:cTn id="2" dur="indefinite" nodeType="mainSeq">
-                <p:childTnLst>
-                  <p:par>
-                    <p:cTn id="3" fill="hold">
-                      <p:stCondLst>
-                        <p:cond delay="indefinite"/>
-                      </p:stCondLst>
-                      <p:childTnLst>
-                        <p:par>
-                          <p:cTn id="4" fill="hold">
-                            <p:stCondLst>
-                              <p:cond delay="0"/>
-                            </p:stCondLst>
-                            <p:childTnLst>
-                              <p:par>
-                                <p:cTn id="5" presetID="1" presetClass="entr" presetSubtype="0" fill="hold" nodeType="clickEffect">
-                                  <p:stCondLst>
-                                    <p:cond delay="0"/>
-                                  </p:stCondLst>
-                                  <p:childTnLst>
-                                    <p:set>
-                                      <p:cBhvr>
-                                        <p:cTn id="6" dur="1" fill="hold">
-                                          <p:stCondLst>
-                                            <p:cond delay="0"/>
-                                          </p:stCondLst>
-                                        </p:cTn>
-                                        <p:tgtEl>
-                                          <p:spTgt spid="6">
-                                            <p:txEl>
-                                              <p:pRg st="9" end="9"/>
-                                            </p:txEl>
-                                          </p:spTgt>
-                                        </p:tgtEl>
-                                        <p:attrNameLst>
-                                          <p:attrName>style.visibility</p:attrName>
-                                        </p:attrNameLst>
-                                      </p:cBhvr>
-                                      <p:to>
-                                        <p:strVal val="visible"/>
-                                      </p:to>
-                                    </p:set>
-                                  </p:childTnLst>
-                                </p:cTn>
-                              </p:par>
-                              <p:par>
-                                <p:cTn id="7" presetID="1" presetClass="entr" presetSubtype="0" fill="hold" nodeType="withEffect">
-                                  <p:stCondLst>
-                                    <p:cond delay="0"/>
-                                  </p:stCondLst>
-                                  <p:childTnLst>
-                                    <p:set>
-                                      <p:cBhvr>
-                                        <p:cTn id="8" dur="1" fill="hold">
-                                          <p:stCondLst>
-                                            <p:cond delay="0"/>
-                                          </p:stCondLst>
-                                        </p:cTn>
-                                        <p:tgtEl>
-                                          <p:spTgt spid="6">
-                                            <p:txEl>
-                                              <p:pRg st="4" end="4"/>
-                                            </p:txEl>
-                                          </p:spTgt>
-                                        </p:tgtEl>
-                                        <p:attrNameLst>
-                                          <p:attrName>style.visibility</p:attrName>
-                                        </p:attrNameLst>
-                                      </p:cBhvr>
-                                      <p:to>
-                                        <p:strVal val="visible"/>
-                                      </p:to>
-                                    </p:set>
-                                  </p:childTnLst>
-                                </p:cTn>
-                              </p:par>
-                              <p:par>
-                                <p:cTn id="9" presetID="1" presetClass="entr" presetSubtype="0" fill="hold" nodeType="withEffect">
-                                  <p:stCondLst>
-                                    <p:cond delay="0"/>
-                                  </p:stCondLst>
-                                  <p:childTnLst>
-                                    <p:set>
-                                      <p:cBhvr>
-                                        <p:cTn id="10" dur="1" fill="hold">
-                                          <p:stCondLst>
-                                            <p:cond delay="0"/>
-                                          </p:stCondLst>
-                                        </p:cTn>
-                                        <p:tgtEl>
-                                          <p:spTgt spid="6">
-                                            <p:txEl>
-                                              <p:pRg st="5" end="5"/>
-                                            </p:txEl>
-                                          </p:spTgt>
-                                        </p:tgtEl>
-                                        <p:attrNameLst>
-                                          <p:attrName>style.visibility</p:attrName>
-                                        </p:attrNameLst>
-                                      </p:cBhvr>
-                                      <p:to>
-                                        <p:strVal val="visible"/>
-                                      </p:to>
-                                    </p:set>
-                                  </p:childTnLst>
-                                </p:cTn>
-                              </p:par>
-                            </p:childTnLst>
-                          </p:cTn>
-                        </p:par>
-                      </p:childTnLst>
-                    </p:cTn>
-                  </p:par>
-                  <p:par>
-                    <p:cTn id="11" fill="hold">
-                      <p:stCondLst>
-                        <p:cond delay="indefinite"/>
-                      </p:stCondLst>
-                      <p:childTnLst>
-                        <p:par>
-                          <p:cTn id="12" fill="hold">
-                            <p:stCondLst>
-                              <p:cond delay="0"/>
-                            </p:stCondLst>
-                            <p:childTnLst>
-                              <p:par>
-                                <p:cTn id="13" presetID="1" presetClass="entr" presetSubtype="0" fill="hold" nodeType="clickEffect">
-                                  <p:stCondLst>
-                                    <p:cond delay="0"/>
-                                  </p:stCondLst>
-                                  <p:childTnLst>
-                                    <p:set>
-                                      <p:cBhvr>
-                                        <p:cTn id="14" dur="1" fill="hold">
-                                          <p:stCondLst>
-                                            <p:cond delay="0"/>
-                                          </p:stCondLst>
-                                        </p:cTn>
-                                        <p:tgtEl>
-                                          <p:spTgt spid="6">
-                                            <p:txEl>
-                                              <p:pRg st="6" end="6"/>
-                                            </p:txEl>
-                                          </p:spTgt>
-                                        </p:tgtEl>
-                                        <p:attrNameLst>
-                                          <p:attrName>style.visibility</p:attrName>
-                                        </p:attrNameLst>
-                                      </p:cBhvr>
-                                      <p:to>
-                                        <p:strVal val="visible"/>
-                                      </p:to>
-                                    </p:set>
-                                  </p:childTnLst>
-                                </p:cTn>
-                              </p:par>
-                              <p:par>
-                                <p:cTn id="15" presetID="1" presetClass="entr" presetSubtype="0" fill="hold" nodeType="withEffect">
-                                  <p:stCondLst>
-                                    <p:cond delay="0"/>
-                                  </p:stCondLst>
-                                  <p:childTnLst>
-                                    <p:set>
-                                      <p:cBhvr>
-                                        <p:cTn id="16" dur="1" fill="hold">
-                                          <p:stCondLst>
-                                            <p:cond delay="0"/>
-                                          </p:stCondLst>
-                                        </p:cTn>
-                                        <p:tgtEl>
-                                          <p:spTgt spid="6">
-                                            <p:txEl>
-                                              <p:pRg st="7" end="7"/>
-                                            </p:txEl>
-                                          </p:spTgt>
-                                        </p:tgtEl>
-                                        <p:attrNameLst>
-                                          <p:attrName>style.visibility</p:attrName>
-                                        </p:attrNameLst>
-                                      </p:cBhvr>
-                                      <p:to>
-                                        <p:strVal val="visible"/>
-                                      </p:to>
-                                    </p:set>
-                                  </p:childTnLst>
-                                </p:cTn>
-                              </p:par>
-                              <p:par>
-                                <p:cTn id="17" presetID="1" presetClass="entr" presetSubtype="0" fill="hold" nodeType="withEffect">
-                                  <p:stCondLst>
-                                    <p:cond delay="0"/>
-                                  </p:stCondLst>
-                                  <p:childTnLst>
-                                    <p:set>
-                                      <p:cBhvr>
-                                        <p:cTn id="18" dur="1" fill="hold">
-                                          <p:stCondLst>
-                                            <p:cond delay="0"/>
-                                          </p:stCondLst>
-                                        </p:cTn>
-                                        <p:tgtEl>
-                                          <p:spTgt spid="6">
-                                            <p:txEl>
-                                              <p:pRg st="8" end="8"/>
-                                            </p:txEl>
-                                          </p:spTgt>
-                                        </p:tgtEl>
-                                        <p:attrNameLst>
-                                          <p:attrName>style.visibility</p:attrName>
-                                        </p:attrNameLst>
-                                      </p:cBhvr>
-                                      <p:to>
-                                        <p:strVal val="visible"/>
-                                      </p:to>
-                                    </p:set>
-                                  </p:childTnLst>
-                                </p:cTn>
-                              </p:par>
-                            </p:childTnLst>
-                          </p:cTn>
-                        </p:par>
-                      </p:childTnLst>
-                    </p:cTn>
-                  </p:par>
-                </p:childTnLst>
-              </p:cTn>
-              <p:prevCondLst>
-                <p:cond evt="onPrev" delay="0">
-                  <p:tgtEl>
-                    <p:sldTgt/>
-                  </p:tgtEl>
-                </p:cond>
-              </p:prevCondLst>
-              <p:nextCondLst>
-                <p:cond evt="onNext" delay="0">
-                  <p:tgtEl>
-                    <p:sldTgt/>
-                  </p:tgtEl>
-                </p:cond>
-              </p:nextCondLst>
-            </p:seq>
-          </p:childTnLst>
-        </p:cTn>
-      </p:par>
-    </p:tnLst>
-  </p:timing>
-</p:sld>
-</file>
-
-<file path=ppt/slides/slide23.xml><?xml version="1.0" encoding="utf-8"?>
-<p:sld xmlns:a="http://schemas.openxmlformats.org/drawingml/2006/main" xmlns:r="http://schemas.openxmlformats.org/officeDocument/2006/relationships" xmlns:p="http://schemas.openxmlformats.org/presentationml/2006/main">
-  <p:cSld>
-    <p:spTree>
-      <p:nvGrpSpPr>
-        <p:cNvPr id="1" name=""/>
-        <p:cNvGrpSpPr/>
-        <p:nvPr/>
-      </p:nvGrpSpPr>
-      <p:grpSpPr>
-        <a:xfrm>
-          <a:off x="0" y="0"/>
-          <a:ext cx="0" cy="0"/>
-          <a:chOff x="0" y="0"/>
-          <a:chExt cx="0" cy="0"/>
-        </a:xfrm>
-      </p:grpSpPr>
-      <p:sp>
-        <p:nvSpPr>
-          <p:cNvPr id="11" name="Content Placeholder 2"/>
-          <p:cNvSpPr>
-            <a:spLocks noGrp="1"/>
-          </p:cNvSpPr>
-          <p:nvPr>
-            <p:ph idx="1"/>
-          </p:nvPr>
-        </p:nvSpPr>
-        <p:spPr>
-          <a:xfrm>
-            <a:off x="190413" y="1135245"/>
-            <a:ext cx="11804822" cy="5570355"/>
-          </a:xfrm>
-        </p:spPr>
-        <p:txBody>
-          <a:bodyPr>
-            <a:normAutofit/>
-          </a:bodyPr>
-          <a:lstStyle/>
-          <a:p>
-            <a:pPr>
-              <a:lnSpc>
-                <a:spcPct val="100000"/>
-              </a:lnSpc>
-            </a:pPr>
-            <a:r>
-              <a:rPr lang="en-US" dirty="0" smtClean="0"/>
-              <a:t>Read some items’ prices from the console</a:t>
-            </a:r>
-          </a:p>
-          <a:p>
-            <a:pPr>
-              <a:lnSpc>
-                <a:spcPct val="100000"/>
-              </a:lnSpc>
-            </a:pPr>
-            <a:r>
-              <a:rPr lang="en-US" dirty="0" smtClean="0"/>
-              <a:t>Add </a:t>
-            </a:r>
-            <a:r>
-              <a:rPr lang="en-US" b="1" dirty="0" smtClean="0">
-                <a:solidFill>
-                  <a:schemeClr val="tx2">
-                    <a:lumMod val="75000"/>
-                  </a:schemeClr>
-                </a:solidFill>
-              </a:rPr>
-              <a:t>VAT</a:t>
-            </a:r>
-            <a:r>
-              <a:rPr lang="en-US" dirty="0" smtClean="0"/>
-              <a:t> of </a:t>
-            </a:r>
-            <a:r>
-              <a:rPr lang="en-US" b="1" dirty="0" smtClean="0">
-                <a:solidFill>
-                  <a:schemeClr val="tx2">
-                    <a:lumMod val="75000"/>
-                  </a:schemeClr>
-                </a:solidFill>
-              </a:rPr>
-              <a:t>20%</a:t>
-            </a:r>
-            <a:r>
-              <a:rPr lang="en-US" dirty="0" smtClean="0"/>
-              <a:t> to all of them</a:t>
-            </a:r>
-          </a:p>
-        </p:txBody>
-      </p:sp>
-      <p:sp>
-        <p:nvSpPr>
-          <p:cNvPr id="2" name="Slide Number Placeholder 1"/>
-          <p:cNvSpPr>
-            <a:spLocks noGrp="1"/>
-          </p:cNvSpPr>
-          <p:nvPr>
-            <p:ph type="sldNum" sz="quarter" idx="4"/>
-          </p:nvPr>
-        </p:nvSpPr>
-        <p:spPr/>
-        <p:txBody>
-          <a:bodyPr/>
-          <a:lstStyle/>
-          <a:p>
-            <a:fld id="{C014DD1E-5D91-48A3-AD6D-45FBA980D106}" type="slidenum">
-              <a:rPr lang="en-US" smtClean="0"/>
-              <a:pPr/>
-              <a:t>23</a:t>
+              <a:t>20</a:t>
             </a:fld>
             <a:endParaRPr lang="en-US" dirty="0"/>
           </a:p>
@@ -16791,7 +14000,7 @@
 </p:sld>
 </file>
 
-<file path=ppt/slides/slide24.xml><?xml version="1.0" encoding="utf-8"?>
+<file path=ppt/slides/slide21.xml><?xml version="1.0" encoding="utf-8"?>
 <p:sld xmlns:a="http://schemas.openxmlformats.org/drawingml/2006/main" xmlns:r="http://schemas.openxmlformats.org/officeDocument/2006/relationships" xmlns:p="http://schemas.openxmlformats.org/presentationml/2006/main">
   <p:cSld>
     <p:spTree>
@@ -16826,7 +14035,7 @@
             <a:fld id="{C014DD1E-5D91-48A3-AD6D-45FBA980D106}" type="slidenum">
               <a:rPr lang="en-US" smtClean="0"/>
               <a:pPr/>
-              <a:t>24</a:t>
+              <a:t>21</a:t>
             </a:fld>
             <a:endParaRPr lang="en-US" dirty="0"/>
           </a:p>
@@ -17492,204 +14701,7 @@
 </p:sld>
 </file>
 
-<file path=ppt/slides/slide25.xml><?xml version="1.0" encoding="utf-8"?>
-<p:sld xmlns:a="http://schemas.openxmlformats.org/drawingml/2006/main" xmlns:r="http://schemas.openxmlformats.org/officeDocument/2006/relationships" xmlns:p="http://schemas.openxmlformats.org/presentationml/2006/main">
-  <p:cSld>
-    <p:spTree>
-      <p:nvGrpSpPr>
-        <p:cNvPr id="1" name=""/>
-        <p:cNvGrpSpPr/>
-        <p:nvPr/>
-      </p:nvGrpSpPr>
-      <p:grpSpPr>
-        <a:xfrm>
-          <a:off x="0" y="0"/>
-          <a:ext cx="0" cy="0"/>
-          <a:chOff x="0" y="0"/>
-          <a:chExt cx="0" cy="0"/>
-        </a:xfrm>
-      </p:grpSpPr>
-      <p:sp>
-        <p:nvSpPr>
-          <p:cNvPr id="2" name="Title 1"/>
-          <p:cNvSpPr>
-            <a:spLocks noGrp="1"/>
-          </p:cNvSpPr>
-          <p:nvPr>
-            <p:ph type="title"/>
-          </p:nvPr>
-        </p:nvSpPr>
-        <p:spPr>
-          <a:xfrm>
-            <a:off x="173884" y="4876800"/>
-            <a:ext cx="11483128" cy="820600"/>
-          </a:xfrm>
-        </p:spPr>
-        <p:txBody>
-          <a:bodyPr/>
-          <a:lstStyle/>
-          <a:p>
-            <a:pPr algn="ctr"/>
-            <a:r>
-              <a:rPr lang="en-US" dirty="0" smtClean="0">
-                <a:effectLst>
-                  <a:outerShdw blurRad="50800" dist="38100" algn="tr" rotWithShape="0">
-                    <a:prstClr val="black">
-                      <a:alpha val="40000"/>
-                    </a:prstClr>
-                  </a:outerShdw>
-                </a:effectLst>
-              </a:rPr>
-              <a:t>Practice: Other Function Types</a:t>
-            </a:r>
-            <a:endParaRPr lang="en-US" dirty="0"/>
-          </a:p>
-        </p:txBody>
-      </p:sp>
-      <p:sp>
-        <p:nvSpPr>
-          <p:cNvPr id="3" name="Content Placeholder 2"/>
-          <p:cNvSpPr>
-            <a:spLocks noGrp="1"/>
-          </p:cNvSpPr>
-          <p:nvPr>
-            <p:ph type="body" idx="1"/>
-          </p:nvPr>
-        </p:nvSpPr>
-        <p:spPr>
-          <a:xfrm>
-            <a:off x="1446212" y="5754968"/>
-            <a:ext cx="8938472" cy="719034"/>
-          </a:xfrm>
-        </p:spPr>
-        <p:txBody>
-          <a:bodyPr/>
-          <a:lstStyle/>
-          <a:p>
-            <a:pPr marL="0" lvl="1" indent="0" algn="ctr">
-              <a:buNone/>
-            </a:pPr>
-            <a:r>
-              <a:rPr lang="en-US" sz="4000" dirty="0">
-                <a:solidFill>
-                  <a:schemeClr val="accent1"/>
-                </a:solidFill>
-              </a:rPr>
-              <a:t>Exercises in </a:t>
-            </a:r>
-            <a:r>
-              <a:rPr lang="en-US" sz="4000" dirty="0" smtClean="0">
-                <a:solidFill>
-                  <a:schemeClr val="accent1"/>
-                </a:solidFill>
-              </a:rPr>
-              <a:t>class (Lab)</a:t>
-            </a:r>
-            <a:endParaRPr lang="en-US" sz="4000" dirty="0">
-              <a:solidFill>
-                <a:schemeClr val="accent1"/>
-              </a:solidFill>
-            </a:endParaRPr>
-          </a:p>
-        </p:txBody>
-      </p:sp>
-      <p:pic>
-        <p:nvPicPr>
-          <p:cNvPr id="4" name="Picture 3"/>
-          <p:cNvPicPr>
-            <a:picLocks noChangeAspect="1"/>
-          </p:cNvPicPr>
-          <p:nvPr/>
-        </p:nvPicPr>
-        <p:blipFill>
-          <a:blip r:embed="rId2">
-            <a:extLst>
-              <a:ext uri="{28A0092B-C50C-407E-A947-70E740481C1C}">
-                <a14:useLocalDpi xmlns:a14="http://schemas.microsoft.com/office/drawing/2010/main" val="0"/>
-              </a:ext>
-            </a:extLst>
-          </a:blip>
-          <a:stretch>
-            <a:fillRect/>
-          </a:stretch>
-        </p:blipFill>
-        <p:spPr>
-          <a:xfrm rot="20937797">
-            <a:off x="1124594" y="2793644"/>
-            <a:ext cx="6746631" cy="1194926"/>
-          </a:xfrm>
-          <a:prstGeom prst="roundRect">
-            <a:avLst>
-              <a:gd name="adj" fmla="val 4719"/>
-            </a:avLst>
-          </a:prstGeom>
-          <a:ln>
-            <a:noFill/>
-          </a:ln>
-          <a:effectLst>
-            <a:outerShdw blurRad="127000" dist="38100" dir="2700000" algn="ctr">
-              <a:srgbClr val="000000">
-                <a:alpha val="45000"/>
-              </a:srgbClr>
-            </a:outerShdw>
-            <a:softEdge rad="31750"/>
-          </a:effectLst>
-          <a:scene3d>
-            <a:camera prst="perspectiveFront" fov="2700000">
-              <a:rot lat="20377253" lon="19314334" rev="551586"/>
-            </a:camera>
-            <a:lightRig rig="soft" dir="t"/>
-          </a:scene3d>
-          <a:sp3d prstMaterial="translucentPowder">
-            <a:bevelT w="203200" h="50800" prst="softRound"/>
-          </a:sp3d>
-        </p:spPr>
-      </p:pic>
-      <p:pic>
-        <p:nvPicPr>
-          <p:cNvPr id="5" name="Picture 4"/>
-          <p:cNvPicPr>
-            <a:picLocks noChangeAspect="1"/>
-          </p:cNvPicPr>
-          <p:nvPr/>
-        </p:nvPicPr>
-        <p:blipFill>
-          <a:blip r:embed="rId3"/>
-          <a:stretch>
-            <a:fillRect/>
-          </a:stretch>
-        </p:blipFill>
-        <p:spPr>
-          <a:xfrm>
-            <a:off x="6246812" y="1239232"/>
-            <a:ext cx="3524026" cy="3637568"/>
-          </a:xfrm>
-          <a:prstGeom prst="rect">
-            <a:avLst/>
-          </a:prstGeom>
-        </p:spPr>
-      </p:pic>
-    </p:spTree>
-    <p:extLst>
-      <p:ext uri="{BB962C8B-B14F-4D97-AF65-F5344CB8AC3E}">
-        <p14:creationId xmlns:p14="http://schemas.microsoft.com/office/powerpoint/2010/main" val="3456955722"/>
-      </p:ext>
-    </p:extLst>
-  </p:cSld>
-  <p:clrMapOvr>
-    <a:masterClrMapping/>
-  </p:clrMapOvr>
-  <p:timing>
-    <p:tnLst>
-      <p:par>
-        <p:cTn id="1" dur="indefinite" restart="never" nodeType="tmRoot"/>
-      </p:par>
-    </p:tnLst>
-  </p:timing>
-</p:sld>
-</file>
-
-<file path=ppt/slides/slide26.xml><?xml version="1.0" encoding="utf-8"?>
+<file path=ppt/slides/slide22.xml><?xml version="1.0" encoding="utf-8"?>
 <p:sld xmlns:a="http://schemas.openxmlformats.org/drawingml/2006/main" xmlns:r="http://schemas.openxmlformats.org/officeDocument/2006/relationships" xmlns:p="http://schemas.openxmlformats.org/presentationml/2006/main">
   <p:cSld>
     <p:spTree>
@@ -17812,7 +14824,7 @@
 </p:sld>
 </file>
 
-<file path=ppt/slides/slide27.xml><?xml version="1.0" encoding="utf-8"?>
+<file path=ppt/slides/slide23.xml><?xml version="1.0" encoding="utf-8"?>
 <p:sld xmlns:a="http://schemas.openxmlformats.org/drawingml/2006/main" xmlns:r="http://schemas.openxmlformats.org/officeDocument/2006/relationships" xmlns:p="http://schemas.openxmlformats.org/presentationml/2006/main">
   <p:cSld>
     <p:spTree>
@@ -17860,7 +14872,7 @@
               <a:pPr>
                 <a:defRPr/>
               </a:pPr>
-              <a:t>27</a:t>
+              <a:t>23</a:t>
             </a:fld>
             <a:endParaRPr lang="en-US" dirty="0"/>
           </a:p>
@@ -18607,7 +15619,7 @@
 </p:sld>
 </file>
 
-<file path=ppt/slides/slide28.xml><?xml version="1.0" encoding="utf-8"?>
+<file path=ppt/slides/slide24.xml><?xml version="1.0" encoding="utf-8"?>
 <p:sld xmlns:a="http://schemas.openxmlformats.org/drawingml/2006/main" xmlns:r="http://schemas.openxmlformats.org/officeDocument/2006/relationships" xmlns:p="http://schemas.openxmlformats.org/presentationml/2006/main">
   <p:cSld>
     <p:spTree>
@@ -18726,7 +15738,7 @@
             <a:fld id="{C014DD1E-5D91-48A3-AD6D-45FBA980D106}" type="slidenum">
               <a:rPr lang="en-US" smtClean="0"/>
               <a:pPr/>
-              <a:t>28</a:t>
+              <a:t>24</a:t>
             </a:fld>
             <a:endParaRPr lang="en-US" dirty="0"/>
           </a:p>
@@ -19235,7 +16247,7 @@
 </p:sld>
 </file>
 
-<file path=ppt/slides/slide29.xml><?xml version="1.0" encoding="utf-8"?>
+<file path=ppt/slides/slide25.xml><?xml version="1.0" encoding="utf-8"?>
 <p:sld xmlns:a="http://schemas.openxmlformats.org/drawingml/2006/main" xmlns:r="http://schemas.openxmlformats.org/officeDocument/2006/relationships" xmlns:p="http://schemas.openxmlformats.org/presentationml/2006/main">
   <p:cSld>
     <p:spTree>
@@ -19270,7 +16282,7 @@
             <a:fld id="{C014DD1E-5D91-48A3-AD6D-45FBA980D106}" type="slidenum">
               <a:rPr lang="en-US" smtClean="0"/>
               <a:pPr/>
-              <a:t>29</a:t>
+              <a:t>25</a:t>
             </a:fld>
             <a:endParaRPr lang="en-US" dirty="0"/>
           </a:p>
@@ -19999,153 +17011,7 @@
 </p:sld>
 </file>
 
-<file path=ppt/slides/slide3.xml><?xml version="1.0" encoding="utf-8"?>
-<p:sld xmlns:a="http://schemas.openxmlformats.org/drawingml/2006/main" xmlns:r="http://schemas.openxmlformats.org/officeDocument/2006/relationships" xmlns:p="http://schemas.openxmlformats.org/presentationml/2006/main">
-  <p:cSld>
-    <p:spTree>
-      <p:nvGrpSpPr>
-        <p:cNvPr id="1" name=""/>
-        <p:cNvGrpSpPr/>
-        <p:nvPr/>
-      </p:nvGrpSpPr>
-      <p:grpSpPr>
-        <a:xfrm>
-          <a:off x="0" y="0"/>
-          <a:ext cx="0" cy="0"/>
-          <a:chOff x="0" y="0"/>
-          <a:chExt cx="0" cy="0"/>
-        </a:xfrm>
-      </p:grpSpPr>
-      <p:sp>
-        <p:nvSpPr>
-          <p:cNvPr id="2" name="Slide Number Placeholder 1"/>
-          <p:cNvSpPr>
-            <a:spLocks noGrp="1"/>
-          </p:cNvSpPr>
-          <p:nvPr>
-            <p:ph type="sldNum" sz="quarter" idx="4"/>
-          </p:nvPr>
-        </p:nvSpPr>
-        <p:spPr/>
-        <p:txBody>
-          <a:bodyPr/>
-          <a:lstStyle/>
-          <a:p>
-            <a:fld id="{C014DD1E-5D91-48A3-AD6D-45FBA980D106}" type="slidenum">
-              <a:rPr lang="en-US" smtClean="0"/>
-              <a:pPr/>
-              <a:t>3</a:t>
-            </a:fld>
-            <a:endParaRPr lang="en-US" dirty="0"/>
-          </a:p>
-        </p:txBody>
-      </p:sp>
-      <p:sp>
-        <p:nvSpPr>
-          <p:cNvPr id="3" name="Content Placeholder 2"/>
-          <p:cNvSpPr>
-            <a:spLocks noGrp="1"/>
-          </p:cNvSpPr>
-          <p:nvPr>
-            <p:ph idx="1"/>
-          </p:nvPr>
-        </p:nvSpPr>
-        <p:spPr>
-          <a:xfrm>
-            <a:off x="190413" y="1151121"/>
-            <a:ext cx="11804822" cy="5373881"/>
-          </a:xfrm>
-        </p:spPr>
-        <p:txBody>
-          <a:bodyPr>
-            <a:normAutofit/>
-          </a:bodyPr>
-          <a:lstStyle/>
-          <a:p>
-            <a:pPr marL="0" indent="0" algn="ctr">
-              <a:buNone/>
-            </a:pPr>
-            <a:endParaRPr lang="bg-BG" b="1" dirty="0"/>
-          </a:p>
-          <a:p>
-            <a:pPr marL="0" indent="0" algn="ctr">
-              <a:buNone/>
-            </a:pPr>
-            <a:r>
-              <a:rPr lang="en-US" sz="7200" b="1" dirty="0">
-                <a:solidFill>
-                  <a:schemeClr val="tx2">
-                    <a:lumMod val="75000"/>
-                  </a:schemeClr>
-                </a:solidFill>
-              </a:rPr>
-              <a:t>sli.do</a:t>
-            </a:r>
-            <a:r>
-              <a:rPr lang="en-US" sz="6000" b="1" dirty="0"/>
-              <a:t/>
-            </a:r>
-            <a:br>
-              <a:rPr lang="en-US" sz="6000" b="1" dirty="0"/>
-            </a:br>
-            <a:r>
-              <a:rPr lang="en-US" sz="9600" b="1" dirty="0" smtClean="0"/>
-              <a:t>#</a:t>
-            </a:r>
-            <a:r>
-              <a:rPr lang="en-US" sz="9600" b="1" dirty="0" err="1" smtClean="0"/>
-              <a:t>JavaFundamentals</a:t>
-            </a:r>
-            <a:endParaRPr lang="en-US" sz="5400" b="1" dirty="0"/>
-          </a:p>
-          <a:p>
-            <a:endParaRPr lang="en-US" dirty="0"/>
-          </a:p>
-        </p:txBody>
-      </p:sp>
-      <p:sp>
-        <p:nvSpPr>
-          <p:cNvPr id="4" name="Title 3"/>
-          <p:cNvSpPr>
-            <a:spLocks noGrp="1"/>
-          </p:cNvSpPr>
-          <p:nvPr>
-            <p:ph type="title"/>
-          </p:nvPr>
-        </p:nvSpPr>
-        <p:spPr/>
-        <p:txBody>
-          <a:bodyPr/>
-          <a:lstStyle/>
-          <a:p>
-            <a:r>
-              <a:rPr lang="en-US" dirty="0"/>
-              <a:t>Questions</a:t>
-            </a:r>
-          </a:p>
-        </p:txBody>
-      </p:sp>
-    </p:spTree>
-    <p:extLst>
-      <p:ext uri="{BB962C8B-B14F-4D97-AF65-F5344CB8AC3E}">
-        <p14:creationId xmlns:p14="http://schemas.microsoft.com/office/powerpoint/2010/main" val="732003169"/>
-      </p:ext>
-    </p:extLst>
-  </p:cSld>
-  <p:clrMapOvr>
-    <a:masterClrMapping/>
-  </p:clrMapOvr>
-  <p:timing>
-    <p:tnLst>
-      <p:par>
-        <p:cTn id="1" dur="indefinite" restart="never" nodeType="tmRoot"/>
-      </p:par>
-    </p:tnLst>
-  </p:timing>
-</p:sld>
-</file>
-
-<file path=ppt/slides/slide30.xml><?xml version="1.0" encoding="utf-8"?>
+<file path=ppt/slides/slide26.xml><?xml version="1.0" encoding="utf-8"?>
 <p:sld xmlns:a="http://schemas.openxmlformats.org/drawingml/2006/main" xmlns:r="http://schemas.openxmlformats.org/officeDocument/2006/relationships" xmlns:p="http://schemas.openxmlformats.org/presentationml/2006/main">
   <p:cSld>
     <p:spTree>
@@ -20189,7 +17055,7 @@
               <a:pPr>
                 <a:defRPr/>
               </a:pPr>
-              <a:t>30</a:t>
+              <a:t>26</a:t>
             </a:fld>
             <a:endParaRPr lang="en-US" dirty="0"/>
           </a:p>
@@ -20913,7 +17779,7 @@
 </p:sld>
 </file>
 
-<file path=ppt/slides/slide31.xml><?xml version="1.0" encoding="utf-8"?>
+<file path=ppt/slides/slide27.xml><?xml version="1.0" encoding="utf-8"?>
 <p:sld xmlns:a="http://schemas.openxmlformats.org/drawingml/2006/main" xmlns:r="http://schemas.openxmlformats.org/officeDocument/2006/relationships" xmlns:p="http://schemas.openxmlformats.org/presentationml/2006/main">
   <p:cSld>
     <p:spTree>
@@ -21091,7 +17957,7 @@
             <a:fld id="{C014DD1E-5D91-48A3-AD6D-45FBA980D106}" type="slidenum">
               <a:rPr lang="en-US" smtClean="0"/>
               <a:pPr/>
-              <a:t>31</a:t>
+              <a:t>27</a:t>
             </a:fld>
             <a:endParaRPr lang="en-US" dirty="0"/>
           </a:p>
@@ -23579,7 +20445,7 @@
 </p:sld>
 </file>
 
-<file path=ppt/slides/slide32.xml><?xml version="1.0" encoding="utf-8"?>
+<file path=ppt/slides/slide28.xml><?xml version="1.0" encoding="utf-8"?>
 <p:sld xmlns:a="http://schemas.openxmlformats.org/drawingml/2006/main" xmlns:r="http://schemas.openxmlformats.org/officeDocument/2006/relationships" xmlns:p="http://schemas.openxmlformats.org/presentationml/2006/main">
   <p:cSld>
     <p:spTree>
@@ -23614,7 +20480,7 @@
             <a:fld id="{C014DD1E-5D91-48A3-AD6D-45FBA980D106}" type="slidenum">
               <a:rPr lang="en-US" smtClean="0"/>
               <a:pPr/>
-              <a:t>32</a:t>
+              <a:t>28</a:t>
             </a:fld>
             <a:endParaRPr lang="en-US" dirty="0"/>
           </a:p>
@@ -24302,7 +21168,7 @@
 </p:sld>
 </file>
 
-<file path=ppt/slides/slide33.xml><?xml version="1.0" encoding="utf-8"?>
+<file path=ppt/slides/slide29.xml><?xml version="1.0" encoding="utf-8"?>
 <p:sld xmlns:a="http://schemas.openxmlformats.org/drawingml/2006/main" xmlns:r="http://schemas.openxmlformats.org/officeDocument/2006/relationships" xmlns:p="http://schemas.openxmlformats.org/presentationml/2006/main">
   <p:cSld>
     <p:spTree>
@@ -24337,7 +21203,7 @@
             <a:fld id="{C014DD1E-5D91-48A3-AD6D-45FBA980D106}" type="slidenum">
               <a:rPr lang="en-US" smtClean="0"/>
               <a:pPr/>
-              <a:t>33</a:t>
+              <a:t>29</a:t>
             </a:fld>
             <a:endParaRPr lang="en-US" dirty="0"/>
           </a:p>
@@ -25213,7 +22079,7 @@
 </p:sld>
 </file>
 
-<file path=ppt/slides/slide34.xml><?xml version="1.0" encoding="utf-8"?>
+<file path=ppt/slides/slide3.xml><?xml version="1.0" encoding="utf-8"?>
 <p:sld xmlns:a="http://schemas.openxmlformats.org/drawingml/2006/main" xmlns:r="http://schemas.openxmlformats.org/officeDocument/2006/relationships" xmlns:p="http://schemas.openxmlformats.org/presentationml/2006/main">
   <p:cSld>
     <p:spTree>
@@ -25248,7 +22114,153 @@
             <a:fld id="{C014DD1E-5D91-48A3-AD6D-45FBA980D106}" type="slidenum">
               <a:rPr lang="en-US" smtClean="0"/>
               <a:pPr/>
-              <a:t>34</a:t>
+              <a:t>3</a:t>
+            </a:fld>
+            <a:endParaRPr lang="en-US" dirty="0"/>
+          </a:p>
+        </p:txBody>
+      </p:sp>
+      <p:sp>
+        <p:nvSpPr>
+          <p:cNvPr id="3" name="Content Placeholder 2"/>
+          <p:cNvSpPr>
+            <a:spLocks noGrp="1"/>
+          </p:cNvSpPr>
+          <p:nvPr>
+            <p:ph idx="1"/>
+          </p:nvPr>
+        </p:nvSpPr>
+        <p:spPr>
+          <a:xfrm>
+            <a:off x="190413" y="1151121"/>
+            <a:ext cx="11804822" cy="5373881"/>
+          </a:xfrm>
+        </p:spPr>
+        <p:txBody>
+          <a:bodyPr>
+            <a:normAutofit/>
+          </a:bodyPr>
+          <a:lstStyle/>
+          <a:p>
+            <a:pPr marL="0" indent="0" algn="ctr">
+              <a:buNone/>
+            </a:pPr>
+            <a:endParaRPr lang="bg-BG" b="1" dirty="0"/>
+          </a:p>
+          <a:p>
+            <a:pPr marL="0" indent="0" algn="ctr">
+              <a:buNone/>
+            </a:pPr>
+            <a:r>
+              <a:rPr lang="en-US" sz="7200" b="1" dirty="0">
+                <a:solidFill>
+                  <a:schemeClr val="tx2">
+                    <a:lumMod val="75000"/>
+                  </a:schemeClr>
+                </a:solidFill>
+              </a:rPr>
+              <a:t>sli.do</a:t>
+            </a:r>
+            <a:r>
+              <a:rPr lang="en-US" sz="6000" b="1" dirty="0"/>
+              <a:t/>
+            </a:r>
+            <a:br>
+              <a:rPr lang="en-US" sz="6000" b="1" dirty="0"/>
+            </a:br>
+            <a:r>
+              <a:rPr lang="en-US" sz="9600" b="1" dirty="0" smtClean="0"/>
+              <a:t>#</a:t>
+            </a:r>
+            <a:r>
+              <a:rPr lang="en-US" sz="9600" b="1" dirty="0" err="1" smtClean="0"/>
+              <a:t>JavaFundamentals</a:t>
+            </a:r>
+            <a:endParaRPr lang="en-US" sz="5400" b="1" dirty="0"/>
+          </a:p>
+          <a:p>
+            <a:endParaRPr lang="en-US" dirty="0"/>
+          </a:p>
+        </p:txBody>
+      </p:sp>
+      <p:sp>
+        <p:nvSpPr>
+          <p:cNvPr id="4" name="Title 3"/>
+          <p:cNvSpPr>
+            <a:spLocks noGrp="1"/>
+          </p:cNvSpPr>
+          <p:nvPr>
+            <p:ph type="title"/>
+          </p:nvPr>
+        </p:nvSpPr>
+        <p:spPr/>
+        <p:txBody>
+          <a:bodyPr/>
+          <a:lstStyle/>
+          <a:p>
+            <a:r>
+              <a:rPr lang="en-US" dirty="0"/>
+              <a:t>Questions</a:t>
+            </a:r>
+          </a:p>
+        </p:txBody>
+      </p:sp>
+    </p:spTree>
+    <p:extLst>
+      <p:ext uri="{BB962C8B-B14F-4D97-AF65-F5344CB8AC3E}">
+        <p14:creationId xmlns:p14="http://schemas.microsoft.com/office/powerpoint/2010/main" val="732003169"/>
+      </p:ext>
+    </p:extLst>
+  </p:cSld>
+  <p:clrMapOvr>
+    <a:masterClrMapping/>
+  </p:clrMapOvr>
+  <p:timing>
+    <p:tnLst>
+      <p:par>
+        <p:cTn id="1" dur="indefinite" restart="never" nodeType="tmRoot"/>
+      </p:par>
+    </p:tnLst>
+  </p:timing>
+</p:sld>
+</file>
+
+<file path=ppt/slides/slide30.xml><?xml version="1.0" encoding="utf-8"?>
+<p:sld xmlns:a="http://schemas.openxmlformats.org/drawingml/2006/main" xmlns:r="http://schemas.openxmlformats.org/officeDocument/2006/relationships" xmlns:p="http://schemas.openxmlformats.org/presentationml/2006/main">
+  <p:cSld>
+    <p:spTree>
+      <p:nvGrpSpPr>
+        <p:cNvPr id="1" name=""/>
+        <p:cNvGrpSpPr/>
+        <p:nvPr/>
+      </p:nvGrpSpPr>
+      <p:grpSpPr>
+        <a:xfrm>
+          <a:off x="0" y="0"/>
+          <a:ext cx="0" cy="0"/>
+          <a:chOff x="0" y="0"/>
+          <a:chExt cx="0" cy="0"/>
+        </a:xfrm>
+      </p:grpSpPr>
+      <p:sp>
+        <p:nvSpPr>
+          <p:cNvPr id="2" name="Slide Number Placeholder 1"/>
+          <p:cNvSpPr>
+            <a:spLocks noGrp="1"/>
+          </p:cNvSpPr>
+          <p:nvPr>
+            <p:ph type="sldNum" sz="quarter" idx="4"/>
+          </p:nvPr>
+        </p:nvSpPr>
+        <p:spPr/>
+        <p:txBody>
+          <a:bodyPr/>
+          <a:lstStyle/>
+          <a:p>
+            <a:fld id="{C014DD1E-5D91-48A3-AD6D-45FBA980D106}" type="slidenum">
+              <a:rPr lang="en-US" smtClean="0"/>
+              <a:pPr/>
+              <a:t>30</a:t>
             </a:fld>
             <a:endParaRPr lang="en-US" dirty="0"/>
           </a:p>
@@ -26104,176 +23116,7 @@
 </p:sld>
 </file>
 
-<file path=ppt/slides/slide35.xml><?xml version="1.0" encoding="utf-8"?>
-<p:sld xmlns:a="http://schemas.openxmlformats.org/drawingml/2006/main" xmlns:r="http://schemas.openxmlformats.org/officeDocument/2006/relationships" xmlns:p="http://schemas.openxmlformats.org/presentationml/2006/main">
-  <p:cSld>
-    <p:spTree>
-      <p:nvGrpSpPr>
-        <p:cNvPr id="1" name=""/>
-        <p:cNvGrpSpPr/>
-        <p:nvPr/>
-      </p:nvGrpSpPr>
-      <p:grpSpPr>
-        <a:xfrm>
-          <a:off x="0" y="0"/>
-          <a:ext cx="0" cy="0"/>
-          <a:chOff x="0" y="0"/>
-          <a:chExt cx="0" cy="0"/>
-        </a:xfrm>
-      </p:grpSpPr>
-      <p:sp>
-        <p:nvSpPr>
-          <p:cNvPr id="2" name="Title 1"/>
-          <p:cNvSpPr>
-            <a:spLocks noGrp="1"/>
-          </p:cNvSpPr>
-          <p:nvPr>
-            <p:ph type="title"/>
-          </p:nvPr>
-        </p:nvSpPr>
-        <p:spPr>
-          <a:xfrm>
-            <a:off x="608012" y="4128903"/>
-            <a:ext cx="11201400" cy="1568497"/>
-          </a:xfrm>
-        </p:spPr>
-        <p:txBody>
-          <a:bodyPr/>
-          <a:lstStyle/>
-          <a:p>
-            <a:pPr algn="ctr"/>
-            <a:r>
-              <a:rPr lang="en-US" dirty="0" smtClean="0">
-                <a:effectLst>
-                  <a:outerShdw blurRad="50800" dist="38100" algn="tr" rotWithShape="0">
-                    <a:prstClr val="black">
-                      <a:alpha val="40000"/>
-                    </a:prstClr>
-                  </a:outerShdw>
-                </a:effectLst>
-              </a:rPr>
-              <a:t>Practice: Passing </a:t>
-            </a:r>
-            <a:r>
-              <a:rPr lang="en-US" dirty="0">
-                <a:effectLst>
-                  <a:outerShdw blurRad="50800" dist="38100" algn="tr" rotWithShape="0">
-                    <a:prstClr val="black">
-                      <a:alpha val="40000"/>
-                    </a:prstClr>
-                  </a:outerShdw>
-                </a:effectLst>
-              </a:rPr>
-              <a:t>Functions to </a:t>
-            </a:r>
-            <a:r>
-              <a:rPr lang="en-US" dirty="0" smtClean="0">
-                <a:effectLst>
-                  <a:outerShdw blurRad="50800" dist="38100" algn="tr" rotWithShape="0">
-                    <a:prstClr val="black">
-                      <a:alpha val="40000"/>
-                    </a:prstClr>
-                  </a:outerShdw>
-                </a:effectLst>
-              </a:rPr>
-              <a:t>Methods</a:t>
-            </a:r>
-            <a:endParaRPr lang="en-US" dirty="0"/>
-          </a:p>
-        </p:txBody>
-      </p:sp>
-      <p:sp>
-        <p:nvSpPr>
-          <p:cNvPr id="3" name="Content Placeholder 2"/>
-          <p:cNvSpPr>
-            <a:spLocks noGrp="1"/>
-          </p:cNvSpPr>
-          <p:nvPr>
-            <p:ph type="body" idx="1"/>
-          </p:nvPr>
-        </p:nvSpPr>
-        <p:spPr>
-          <a:xfrm>
-            <a:off x="1446212" y="5754968"/>
-            <a:ext cx="8938472" cy="719034"/>
-          </a:xfrm>
-        </p:spPr>
-        <p:txBody>
-          <a:bodyPr/>
-          <a:lstStyle/>
-          <a:p>
-            <a:pPr marL="0" lvl="1" indent="0" algn="ctr">
-              <a:buNone/>
-            </a:pPr>
-            <a:r>
-              <a:rPr lang="en-US" sz="4000" dirty="0">
-                <a:solidFill>
-                  <a:schemeClr val="accent1"/>
-                </a:solidFill>
-              </a:rPr>
-              <a:t>Exercises in </a:t>
-            </a:r>
-            <a:r>
-              <a:rPr lang="en-US" sz="4000" dirty="0" smtClean="0">
-                <a:solidFill>
-                  <a:schemeClr val="accent1"/>
-                </a:solidFill>
-              </a:rPr>
-              <a:t>class (Lab)</a:t>
-            </a:r>
-            <a:endParaRPr lang="en-US" sz="4000" dirty="0">
-              <a:solidFill>
-                <a:schemeClr val="accent1"/>
-              </a:solidFill>
-            </a:endParaRPr>
-          </a:p>
-        </p:txBody>
-      </p:sp>
-      <p:pic>
-        <p:nvPicPr>
-          <p:cNvPr id="5" name="Picture 4"/>
-          <p:cNvPicPr>
-            <a:picLocks noChangeAspect="1"/>
-          </p:cNvPicPr>
-          <p:nvPr/>
-        </p:nvPicPr>
-        <p:blipFill>
-          <a:blip r:embed="rId2"/>
-          <a:stretch>
-            <a:fillRect/>
-          </a:stretch>
-        </p:blipFill>
-        <p:spPr>
-          <a:xfrm>
-            <a:off x="4332399" y="914400"/>
-            <a:ext cx="3524026" cy="3637568"/>
-          </a:xfrm>
-          <a:prstGeom prst="rect">
-            <a:avLst/>
-          </a:prstGeom>
-        </p:spPr>
-      </p:pic>
-    </p:spTree>
-    <p:extLst>
-      <p:ext uri="{BB962C8B-B14F-4D97-AF65-F5344CB8AC3E}">
-        <p14:creationId xmlns:p14="http://schemas.microsoft.com/office/powerpoint/2010/main" val="2213557656"/>
-      </p:ext>
-    </p:extLst>
-  </p:cSld>
-  <p:clrMapOvr>
-    <a:masterClrMapping/>
-  </p:clrMapOvr>
-  <p:timing>
-    <p:tnLst>
-      <p:par>
-        <p:cTn id="1" dur="indefinite" restart="never" nodeType="tmRoot"/>
-      </p:par>
-    </p:tnLst>
-  </p:timing>
-</p:sld>
-</file>
-
-<file path=ppt/slides/slide36.xml><?xml version="1.0" encoding="utf-8"?>
+<file path=ppt/slides/slide31.xml><?xml version="1.0" encoding="utf-8"?>
 <p:sld xmlns:a="http://schemas.openxmlformats.org/drawingml/2006/main" xmlns:r="http://schemas.openxmlformats.org/officeDocument/2006/relationships" xmlns:p="http://schemas.openxmlformats.org/presentationml/2006/main">
   <p:cSld>
     <p:spTree>
@@ -26308,7 +23151,7 @@
             <a:fld id="{C014DD1E-5D91-48A3-AD6D-45FBA980D106}" type="slidenum">
               <a:rPr lang="en-US" smtClean="0"/>
               <a:pPr/>
-              <a:t>36</a:t>
+              <a:t>31</a:t>
             </a:fld>
             <a:endParaRPr lang="en-US" dirty="0"/>
           </a:p>
@@ -26570,7 +23413,6 @@
               <a:rPr lang="en-US" dirty="0" smtClean="0"/>
               <a:t>accepts two parameters</a:t>
             </a:r>
-            <a:endParaRPr lang="en-US" dirty="0" smtClean="0"/>
           </a:p>
           <a:p>
             <a:pPr marL="358775" indent="-358775">
@@ -27010,746 +23852,6 @@
       </p:par>
     </p:tnLst>
   </p:timing>
-</p:sld>
-</file>
-
-<file path=ppt/slides/slide37.xml><?xml version="1.0" encoding="utf-8"?>
-<p:sld xmlns:a="http://schemas.openxmlformats.org/drawingml/2006/main" xmlns:r="http://schemas.openxmlformats.org/officeDocument/2006/relationships" xmlns:p="http://schemas.openxmlformats.org/presentationml/2006/main">
-  <p:cSld>
-    <p:spTree>
-      <p:nvGrpSpPr>
-        <p:cNvPr id="1" name=""/>
-        <p:cNvGrpSpPr/>
-        <p:nvPr/>
-      </p:nvGrpSpPr>
-      <p:grpSpPr>
-        <a:xfrm>
-          <a:off x="0" y="0"/>
-          <a:ext cx="0" cy="0"/>
-          <a:chOff x="0" y="0"/>
-          <a:chExt cx="0" cy="0"/>
-        </a:xfrm>
-      </p:grpSpPr>
-      <p:sp>
-        <p:nvSpPr>
-          <p:cNvPr id="11" name="Title 10"/>
-          <p:cNvSpPr>
-            <a:spLocks noGrp="1"/>
-          </p:cNvSpPr>
-          <p:nvPr>
-            <p:ph type="title"/>
-          </p:nvPr>
-        </p:nvSpPr>
-        <p:spPr/>
-        <p:txBody>
-          <a:bodyPr>
-            <a:normAutofit/>
-          </a:bodyPr>
-          <a:lstStyle/>
-          <a:p>
-            <a:r>
-              <a:rPr lang="en-US" dirty="0" smtClean="0"/>
-              <a:t>Functional Programming</a:t>
-            </a:r>
-            <a:endParaRPr lang="en-US" dirty="0"/>
-          </a:p>
-        </p:txBody>
-      </p:sp>
-      <p:sp>
-        <p:nvSpPr>
-          <p:cNvPr id="3" name="Text Placeholder 2"/>
-          <p:cNvSpPr>
-            <a:spLocks noGrp="1"/>
-          </p:cNvSpPr>
-          <p:nvPr>
-            <p:ph type="body" sz="quarter" idx="10"/>
-          </p:nvPr>
-        </p:nvSpPr>
-        <p:spPr>
-          <a:xfrm>
-            <a:off x="1529384" y="6400802"/>
-            <a:ext cx="10482604" cy="351754"/>
-          </a:xfrm>
-        </p:spPr>
-        <p:txBody>
-          <a:bodyPr/>
-          <a:lstStyle/>
-          <a:p>
-            <a:r>
-              <a:rPr lang="en-US" dirty="0">
-                <a:hlinkClick r:id="rId3"/>
-              </a:rPr>
-              <a:t>https://softuni.bg/opencourses/algorithms</a:t>
-            </a:r>
-            <a:endParaRPr lang="en-US" dirty="0"/>
-          </a:p>
-        </p:txBody>
-      </p:sp>
-      <p:pic>
-        <p:nvPicPr>
-          <p:cNvPr id="13" name="Picture 12">
-            <a:hlinkClick r:id="rId4"/>
-          </p:cNvPr>
-          <p:cNvPicPr>
-            <a:picLocks noChangeAspect="1"/>
-          </p:cNvPicPr>
-          <p:nvPr/>
-        </p:nvPicPr>
-        <p:blipFill rotWithShape="1">
-          <a:blip r:embed="rId5"/>
-          <a:srcRect l="-16203" r="-16203"/>
-          <a:stretch/>
-        </p:blipFill>
-        <p:spPr>
-          <a:xfrm>
-            <a:off x="303212" y="1246226"/>
-            <a:ext cx="2763622" cy="957764"/>
-          </a:xfrm>
-          <a:prstGeom prst="roundRect">
-            <a:avLst>
-              <a:gd name="adj" fmla="val 3159"/>
-            </a:avLst>
-          </a:prstGeom>
-          <a:solidFill>
-            <a:schemeClr val="tx1"/>
-          </a:solidFill>
-        </p:spPr>
-      </p:pic>
-      <p:pic>
-        <p:nvPicPr>
-          <p:cNvPr id="14" name="Picture 13">
-            <a:hlinkClick r:id="rId6"/>
-          </p:cNvPr>
-          <p:cNvPicPr>
-            <a:picLocks noChangeAspect="1"/>
-          </p:cNvPicPr>
-          <p:nvPr/>
-        </p:nvPicPr>
-        <p:blipFill rotWithShape="1">
-          <a:blip r:embed="rId7"/>
-          <a:srcRect l="-5908" r="-5908"/>
-          <a:stretch/>
-        </p:blipFill>
-        <p:spPr>
-          <a:xfrm>
-            <a:off x="3787286" y="1254944"/>
-            <a:ext cx="2763621" cy="949046"/>
-          </a:xfrm>
-          <a:prstGeom prst="roundRect">
-            <a:avLst>
-              <a:gd name="adj" fmla="val 3159"/>
-            </a:avLst>
-          </a:prstGeom>
-          <a:solidFill>
-            <a:schemeClr val="tx1"/>
-          </a:solidFill>
-        </p:spPr>
-      </p:pic>
-      <p:pic>
-        <p:nvPicPr>
-          <p:cNvPr id="16" name="Picture 15">
-            <a:hlinkClick r:id="rId8"/>
-          </p:cNvPr>
-          <p:cNvPicPr>
-            <a:picLocks noChangeAspect="1"/>
-          </p:cNvPicPr>
-          <p:nvPr/>
-        </p:nvPicPr>
-        <p:blipFill rotWithShape="1">
-          <a:blip r:embed="rId9"/>
-          <a:srcRect l="-25003" r="-25003"/>
-          <a:stretch/>
-        </p:blipFill>
-        <p:spPr>
-          <a:xfrm>
-            <a:off x="7271358" y="4002018"/>
-            <a:ext cx="4614255" cy="949046"/>
-          </a:xfrm>
-          <a:prstGeom prst="roundRect">
-            <a:avLst>
-              <a:gd name="adj" fmla="val 2953"/>
-            </a:avLst>
-          </a:prstGeom>
-          <a:solidFill>
-            <a:schemeClr val="tx1"/>
-          </a:solidFill>
-        </p:spPr>
-      </p:pic>
-      <p:pic>
-        <p:nvPicPr>
-          <p:cNvPr id="17" name="Picture 16">
-            <a:hlinkClick r:id="rId10"/>
-          </p:cNvPr>
-          <p:cNvPicPr>
-            <a:picLocks noChangeAspect="1"/>
-          </p:cNvPicPr>
-          <p:nvPr/>
-        </p:nvPicPr>
-        <p:blipFill rotWithShape="1">
-          <a:blip r:embed="rId11"/>
-          <a:srcRect l="-705" r="-705"/>
-          <a:stretch/>
-        </p:blipFill>
-        <p:spPr>
-          <a:xfrm>
-            <a:off x="7271358" y="5375554"/>
-            <a:ext cx="4614255" cy="949046"/>
-          </a:xfrm>
-          <a:prstGeom prst="roundRect">
-            <a:avLst>
-              <a:gd name="adj" fmla="val 3159"/>
-            </a:avLst>
-          </a:prstGeom>
-          <a:solidFill>
-            <a:schemeClr val="tx1"/>
-          </a:solidFill>
-        </p:spPr>
-      </p:pic>
-      <p:pic>
-        <p:nvPicPr>
-          <p:cNvPr id="18" name="Picture 17">
-            <a:hlinkClick r:id="rId12"/>
-          </p:cNvPr>
-          <p:cNvPicPr>
-            <a:picLocks noChangeAspect="1"/>
-          </p:cNvPicPr>
-          <p:nvPr/>
-        </p:nvPicPr>
-        <p:blipFill rotWithShape="1">
-          <a:blip r:embed="rId13"/>
-          <a:srcRect t="-66530" b="-59505"/>
-          <a:stretch/>
-        </p:blipFill>
-        <p:spPr>
-          <a:xfrm>
-            <a:off x="7271358" y="2619763"/>
-            <a:ext cx="4614255" cy="957764"/>
-          </a:xfrm>
-          <a:prstGeom prst="roundRect">
-            <a:avLst>
-              <a:gd name="adj" fmla="val 3159"/>
-            </a:avLst>
-          </a:prstGeom>
-          <a:solidFill>
-            <a:schemeClr val="tx1"/>
-          </a:solidFill>
-        </p:spPr>
-      </p:pic>
-      <p:pic>
-        <p:nvPicPr>
-          <p:cNvPr id="20" name="Picture 19">
-            <a:hlinkClick r:id="rId14"/>
-          </p:cNvPr>
-          <p:cNvPicPr>
-            <a:picLocks noChangeAspect="1"/>
-          </p:cNvPicPr>
-          <p:nvPr/>
-        </p:nvPicPr>
-        <p:blipFill rotWithShape="1">
-          <a:blip r:embed="rId15"/>
-          <a:srcRect l="-14709" r="-14709"/>
-          <a:stretch/>
-        </p:blipFill>
-        <p:spPr>
-          <a:xfrm>
-            <a:off x="303212" y="5375554"/>
-            <a:ext cx="2763622" cy="949046"/>
-          </a:xfrm>
-          <a:prstGeom prst="roundRect">
-            <a:avLst>
-              <a:gd name="adj" fmla="val 3159"/>
-            </a:avLst>
-          </a:prstGeom>
-          <a:solidFill>
-            <a:schemeClr val="tx1"/>
-          </a:solidFill>
-        </p:spPr>
-      </p:pic>
-      <p:pic>
-        <p:nvPicPr>
-          <p:cNvPr id="21" name="Picture 20">
-            <a:hlinkClick r:id="rId16"/>
-          </p:cNvPr>
-          <p:cNvPicPr>
-            <a:picLocks noChangeAspect="1"/>
-          </p:cNvPicPr>
-          <p:nvPr/>
-        </p:nvPicPr>
-        <p:blipFill>
-          <a:blip r:embed="rId17"/>
-          <a:stretch>
-            <a:fillRect/>
-          </a:stretch>
-        </p:blipFill>
-        <p:spPr>
-          <a:xfrm>
-            <a:off x="3787284" y="5375554"/>
-            <a:ext cx="2763622" cy="949046"/>
-          </a:xfrm>
-          <a:prstGeom prst="roundRect">
-            <a:avLst>
-              <a:gd name="adj" fmla="val 3159"/>
-            </a:avLst>
-          </a:prstGeom>
-        </p:spPr>
-      </p:pic>
-      <p:pic>
-        <p:nvPicPr>
-          <p:cNvPr id="24" name="Picture 23">
-            <a:hlinkClick r:id="rId18"/>
-          </p:cNvPr>
-          <p:cNvPicPr>
-            <a:picLocks noChangeAspect="1"/>
-          </p:cNvPicPr>
-          <p:nvPr/>
-        </p:nvPicPr>
-        <p:blipFill rotWithShape="1">
-          <a:blip r:embed="rId19"/>
-          <a:srcRect l="-9951" r="-9951"/>
-          <a:stretch/>
-        </p:blipFill>
-        <p:spPr>
-          <a:xfrm>
-            <a:off x="7271358" y="1246226"/>
-            <a:ext cx="4614254" cy="949046"/>
-          </a:xfrm>
-          <a:prstGeom prst="roundRect">
-            <a:avLst>
-              <a:gd name="adj" fmla="val 3159"/>
-            </a:avLst>
-          </a:prstGeom>
-          <a:solidFill>
-            <a:schemeClr val="tx1"/>
-          </a:solidFill>
-        </p:spPr>
-      </p:pic>
-    </p:spTree>
-    <p:extLst>
-      <p:ext uri="{BB962C8B-B14F-4D97-AF65-F5344CB8AC3E}">
-        <p14:creationId xmlns:p14="http://schemas.microsoft.com/office/powerpoint/2010/main" val="3504329172"/>
-      </p:ext>
-    </p:extLst>
-  </p:cSld>
-  <p:clrMapOvr>
-    <a:masterClrMapping/>
-  </p:clrMapOvr>
-  <mc:AlternateContent xmlns:mc="http://schemas.openxmlformats.org/markup-compatibility/2006" xmlns:p14="http://schemas.microsoft.com/office/powerpoint/2010/main">
-    <mc:Choice Requires="p14">
-      <p:transition p14:dur="0"/>
-    </mc:Choice>
-    <mc:Fallback xmlns="">
-      <p:transition/>
-    </mc:Fallback>
-  </mc:AlternateContent>
-  <p:timing>
-    <p:tnLst>
-      <p:par>
-        <p:cTn id="1" dur="indefinite" restart="never" nodeType="tmRoot"/>
-      </p:par>
-    </p:tnLst>
-  </p:timing>
-</p:sld>
-</file>
-
-<file path=ppt/slides/slide38.xml><?xml version="1.0" encoding="utf-8"?>
-<p:sld xmlns:a="http://schemas.openxmlformats.org/drawingml/2006/main" xmlns:r="http://schemas.openxmlformats.org/officeDocument/2006/relationships" xmlns:p="http://schemas.openxmlformats.org/presentationml/2006/main">
-  <p:cSld>
-    <p:spTree>
-      <p:nvGrpSpPr>
-        <p:cNvPr id="1" name=""/>
-        <p:cNvGrpSpPr/>
-        <p:nvPr/>
-      </p:nvGrpSpPr>
-      <p:grpSpPr>
-        <a:xfrm>
-          <a:off x="0" y="0"/>
-          <a:ext cx="0" cy="0"/>
-          <a:chOff x="0" y="0"/>
-          <a:chExt cx="0" cy="0"/>
-        </a:xfrm>
-      </p:grpSpPr>
-      <p:sp>
-        <p:nvSpPr>
-          <p:cNvPr id="3" name="Title 2"/>
-          <p:cNvSpPr>
-            <a:spLocks noGrp="1"/>
-          </p:cNvSpPr>
-          <p:nvPr>
-            <p:ph type="title" idx="4294967295"/>
-          </p:nvPr>
-        </p:nvSpPr>
-        <p:spPr>
-          <a:xfrm>
-            <a:off x="144462" y="103188"/>
-            <a:ext cx="9074150" cy="936625"/>
-          </a:xfrm>
-        </p:spPr>
-        <p:txBody>
-          <a:bodyPr>
-            <a:normAutofit/>
-          </a:bodyPr>
-          <a:lstStyle/>
-          <a:p>
-            <a:r>
-              <a:rPr lang="en-US" dirty="0"/>
-              <a:t>Trainings @ Software University</a:t>
-            </a:r>
-            <a:r>
-              <a:rPr lang="bg-BG" dirty="0"/>
-              <a:t> (</a:t>
-            </a:r>
-            <a:r>
-              <a:rPr lang="en-US" dirty="0"/>
-              <a:t>SoftUni)</a:t>
-            </a:r>
-          </a:p>
-        </p:txBody>
-      </p:sp>
-      <p:sp>
-        <p:nvSpPr>
-          <p:cNvPr id="4" name="Content Placeholder 3"/>
-          <p:cNvSpPr>
-            <a:spLocks noGrp="1"/>
-          </p:cNvSpPr>
-          <p:nvPr>
-            <p:ph idx="4294967295"/>
-          </p:nvPr>
-        </p:nvSpPr>
-        <p:spPr>
-          <a:xfrm>
-            <a:off x="241299" y="1039813"/>
-            <a:ext cx="9434513" cy="5638800"/>
-          </a:xfrm>
-        </p:spPr>
-        <p:txBody>
-          <a:bodyPr>
-            <a:noAutofit/>
-          </a:bodyPr>
-          <a:lstStyle/>
-          <a:p>
-            <a:pPr>
-              <a:lnSpc>
-                <a:spcPct val="100000"/>
-              </a:lnSpc>
-            </a:pPr>
-            <a:r>
-              <a:rPr lang="en-US" sz="3200" dirty="0"/>
-              <a:t>Software University – High-Quality Education, Profession and Job for Software Developers</a:t>
-            </a:r>
-          </a:p>
-          <a:p>
-            <a:pPr lvl="1">
-              <a:lnSpc>
-                <a:spcPct val="100000"/>
-              </a:lnSpc>
-            </a:pPr>
-            <a:r>
-              <a:rPr lang="en-US" sz="2900" noProof="1">
-                <a:hlinkClick r:id="rId3"/>
-              </a:rPr>
-              <a:t>softuni.bg</a:t>
-            </a:r>
-            <a:r>
-              <a:rPr lang="en-US" sz="2900" noProof="1"/>
-              <a:t> </a:t>
-            </a:r>
-          </a:p>
-          <a:p>
-            <a:pPr>
-              <a:lnSpc>
-                <a:spcPct val="100000"/>
-              </a:lnSpc>
-            </a:pPr>
-            <a:r>
-              <a:rPr lang="en-US" sz="3200" dirty="0"/>
-              <a:t>Software University Foundation</a:t>
-            </a:r>
-            <a:endParaRPr lang="bg-BG" sz="3200" dirty="0"/>
-          </a:p>
-          <a:p>
-            <a:pPr lvl="1">
-              <a:lnSpc>
-                <a:spcPct val="100000"/>
-              </a:lnSpc>
-            </a:pPr>
-            <a:r>
-              <a:rPr lang="en-US" sz="3000" noProof="1">
-                <a:hlinkClick r:id="rId4"/>
-              </a:rPr>
-              <a:t>http://softuni.foundation/</a:t>
-            </a:r>
-            <a:endParaRPr lang="en-US" sz="3000" noProof="1"/>
-          </a:p>
-          <a:p>
-            <a:pPr marL="304747" lvl="1" indent="-304747">
-              <a:lnSpc>
-                <a:spcPct val="100000"/>
-              </a:lnSpc>
-              <a:buClr>
-                <a:srgbClr val="F2B254"/>
-              </a:buClr>
-              <a:buSzPct val="100000"/>
-              <a:tabLst>
-                <a:tab pos="282575" algn="l"/>
-              </a:tabLst>
-            </a:pPr>
-            <a:r>
-              <a:rPr lang="en-US" dirty="0"/>
-              <a:t>Software University @ Facebook</a:t>
-            </a:r>
-          </a:p>
-          <a:p>
-            <a:pPr lvl="1">
-              <a:lnSpc>
-                <a:spcPct val="100000"/>
-              </a:lnSpc>
-              <a:tabLst>
-                <a:tab pos="282575" algn="l"/>
-              </a:tabLst>
-            </a:pPr>
-            <a:r>
-              <a:rPr lang="en-US" sz="2900" noProof="1">
-                <a:hlinkClick r:id="rId5"/>
-              </a:rPr>
-              <a:t>facebook.com/SoftwareUniversity</a:t>
-            </a:r>
-            <a:endParaRPr lang="en-US" sz="2900" noProof="1"/>
-          </a:p>
-          <a:p>
-            <a:pPr marL="304747" lvl="1" indent="-304747">
-              <a:lnSpc>
-                <a:spcPct val="100000"/>
-              </a:lnSpc>
-              <a:buClr>
-                <a:srgbClr val="F2B254"/>
-              </a:buClr>
-              <a:buSzPct val="100000"/>
-              <a:tabLst>
-                <a:tab pos="282575" algn="l"/>
-              </a:tabLst>
-            </a:pPr>
-            <a:r>
-              <a:rPr lang="en-US" noProof="1"/>
-              <a:t>Software University Forums</a:t>
-            </a:r>
-            <a:endParaRPr lang="bg-BG" noProof="1"/>
-          </a:p>
-          <a:p>
-            <a:pPr marL="609494" lvl="2" indent="-304747">
-              <a:lnSpc>
-                <a:spcPct val="100000"/>
-              </a:lnSpc>
-              <a:buClr>
-                <a:srgbClr val="F2B254"/>
-              </a:buClr>
-              <a:buSzPct val="100000"/>
-              <a:tabLst>
-                <a:tab pos="282575" algn="l"/>
-              </a:tabLst>
-            </a:pPr>
-            <a:r>
-              <a:rPr lang="en-US" dirty="0">
-                <a:hlinkClick r:id="rId6"/>
-              </a:rPr>
-              <a:t>forum.softuni.bg</a:t>
-            </a:r>
-            <a:endParaRPr lang="en-US" noProof="1"/>
-          </a:p>
-        </p:txBody>
-      </p:sp>
-      <p:pic>
-        <p:nvPicPr>
-          <p:cNvPr id="10" name="Picture 9">
-            <a:hlinkClick r:id="rId4" tooltip="Software University Foundation"/>
-          </p:cNvPr>
-          <p:cNvPicPr>
-            <a:picLocks noChangeAspect="1"/>
-          </p:cNvPicPr>
-          <p:nvPr/>
-        </p:nvPicPr>
-        <p:blipFill>
-          <a:blip r:embed="rId7" cstate="print">
-            <a:extLst>
-              <a:ext uri="{28A0092B-C50C-407E-A947-70E740481C1C}">
-                <a14:useLocalDpi xmlns:a14="http://schemas.microsoft.com/office/drawing/2010/main" val="0"/>
-              </a:ext>
-            </a:extLst>
-          </a:blip>
-          <a:stretch>
-            <a:fillRect/>
-          </a:stretch>
-        </p:blipFill>
-        <p:spPr>
-          <a:xfrm>
-            <a:off x="9457098" y="3019984"/>
-            <a:ext cx="2269870" cy="566147"/>
-          </a:xfrm>
-          <a:prstGeom prst="roundRect">
-            <a:avLst>
-              <a:gd name="adj" fmla="val 3940"/>
-            </a:avLst>
-          </a:prstGeom>
-          <a:solidFill>
-            <a:srgbClr val="231F20">
-              <a:alpha val="50000"/>
-            </a:srgbClr>
-          </a:solidFill>
-          <a:ln>
-            <a:noFill/>
-          </a:ln>
-        </p:spPr>
-      </p:pic>
-      <p:pic>
-        <p:nvPicPr>
-          <p:cNvPr id="11" name="Picture 4" descr="http://www.facebook.com/SoftwareUniversity" title="Software University @ Facebook">
-            <a:hlinkClick r:id="rId8" tooltip="Software University @ Facebook"/>
-          </p:cNvPr>
-          <p:cNvPicPr>
-            <a:picLocks noChangeAspect="1" noChangeArrowheads="1"/>
-          </p:cNvPicPr>
-          <p:nvPr/>
-        </p:nvPicPr>
-        <p:blipFill rotWithShape="1">
-          <a:blip r:embed="rId9" cstate="print">
-            <a:extLst>
-              <a:ext uri="{28A0092B-C50C-407E-A947-70E740481C1C}">
-                <a14:useLocalDpi xmlns:a14="http://schemas.microsoft.com/office/drawing/2010/main"/>
-              </a:ext>
-            </a:extLst>
-          </a:blip>
-          <a:srcRect/>
-          <a:stretch/>
-        </p:blipFill>
-        <p:spPr bwMode="auto">
-          <a:xfrm>
-            <a:off x="10075536" y="4064268"/>
-            <a:ext cx="1003954" cy="1017562"/>
-          </a:xfrm>
-          <a:prstGeom prst="rect">
-            <a:avLst/>
-          </a:prstGeom>
-          <a:noFill/>
-          <a:extLst>
-            <a:ext uri="{909E8E84-426E-40DD-AFC4-6F175D3DCCD1}">
-              <a14:hiddenFill xmlns:a14="http://schemas.microsoft.com/office/drawing/2010/main">
-                <a:solidFill>
-                  <a:srgbClr val="FFFFFF"/>
-                </a:solidFill>
-              </a14:hiddenFill>
-            </a:ext>
-          </a:extLst>
-        </p:spPr>
-      </p:pic>
-      <p:pic>
-        <p:nvPicPr>
-          <p:cNvPr id="13" name="Picture 12" descr="http://forum.softuni.bg" title="Software University - Forum">
-            <a:hlinkClick r:id="rId6" tooltip="Software University Discussion Forum"/>
-          </p:cNvPr>
-          <p:cNvPicPr>
-            <a:picLocks noChangeAspect="1"/>
-          </p:cNvPicPr>
-          <p:nvPr/>
-        </p:nvPicPr>
-        <p:blipFill>
-          <a:blip r:embed="rId10" cstate="print">
-            <a:extLst>
-              <a:ext uri="{28A0092B-C50C-407E-A947-70E740481C1C}">
-                <a14:useLocalDpi xmlns:a14="http://schemas.microsoft.com/office/drawing/2010/main"/>
-              </a:ext>
-            </a:extLst>
-          </a:blip>
-          <a:stretch>
-            <a:fillRect/>
-          </a:stretch>
-        </p:blipFill>
-        <p:spPr>
-          <a:xfrm>
-            <a:off x="10109334" y="5410200"/>
-            <a:ext cx="970156" cy="965726"/>
-          </a:xfrm>
-          <a:prstGeom prst="rect">
-            <a:avLst/>
-          </a:prstGeom>
-        </p:spPr>
-      </p:pic>
-      <p:pic>
-        <p:nvPicPr>
-          <p:cNvPr id="5" name="Picture 4">
-            <a:hlinkClick r:id="rId3"/>
-          </p:cNvPr>
-          <p:cNvPicPr>
-            <a:picLocks noChangeAspect="1"/>
-          </p:cNvPicPr>
-          <p:nvPr/>
-        </p:nvPicPr>
-        <p:blipFill>
-          <a:blip r:embed="rId11" cstate="print">
-            <a:extLst>
-              <a:ext uri="{28A0092B-C50C-407E-A947-70E740481C1C}">
-                <a14:useLocalDpi xmlns:a14="http://schemas.microsoft.com/office/drawing/2010/main" val="0"/>
-              </a:ext>
-            </a:extLst>
-          </a:blip>
-          <a:stretch>
-            <a:fillRect/>
-          </a:stretch>
-        </p:blipFill>
-        <p:spPr>
-          <a:xfrm>
-            <a:off x="6295183" y="2727414"/>
-            <a:ext cx="2746993" cy="3657600"/>
-          </a:xfrm>
-          <a:prstGeom prst="rect">
-            <a:avLst/>
-          </a:prstGeom>
-        </p:spPr>
-      </p:pic>
-      <p:pic>
-        <p:nvPicPr>
-          <p:cNvPr id="16" name="Picture 15" descr="A picture containing clipart&#10;&#10;Description generated with very high confidence">
-            <a:extLst>
-              <a:ext uri="{FF2B5EF4-FFF2-40B4-BE49-F238E27FC236}">
-                <a16:creationId xmlns="" xmlns:a16="http://schemas.microsoft.com/office/drawing/2014/main" id="{1D5EA20F-A08B-46D3-A0D8-2268395A0484}"/>
-              </a:ext>
-            </a:extLst>
-          </p:cNvPr>
-          <p:cNvPicPr>
-            <a:picLocks noChangeAspect="1"/>
-          </p:cNvPicPr>
-          <p:nvPr/>
-        </p:nvPicPr>
-        <p:blipFill>
-          <a:blip r:embed="rId12" cstate="print">
-            <a:extLst>
-              <a:ext uri="{28A0092B-C50C-407E-A947-70E740481C1C}">
-                <a14:useLocalDpi xmlns:a14="http://schemas.microsoft.com/office/drawing/2010/main" val="0"/>
-              </a:ext>
-            </a:extLst>
-          </a:blip>
-          <a:stretch>
-            <a:fillRect/>
-          </a:stretch>
-        </p:blipFill>
-        <p:spPr>
-          <a:xfrm>
-            <a:off x="9829444" y="1039681"/>
-            <a:ext cx="1496137" cy="1845841"/>
-          </a:xfrm>
-          <a:prstGeom prst="rect">
-            <a:avLst/>
-          </a:prstGeom>
-        </p:spPr>
-      </p:pic>
-    </p:spTree>
-    <p:extLst>
-      <p:ext uri="{BB962C8B-B14F-4D97-AF65-F5344CB8AC3E}">
-        <p14:creationId xmlns:p14="http://schemas.microsoft.com/office/powerpoint/2010/main" val="3830346028"/>
-      </p:ext>
-    </p:extLst>
-  </p:cSld>
-  <p:clrMapOvr>
-    <a:masterClrMapping/>
-  </p:clrMapOvr>
 </p:sld>
 </file>
 
@@ -29869,15 +25971,7 @@
             </a:r>
             <a:r>
               <a:rPr lang="en-US" dirty="0" smtClean="0"/>
-              <a:t>ambda </a:t>
-            </a:r>
-            <a:r>
-              <a:rPr lang="en-US" dirty="0" smtClean="0"/>
-              <a:t>expression </a:t>
-            </a:r>
-            <a:r>
-              <a:rPr lang="en-US" dirty="0" smtClean="0"/>
-              <a:t>- </a:t>
+              <a:t>ambda expression - </a:t>
             </a:r>
             <a:r>
               <a:rPr lang="en-US" b="1" dirty="0" smtClean="0">
@@ -29889,13 +25983,6 @@
               </a:rPr>
               <a:t>unnamed function </a:t>
             </a:r>
-            <a:endParaRPr lang="en-US" b="1" dirty="0" smtClean="0">
-              <a:solidFill>
-                <a:schemeClr val="tx2">
-                  <a:lumMod val="75000"/>
-                </a:schemeClr>
-              </a:solidFill>
-            </a:endParaRPr>
           </a:p>
           <a:p>
             <a:pPr lvl="1">
@@ -29905,15 +25992,7 @@
             </a:pPr>
             <a:r>
               <a:rPr lang="en-US" dirty="0" smtClean="0"/>
-              <a:t>Has </a:t>
-            </a:r>
-            <a:r>
-              <a:rPr lang="en-US" dirty="0" smtClean="0"/>
-              <a:t>parameters </a:t>
-            </a:r>
-            <a:r>
-              <a:rPr lang="en-US" dirty="0" smtClean="0"/>
-              <a:t>and a body</a:t>
+              <a:t>Has parameters and a body</a:t>
             </a:r>
           </a:p>
           <a:p>
@@ -29972,11 +26051,7 @@
             </a:r>
             <a:r>
               <a:rPr lang="en-US" sz="3400" dirty="0" smtClean="0"/>
-              <a:t>Read </a:t>
-            </a:r>
-            <a:r>
-              <a:rPr lang="en-US" sz="3400" dirty="0" smtClean="0"/>
-              <a:t>as "</a:t>
+              <a:t>Read as "</a:t>
             </a:r>
             <a:r>
               <a:rPr lang="en-US" sz="3400" b="1" dirty="0" smtClean="0">
